--- a/Wildfire Assessment edited2.pptx
+++ b/Wildfire Assessment edited2.pptx
@@ -2,7 +2,7 @@
 <file path=ppt/presentation.xml><?xml version="1.0" encoding="utf-8"?>
 <p:presentation xmlns:a="http://schemas.openxmlformats.org/drawingml/2006/main" xmlns:r="http://schemas.openxmlformats.org/officeDocument/2006/relationships" xmlns:p="http://schemas.openxmlformats.org/presentationml/2006/main" saveSubsetFonts="1">
   <p:sldMasterIdLst>
-    <p:sldMasterId id="2147483687" r:id="rId1"/>
+    <p:sldMasterId id="2147483705" r:id="rId1"/>
   </p:sldMasterIdLst>
   <p:sldIdLst>
     <p:sldId id="256" r:id="rId2"/>
@@ -42,9 +42,9 @@
   <p:notesSz cx="6858000" cy="9144000"/>
   <p:defaultTextStyle>
     <a:defPPr>
-      <a:defRPr lang="en-US"/>
+      <a:defRPr lang="nl-NL"/>
     </a:defPPr>
-    <a:lvl1pPr marL="0" algn="l" defTabSz="457200" rtl="0" eaLnBrk="1" latinLnBrk="0" hangingPunct="1">
+    <a:lvl1pPr marL="0" algn="l" defTabSz="914400" rtl="0" eaLnBrk="1" latinLnBrk="0" hangingPunct="1">
       <a:defRPr sz="1800" kern="1200">
         <a:solidFill>
           <a:schemeClr val="tx1"/>
@@ -54,7 +54,7 @@
         <a:cs typeface="+mn-cs"/>
       </a:defRPr>
     </a:lvl1pPr>
-    <a:lvl2pPr marL="457200" algn="l" defTabSz="457200" rtl="0" eaLnBrk="1" latinLnBrk="0" hangingPunct="1">
+    <a:lvl2pPr marL="457200" algn="l" defTabSz="914400" rtl="0" eaLnBrk="1" latinLnBrk="0" hangingPunct="1">
       <a:defRPr sz="1800" kern="1200">
         <a:solidFill>
           <a:schemeClr val="tx1"/>
@@ -64,7 +64,7 @@
         <a:cs typeface="+mn-cs"/>
       </a:defRPr>
     </a:lvl2pPr>
-    <a:lvl3pPr marL="914400" algn="l" defTabSz="457200" rtl="0" eaLnBrk="1" latinLnBrk="0" hangingPunct="1">
+    <a:lvl3pPr marL="914400" algn="l" defTabSz="914400" rtl="0" eaLnBrk="1" latinLnBrk="0" hangingPunct="1">
       <a:defRPr sz="1800" kern="1200">
         <a:solidFill>
           <a:schemeClr val="tx1"/>
@@ -74,7 +74,7 @@
         <a:cs typeface="+mn-cs"/>
       </a:defRPr>
     </a:lvl3pPr>
-    <a:lvl4pPr marL="1371600" algn="l" defTabSz="457200" rtl="0" eaLnBrk="1" latinLnBrk="0" hangingPunct="1">
+    <a:lvl4pPr marL="1371600" algn="l" defTabSz="914400" rtl="0" eaLnBrk="1" latinLnBrk="0" hangingPunct="1">
       <a:defRPr sz="1800" kern="1200">
         <a:solidFill>
           <a:schemeClr val="tx1"/>
@@ -84,7 +84,7 @@
         <a:cs typeface="+mn-cs"/>
       </a:defRPr>
     </a:lvl4pPr>
-    <a:lvl5pPr marL="1828800" algn="l" defTabSz="457200" rtl="0" eaLnBrk="1" latinLnBrk="0" hangingPunct="1">
+    <a:lvl5pPr marL="1828800" algn="l" defTabSz="914400" rtl="0" eaLnBrk="1" latinLnBrk="0" hangingPunct="1">
       <a:defRPr sz="1800" kern="1200">
         <a:solidFill>
           <a:schemeClr val="tx1"/>
@@ -94,7 +94,7 @@
         <a:cs typeface="+mn-cs"/>
       </a:defRPr>
     </a:lvl5pPr>
-    <a:lvl6pPr marL="2286000" algn="l" defTabSz="457200" rtl="0" eaLnBrk="1" latinLnBrk="0" hangingPunct="1">
+    <a:lvl6pPr marL="2286000" algn="l" defTabSz="914400" rtl="0" eaLnBrk="1" latinLnBrk="0" hangingPunct="1">
       <a:defRPr sz="1800" kern="1200">
         <a:solidFill>
           <a:schemeClr val="tx1"/>
@@ -104,7 +104,7 @@
         <a:cs typeface="+mn-cs"/>
       </a:defRPr>
     </a:lvl6pPr>
-    <a:lvl7pPr marL="2743200" algn="l" defTabSz="457200" rtl="0" eaLnBrk="1" latinLnBrk="0" hangingPunct="1">
+    <a:lvl7pPr marL="2743200" algn="l" defTabSz="914400" rtl="0" eaLnBrk="1" latinLnBrk="0" hangingPunct="1">
       <a:defRPr sz="1800" kern="1200">
         <a:solidFill>
           <a:schemeClr val="tx1"/>
@@ -114,7 +114,7 @@
         <a:cs typeface="+mn-cs"/>
       </a:defRPr>
     </a:lvl7pPr>
-    <a:lvl8pPr marL="3200400" algn="l" defTabSz="457200" rtl="0" eaLnBrk="1" latinLnBrk="0" hangingPunct="1">
+    <a:lvl8pPr marL="3200400" algn="l" defTabSz="914400" rtl="0" eaLnBrk="1" latinLnBrk="0" hangingPunct="1">
       <a:defRPr sz="1800" kern="1200">
         <a:solidFill>
           <a:schemeClr val="tx1"/>
@@ -124,7 +124,7 @@
         <a:cs typeface="+mn-cs"/>
       </a:defRPr>
     </a:lvl8pPr>
-    <a:lvl9pPr marL="3657600" algn="l" defTabSz="457200" rtl="0" eaLnBrk="1" latinLnBrk="0" hangingPunct="1">
+    <a:lvl9pPr marL="3657600" algn="l" defTabSz="914400" rtl="0" eaLnBrk="1" latinLnBrk="0" hangingPunct="1">
       <a:defRPr sz="1800" kern="1200">
         <a:solidFill>
           <a:schemeClr val="tx1"/>
@@ -160,39 +160,15 @@
           <a:chExt cx="0" cy="0"/>
         </a:xfrm>
       </p:grpSpPr>
-      <p:pic>
-        <p:nvPicPr>
-          <p:cNvPr id="7" name="Picture 6" descr="C0-HD-BTM.png"/>
-          <p:cNvPicPr>
-            <a:picLocks noChangeAspect="1"/>
-          </p:cNvPicPr>
-          <p:nvPr/>
-        </p:nvPicPr>
-        <p:blipFill>
-          <a:blip r:embed="rId2">
-            <a:extLst>
-              <a:ext uri="{28A0092B-C50C-407E-A947-70E740481C1C}">
-                <a14:useLocalDpi xmlns:a14="http://schemas.microsoft.com/office/drawing/2010/main" val="0"/>
-              </a:ext>
-            </a:extLst>
-          </a:blip>
-          <a:stretch>
-            <a:fillRect/>
-          </a:stretch>
-        </p:blipFill>
-        <p:spPr>
-          <a:xfrm>
-            <a:off x="0" y="4375150"/>
-            <a:ext cx="12192000" cy="2482850"/>
-          </a:xfrm>
-          <a:prstGeom prst="rect">
-            <a:avLst/>
-          </a:prstGeom>
-        </p:spPr>
-      </p:pic>
       <p:sp>
         <p:nvSpPr>
-          <p:cNvPr id="2" name="Title 1"/>
+          <p:cNvPr id="2" name="Title 1">
+            <a:extLst>
+              <a:ext uri="{FF2B5EF4-FFF2-40B4-BE49-F238E27FC236}">
+                <a16:creationId xmlns:a16="http://schemas.microsoft.com/office/drawing/2014/main" id="{A144D25C-F20E-FBD0-F9E4-84A58F7956A9}"/>
+              </a:ext>
+            </a:extLst>
+          </p:cNvPr>
           <p:cNvSpPr>
             <a:spLocks noGrp="1"/>
           </p:cNvSpPr>
@@ -202,31 +178,35 @@
         </p:nvSpPr>
         <p:spPr>
           <a:xfrm>
-            <a:off x="1371600" y="1803405"/>
-            <a:ext cx="9448800" cy="1825096"/>
+            <a:off x="1524000" y="1122363"/>
+            <a:ext cx="9144000" cy="2387600"/>
           </a:xfrm>
         </p:spPr>
         <p:txBody>
-          <a:bodyPr anchor="b">
-            <a:normAutofit/>
-          </a:bodyPr>
+          <a:bodyPr anchor="b"/>
           <a:lstStyle>
-            <a:lvl1pPr algn="l">
+            <a:lvl1pPr algn="ctr">
               <a:defRPr sz="6000"/>
             </a:lvl1pPr>
           </a:lstStyle>
           <a:p>
             <a:r>
-              <a:rPr lang="en-GB"/>
+              <a:rPr lang="en-US"/>
               <a:t>Click to edit Master title style</a:t>
             </a:r>
-            <a:endParaRPr lang="en-US" dirty="0"/>
+            <a:endParaRPr lang="nl-NL"/>
           </a:p>
         </p:txBody>
       </p:sp>
       <p:sp>
         <p:nvSpPr>
-          <p:cNvPr id="3" name="Subtitle 2"/>
+          <p:cNvPr id="3" name="Subtitle 2">
+            <a:extLst>
+              <a:ext uri="{FF2B5EF4-FFF2-40B4-BE49-F238E27FC236}">
+                <a16:creationId xmlns:a16="http://schemas.microsoft.com/office/drawing/2014/main" id="{38C19292-64D6-59CF-E78A-03AED1FF37CF}"/>
+              </a:ext>
+            </a:extLst>
+          </p:cNvPr>
           <p:cNvSpPr>
             <a:spLocks noGrp="1"/>
           </p:cNvSpPr>
@@ -236,18 +216,16 @@
         </p:nvSpPr>
         <p:spPr>
           <a:xfrm>
-            <a:off x="1371600" y="3632201"/>
-            <a:ext cx="9448800" cy="685800"/>
+            <a:off x="1524000" y="3602038"/>
+            <a:ext cx="9144000" cy="1655762"/>
           </a:xfrm>
         </p:spPr>
         <p:txBody>
-          <a:bodyPr>
-            <a:normAutofit/>
-          </a:bodyPr>
+          <a:bodyPr/>
           <a:lstStyle>
-            <a:lvl1pPr marL="0" indent="0" algn="l">
+            <a:lvl1pPr marL="0" indent="0" algn="ctr">
               <a:buNone/>
-              <a:defRPr sz="2000"/>
+              <a:defRPr sz="2400"/>
             </a:lvl1pPr>
             <a:lvl2pPr marL="457200" indent="0" algn="ctr">
               <a:buNone/>
@@ -284,16 +262,22 @@
           </a:lstStyle>
           <a:p>
             <a:r>
-              <a:rPr lang="en-GB"/>
+              <a:rPr lang="en-US"/>
               <a:t>Click to edit Master subtitle style</a:t>
             </a:r>
-            <a:endParaRPr lang="en-US" dirty="0"/>
+            <a:endParaRPr lang="nl-NL"/>
           </a:p>
         </p:txBody>
       </p:sp>
       <p:sp>
         <p:nvSpPr>
-          <p:cNvPr id="4" name="Date Placeholder 3"/>
+          <p:cNvPr id="4" name="Date Placeholder 3">
+            <a:extLst>
+              <a:ext uri="{FF2B5EF4-FFF2-40B4-BE49-F238E27FC236}">
+                <a16:creationId xmlns:a16="http://schemas.microsoft.com/office/drawing/2014/main" id="{90935ABB-369E-45FE-E7A7-2C46C3B44563}"/>
+              </a:ext>
+            </a:extLst>
+          </p:cNvPr>
           <p:cNvSpPr>
             <a:spLocks noGrp="1"/>
           </p:cNvSpPr>
@@ -301,19 +285,14 @@
             <p:ph type="dt" sz="half" idx="10"/>
           </p:nvPr>
         </p:nvSpPr>
-        <p:spPr>
-          <a:xfrm>
-            <a:off x="7909561" y="4314328"/>
-            <a:ext cx="2910840" cy="374642"/>
-          </a:xfrm>
-        </p:spPr>
+        <p:spPr/>
         <p:txBody>
           <a:bodyPr/>
           <a:lstStyle/>
           <a:p>
             <a:fld id="{8F72BA41-EC5B-4197-BCC8-0FD2E523CD7A}" type="datetimeFigureOut">
               <a:rPr lang="en-US" smtClean="0"/>
-              <a:t>11/1/2023</a:t>
+              <a:t>10/3/2024</a:t>
             </a:fld>
             <a:endParaRPr lang="en-US"/>
           </a:p>
@@ -321,7 +300,13 @@
       </p:sp>
       <p:sp>
         <p:nvSpPr>
-          <p:cNvPr id="5" name="Footer Placeholder 4"/>
+          <p:cNvPr id="5" name="Footer Placeholder 4">
+            <a:extLst>
+              <a:ext uri="{FF2B5EF4-FFF2-40B4-BE49-F238E27FC236}">
+                <a16:creationId xmlns:a16="http://schemas.microsoft.com/office/drawing/2014/main" id="{75E3A95B-0AF7-DA15-A840-EEEC2F81DEFC}"/>
+              </a:ext>
+            </a:extLst>
+          </p:cNvPr>
           <p:cNvSpPr>
             <a:spLocks noGrp="1"/>
           </p:cNvSpPr>
@@ -329,12 +314,7 @@
             <p:ph type="ftr" sz="quarter" idx="11"/>
           </p:nvPr>
         </p:nvSpPr>
-        <p:spPr>
-          <a:xfrm>
-            <a:off x="1371600" y="4323845"/>
-            <a:ext cx="6400800" cy="365125"/>
-          </a:xfrm>
-        </p:spPr>
+        <p:spPr/>
         <p:txBody>
           <a:bodyPr/>
           <a:lstStyle/>
@@ -345,7 +325,13 @@
       </p:sp>
       <p:sp>
         <p:nvSpPr>
-          <p:cNvPr id="6" name="Slide Number Placeholder 5"/>
+          <p:cNvPr id="6" name="Slide Number Placeholder 5">
+            <a:extLst>
+              <a:ext uri="{FF2B5EF4-FFF2-40B4-BE49-F238E27FC236}">
+                <a16:creationId xmlns:a16="http://schemas.microsoft.com/office/drawing/2014/main" id="{25E5172D-06EF-86D4-1878-82F67D7ABE5B}"/>
+              </a:ext>
+            </a:extLst>
+          </p:cNvPr>
           <p:cNvSpPr>
             <a:spLocks noGrp="1"/>
           </p:cNvSpPr>
@@ -353,12 +339,7 @@
             <p:ph type="sldNum" sz="quarter" idx="12"/>
           </p:nvPr>
         </p:nvSpPr>
-        <p:spPr>
-          <a:xfrm>
-            <a:off x="8077200" y="1430866"/>
-            <a:ext cx="2743200" cy="365125"/>
-          </a:xfrm>
-        </p:spPr>
+        <p:spPr/>
         <p:txBody>
           <a:bodyPr/>
           <a:lstStyle/>
@@ -374,7 +355,7 @@
     </p:spTree>
     <p:extLst>
       <p:ext uri="{BB962C8B-B14F-4D97-AF65-F5344CB8AC3E}">
-        <p14:creationId xmlns:p14="http://schemas.microsoft.com/office/powerpoint/2010/main" val="4063276299"/>
+        <p14:creationId xmlns:p14="http://schemas.microsoft.com/office/powerpoint/2010/main" val="2339358853"/>
       </p:ext>
     </p:extLst>
   </p:cSld>
@@ -385,8 +366,8 @@
 </file>
 
 <file path=ppt/slideLayouts/slideLayout10.xml><?xml version="1.0" encoding="utf-8"?>
-<p:sldLayout xmlns:a="http://schemas.openxmlformats.org/drawingml/2006/main" xmlns:r="http://schemas.openxmlformats.org/officeDocument/2006/relationships" xmlns:p="http://schemas.openxmlformats.org/presentationml/2006/main" preserve="1">
-  <p:cSld name="Panoramic Picture with Caption">
+<p:sldLayout xmlns:a="http://schemas.openxmlformats.org/drawingml/2006/main" xmlns:r="http://schemas.openxmlformats.org/officeDocument/2006/relationships" xmlns:p="http://schemas.openxmlformats.org/presentationml/2006/main" type="vertTx" preserve="1">
+  <p:cSld name="Title and Vertical Text">
     <p:spTree>
       <p:nvGrpSpPr>
         <p:cNvPr id="1" name=""/>
@@ -403,7 +384,13 @@
       </p:grpSpPr>
       <p:sp>
         <p:nvSpPr>
-          <p:cNvPr id="2" name="Title 1"/>
+          <p:cNvPr id="2" name="Title 1">
+            <a:extLst>
+              <a:ext uri="{FF2B5EF4-FFF2-40B4-BE49-F238E27FC236}">
+                <a16:creationId xmlns:a16="http://schemas.microsoft.com/office/drawing/2014/main" id="{084A9576-6102-5001-B685-E3FA74E4ADB0}"/>
+              </a:ext>
+            </a:extLst>
+          </p:cNvPr>
           <p:cNvSpPr>
             <a:spLocks noGrp="1"/>
           </p:cNvSpPr>
@@ -411,161 +398,86 @@
             <p:ph type="title"/>
           </p:nvPr>
         </p:nvSpPr>
-        <p:spPr>
-          <a:xfrm>
-            <a:off x="685777" y="4697360"/>
-            <a:ext cx="10822034" cy="819355"/>
-          </a:xfrm>
-        </p:spPr>
+        <p:spPr/>
         <p:txBody>
-          <a:bodyPr anchor="b"/>
-          <a:lstStyle>
-            <a:lvl1pPr algn="l">
-              <a:defRPr sz="3200"/>
-            </a:lvl1pPr>
-          </a:lstStyle>
-          <a:p>
-            <a:r>
-              <a:rPr lang="en-GB"/>
+          <a:bodyPr/>
+          <a:lstStyle/>
+          <a:p>
+            <a:r>
+              <a:rPr lang="en-US"/>
               <a:t>Click to edit Master title style</a:t>
             </a:r>
-            <a:endParaRPr lang="en-US" dirty="0"/>
+            <a:endParaRPr lang="nl-NL"/>
           </a:p>
         </p:txBody>
       </p:sp>
       <p:sp>
         <p:nvSpPr>
-          <p:cNvPr id="3" name="Picture Placeholder 2"/>
+          <p:cNvPr id="3" name="Vertical Text Placeholder 2">
+            <a:extLst>
+              <a:ext uri="{FF2B5EF4-FFF2-40B4-BE49-F238E27FC236}">
+                <a16:creationId xmlns:a16="http://schemas.microsoft.com/office/drawing/2014/main" id="{014748C7-A74A-0274-19FA-10326A6EFF39}"/>
+              </a:ext>
+            </a:extLst>
+          </p:cNvPr>
           <p:cNvSpPr>
-            <a:spLocks noGrp="1" noChangeAspect="1"/>
+            <a:spLocks noGrp="1"/>
           </p:cNvSpPr>
           <p:nvPr>
-            <p:ph type="pic" idx="1"/>
+            <p:ph type="body" orient="vert" idx="1"/>
           </p:nvPr>
         </p:nvSpPr>
-        <p:spPr>
-          <a:xfrm>
-            <a:off x="681727" y="941439"/>
-            <a:ext cx="10821840" cy="3478161"/>
-          </a:xfrm>
-        </p:spPr>
+        <p:spPr/>
         <p:txBody>
-          <a:bodyPr anchor="t"/>
-          <a:lstStyle>
-            <a:lvl1pPr marL="0" indent="0">
-              <a:buNone/>
-              <a:defRPr sz="3200"/>
-            </a:lvl1pPr>
-            <a:lvl2pPr marL="457200" indent="0">
-              <a:buNone/>
-              <a:defRPr sz="2800"/>
-            </a:lvl2pPr>
-            <a:lvl3pPr marL="914400" indent="0">
-              <a:buNone/>
-              <a:defRPr sz="2400"/>
-            </a:lvl3pPr>
-            <a:lvl4pPr marL="1371600" indent="0">
-              <a:buNone/>
-              <a:defRPr sz="2000"/>
-            </a:lvl4pPr>
-            <a:lvl5pPr marL="1828800" indent="0">
-              <a:buNone/>
-              <a:defRPr sz="2000"/>
-            </a:lvl5pPr>
-            <a:lvl6pPr marL="2286000" indent="0">
-              <a:buNone/>
-              <a:defRPr sz="2000"/>
-            </a:lvl6pPr>
-            <a:lvl7pPr marL="2743200" indent="0">
-              <a:buNone/>
-              <a:defRPr sz="2000"/>
-            </a:lvl7pPr>
-            <a:lvl8pPr marL="3200400" indent="0">
-              <a:buNone/>
-              <a:defRPr sz="2000"/>
-            </a:lvl8pPr>
-            <a:lvl9pPr marL="3657600" indent="0">
-              <a:buNone/>
-              <a:defRPr sz="2000"/>
-            </a:lvl9pPr>
-          </a:lstStyle>
-          <a:p>
-            <a:r>
-              <a:rPr lang="en-GB"/>
-              <a:t>Click icon to add picture</a:t>
-            </a:r>
-            <a:endParaRPr lang="en-US" dirty="0"/>
+          <a:bodyPr vert="eaVert"/>
+          <a:lstStyle/>
+          <a:p>
+            <a:pPr lvl="0"/>
+            <a:r>
+              <a:rPr lang="en-US"/>
+              <a:t>Click to edit Master text styles</a:t>
+            </a:r>
+          </a:p>
+          <a:p>
+            <a:pPr lvl="1"/>
+            <a:r>
+              <a:rPr lang="en-US"/>
+              <a:t>Second level</a:t>
+            </a:r>
+          </a:p>
+          <a:p>
+            <a:pPr lvl="2"/>
+            <a:r>
+              <a:rPr lang="en-US"/>
+              <a:t>Third level</a:t>
+            </a:r>
+          </a:p>
+          <a:p>
+            <a:pPr lvl="3"/>
+            <a:r>
+              <a:rPr lang="en-US"/>
+              <a:t>Fourth level</a:t>
+            </a:r>
+          </a:p>
+          <a:p>
+            <a:pPr lvl="4"/>
+            <a:r>
+              <a:rPr lang="en-US"/>
+              <a:t>Fifth level</a:t>
+            </a:r>
+            <a:endParaRPr lang="nl-NL"/>
           </a:p>
         </p:txBody>
       </p:sp>
       <p:sp>
         <p:nvSpPr>
-          <p:cNvPr id="4" name="Text Placeholder 3"/>
-          <p:cNvSpPr>
-            <a:spLocks noGrp="1"/>
-          </p:cNvSpPr>
-          <p:nvPr>
-            <p:ph type="body" sz="half" idx="2"/>
-          </p:nvPr>
-        </p:nvSpPr>
-        <p:spPr>
-          <a:xfrm>
-            <a:off x="685800" y="5516715"/>
-            <a:ext cx="10820400" cy="701969"/>
-          </a:xfrm>
-        </p:spPr>
-        <p:txBody>
-          <a:bodyPr/>
-          <a:lstStyle>
-            <a:lvl1pPr marL="0" indent="0" algn="l">
-              <a:buNone/>
-              <a:defRPr sz="1600"/>
-            </a:lvl1pPr>
-            <a:lvl2pPr marL="457200" indent="0">
-              <a:buNone/>
-              <a:defRPr sz="1400"/>
-            </a:lvl2pPr>
-            <a:lvl3pPr marL="914400" indent="0">
-              <a:buNone/>
-              <a:defRPr sz="1200"/>
-            </a:lvl3pPr>
-            <a:lvl4pPr marL="1371600" indent="0">
-              <a:buNone/>
-              <a:defRPr sz="1000"/>
-            </a:lvl4pPr>
-            <a:lvl5pPr marL="1828800" indent="0">
-              <a:buNone/>
-              <a:defRPr sz="1000"/>
-            </a:lvl5pPr>
-            <a:lvl6pPr marL="2286000" indent="0">
-              <a:buNone/>
-              <a:defRPr sz="1000"/>
-            </a:lvl6pPr>
-            <a:lvl7pPr marL="2743200" indent="0">
-              <a:buNone/>
-              <a:defRPr sz="1000"/>
-            </a:lvl7pPr>
-            <a:lvl8pPr marL="3200400" indent="0">
-              <a:buNone/>
-              <a:defRPr sz="1000"/>
-            </a:lvl8pPr>
-            <a:lvl9pPr marL="3657600" indent="0">
-              <a:buNone/>
-              <a:defRPr sz="1000"/>
-            </a:lvl9pPr>
-          </a:lstStyle>
-          <a:p>
-            <a:pPr lvl="0"/>
-            <a:r>
-              <a:rPr lang="en-GB"/>
-              <a:t>Click to edit Master text styles</a:t>
-            </a:r>
-          </a:p>
-        </p:txBody>
-      </p:sp>
-      <p:sp>
-        <p:nvSpPr>
-          <p:cNvPr id="5" name="Date Placeholder 4"/>
+          <p:cNvPr id="4" name="Date Placeholder 3">
+            <a:extLst>
+              <a:ext uri="{FF2B5EF4-FFF2-40B4-BE49-F238E27FC236}">
+                <a16:creationId xmlns:a16="http://schemas.microsoft.com/office/drawing/2014/main" id="{5BFE9A8B-4EF0-4E24-00B3-2F364F9DFDA9}"/>
+              </a:ext>
+            </a:extLst>
+          </p:cNvPr>
           <p:cNvSpPr>
             <a:spLocks noGrp="1"/>
           </p:cNvSpPr>
@@ -580,16 +492,21 @@
           <a:p>
             <a:fld id="{8F72BA41-EC5B-4197-BCC8-0FD2E523CD7A}" type="datetimeFigureOut">
               <a:rPr lang="en-US" smtClean="0"/>
-              <a:pPr/>
-              <a:t>11/1/2023</a:t>
+              <a:t>10/3/2024</a:t>
             </a:fld>
-            <a:endParaRPr lang="en-US" dirty="0"/>
+            <a:endParaRPr lang="en-US"/>
           </a:p>
         </p:txBody>
       </p:sp>
       <p:sp>
         <p:nvSpPr>
-          <p:cNvPr id="6" name="Footer Placeholder 5"/>
+          <p:cNvPr id="5" name="Footer Placeholder 4">
+            <a:extLst>
+              <a:ext uri="{FF2B5EF4-FFF2-40B4-BE49-F238E27FC236}">
+                <a16:creationId xmlns:a16="http://schemas.microsoft.com/office/drawing/2014/main" id="{52E6CF68-F50D-AFF6-A48D-775EDD83889D}"/>
+              </a:ext>
+            </a:extLst>
+          </p:cNvPr>
           <p:cNvSpPr>
             <a:spLocks noGrp="1"/>
           </p:cNvSpPr>
@@ -602,13 +519,19 @@
           <a:bodyPr/>
           <a:lstStyle/>
           <a:p>
-            <a:endParaRPr lang="en-US" dirty="0"/>
+            <a:endParaRPr lang="en-US"/>
           </a:p>
         </p:txBody>
       </p:sp>
       <p:sp>
         <p:nvSpPr>
-          <p:cNvPr id="7" name="Slide Number Placeholder 6"/>
+          <p:cNvPr id="6" name="Slide Number Placeholder 5">
+            <a:extLst>
+              <a:ext uri="{FF2B5EF4-FFF2-40B4-BE49-F238E27FC236}">
+                <a16:creationId xmlns:a16="http://schemas.microsoft.com/office/drawing/2014/main" id="{5B955B20-3B45-C2BF-F7B0-2C9CE635CA7D}"/>
+              </a:ext>
+            </a:extLst>
+          </p:cNvPr>
           <p:cNvSpPr>
             <a:spLocks noGrp="1"/>
           </p:cNvSpPr>
@@ -623,17 +546,16 @@
           <a:p>
             <a:fld id="{BE15108C-154A-4A5A-9C05-91A49A422BA7}" type="slidenum">
               <a:rPr lang="en-US" smtClean="0"/>
-              <a:pPr/>
               <a:t>‹#›</a:t>
             </a:fld>
-            <a:endParaRPr lang="en-US" dirty="0"/>
+            <a:endParaRPr lang="en-US"/>
           </a:p>
         </p:txBody>
       </p:sp>
     </p:spTree>
     <p:extLst>
       <p:ext uri="{BB962C8B-B14F-4D97-AF65-F5344CB8AC3E}">
-        <p14:creationId xmlns:p14="http://schemas.microsoft.com/office/powerpoint/2010/main" val="873526037"/>
+        <p14:creationId xmlns:p14="http://schemas.microsoft.com/office/powerpoint/2010/main" val="1677222684"/>
       </p:ext>
     </p:extLst>
   </p:cSld>
@@ -644,1038 +566,8 @@
 </file>
 
 <file path=ppt/slideLayouts/slideLayout11.xml><?xml version="1.0" encoding="utf-8"?>
-<p:sldLayout xmlns:a="http://schemas.openxmlformats.org/drawingml/2006/main" xmlns:r="http://schemas.openxmlformats.org/officeDocument/2006/relationships" xmlns:p="http://schemas.openxmlformats.org/presentationml/2006/main" showMasterSp="0" preserve="1">
-  <p:cSld name="Title and Caption">
-    <p:spTree>
-      <p:nvGrpSpPr>
-        <p:cNvPr id="1" name=""/>
-        <p:cNvGrpSpPr/>
-        <p:nvPr/>
-      </p:nvGrpSpPr>
-      <p:grpSpPr>
-        <a:xfrm>
-          <a:off x="0" y="0"/>
-          <a:ext cx="0" cy="0"/>
-          <a:chOff x="0" y="0"/>
-          <a:chExt cx="0" cy="0"/>
-        </a:xfrm>
-      </p:grpSpPr>
-      <p:pic>
-        <p:nvPicPr>
-          <p:cNvPr id="8" name="Picture 7" descr="C0-HD-BTM.png"/>
-          <p:cNvPicPr>
-            <a:picLocks noChangeAspect="1"/>
-          </p:cNvPicPr>
-          <p:nvPr/>
-        </p:nvPicPr>
-        <p:blipFill>
-          <a:blip r:embed="rId2">
-            <a:extLst>
-              <a:ext uri="{28A0092B-C50C-407E-A947-70E740481C1C}">
-                <a14:useLocalDpi xmlns:a14="http://schemas.microsoft.com/office/drawing/2010/main" val="0"/>
-              </a:ext>
-            </a:extLst>
-          </a:blip>
-          <a:stretch>
-            <a:fillRect/>
-          </a:stretch>
-        </p:blipFill>
-        <p:spPr>
-          <a:xfrm>
-            <a:off x="0" y="4375150"/>
-            <a:ext cx="12192000" cy="2482850"/>
-          </a:xfrm>
-          <a:prstGeom prst="rect">
-            <a:avLst/>
-          </a:prstGeom>
-        </p:spPr>
-      </p:pic>
-      <p:sp>
-        <p:nvSpPr>
-          <p:cNvPr id="2" name="Title 1"/>
-          <p:cNvSpPr>
-            <a:spLocks noGrp="1"/>
-          </p:cNvSpPr>
-          <p:nvPr>
-            <p:ph type="title"/>
-          </p:nvPr>
-        </p:nvSpPr>
-        <p:spPr>
-          <a:xfrm>
-            <a:off x="685800" y="753532"/>
-            <a:ext cx="10820400" cy="2802467"/>
-          </a:xfrm>
-        </p:spPr>
-        <p:txBody>
-          <a:bodyPr anchor="ctr"/>
-          <a:lstStyle>
-            <a:lvl1pPr algn="l">
-              <a:defRPr sz="3200"/>
-            </a:lvl1pPr>
-          </a:lstStyle>
-          <a:p>
-            <a:r>
-              <a:rPr lang="en-GB"/>
-              <a:t>Click to edit Master title style</a:t>
-            </a:r>
-            <a:endParaRPr lang="en-US" dirty="0"/>
-          </a:p>
-        </p:txBody>
-      </p:sp>
-      <p:sp>
-        <p:nvSpPr>
-          <p:cNvPr id="4" name="Text Placeholder 3"/>
-          <p:cNvSpPr>
-            <a:spLocks noGrp="1"/>
-          </p:cNvSpPr>
-          <p:nvPr>
-            <p:ph type="body" sz="half" idx="2"/>
-          </p:nvPr>
-        </p:nvSpPr>
-        <p:spPr>
-          <a:xfrm>
-            <a:off x="1024467" y="3649133"/>
-            <a:ext cx="10130516" cy="999067"/>
-          </a:xfrm>
-        </p:spPr>
-        <p:txBody>
-          <a:bodyPr anchor="ctr"/>
-          <a:lstStyle>
-            <a:lvl1pPr marL="0" indent="0">
-              <a:buNone/>
-              <a:defRPr sz="1600"/>
-            </a:lvl1pPr>
-            <a:lvl2pPr marL="457200" indent="0">
-              <a:buNone/>
-              <a:defRPr sz="1400"/>
-            </a:lvl2pPr>
-            <a:lvl3pPr marL="914400" indent="0">
-              <a:buNone/>
-              <a:defRPr sz="1200"/>
-            </a:lvl3pPr>
-            <a:lvl4pPr marL="1371600" indent="0">
-              <a:buNone/>
-              <a:defRPr sz="1000"/>
-            </a:lvl4pPr>
-            <a:lvl5pPr marL="1828800" indent="0">
-              <a:buNone/>
-              <a:defRPr sz="1000"/>
-            </a:lvl5pPr>
-            <a:lvl6pPr marL="2286000" indent="0">
-              <a:buNone/>
-              <a:defRPr sz="1000"/>
-            </a:lvl6pPr>
-            <a:lvl7pPr marL="2743200" indent="0">
-              <a:buNone/>
-              <a:defRPr sz="1000"/>
-            </a:lvl7pPr>
-            <a:lvl8pPr marL="3200400" indent="0">
-              <a:buNone/>
-              <a:defRPr sz="1000"/>
-            </a:lvl8pPr>
-            <a:lvl9pPr marL="3657600" indent="0">
-              <a:buNone/>
-              <a:defRPr sz="1000"/>
-            </a:lvl9pPr>
-          </a:lstStyle>
-          <a:p>
-            <a:pPr lvl="0"/>
-            <a:r>
-              <a:rPr lang="en-GB"/>
-              <a:t>Click to edit Master text styles</a:t>
-            </a:r>
-          </a:p>
-        </p:txBody>
-      </p:sp>
-      <p:sp>
-        <p:nvSpPr>
-          <p:cNvPr id="5" name="Date Placeholder 4"/>
-          <p:cNvSpPr>
-            <a:spLocks noGrp="1"/>
-          </p:cNvSpPr>
-          <p:nvPr>
-            <p:ph type="dt" sz="half" idx="10"/>
-          </p:nvPr>
-        </p:nvSpPr>
-        <p:spPr>
-          <a:xfrm>
-            <a:off x="7814452" y="381000"/>
-            <a:ext cx="2910840" cy="365125"/>
-          </a:xfrm>
-        </p:spPr>
-        <p:txBody>
-          <a:bodyPr/>
-          <a:lstStyle>
-            <a:lvl1pPr algn="r">
-              <a:defRPr/>
-            </a:lvl1pPr>
-          </a:lstStyle>
-          <a:p>
-            <a:fld id="{8F72BA41-EC5B-4197-BCC8-0FD2E523CD7A}" type="datetimeFigureOut">
-              <a:rPr lang="en-US" smtClean="0"/>
-              <a:pPr/>
-              <a:t>11/1/2023</a:t>
-            </a:fld>
-            <a:endParaRPr lang="en-US" dirty="0"/>
-          </a:p>
-        </p:txBody>
-      </p:sp>
-      <p:sp>
-        <p:nvSpPr>
-          <p:cNvPr id="6" name="Footer Placeholder 5"/>
-          <p:cNvSpPr>
-            <a:spLocks noGrp="1"/>
-          </p:cNvSpPr>
-          <p:nvPr>
-            <p:ph type="ftr" sz="quarter" idx="11"/>
-          </p:nvPr>
-        </p:nvSpPr>
-        <p:spPr>
-          <a:xfrm>
-            <a:off x="685800" y="379941"/>
-            <a:ext cx="6991492" cy="365125"/>
-          </a:xfrm>
-        </p:spPr>
-        <p:txBody>
-          <a:bodyPr/>
-          <a:lstStyle/>
-          <a:p>
-            <a:endParaRPr lang="en-US" dirty="0"/>
-          </a:p>
-        </p:txBody>
-      </p:sp>
-      <p:sp>
-        <p:nvSpPr>
-          <p:cNvPr id="7" name="Slide Number Placeholder 6"/>
-          <p:cNvSpPr>
-            <a:spLocks noGrp="1"/>
-          </p:cNvSpPr>
-          <p:nvPr>
-            <p:ph type="sldNum" sz="quarter" idx="12"/>
-          </p:nvPr>
-        </p:nvSpPr>
-        <p:spPr>
-          <a:xfrm>
-            <a:off x="10862452" y="381000"/>
-            <a:ext cx="643748" cy="365125"/>
-          </a:xfrm>
-        </p:spPr>
-        <p:txBody>
-          <a:bodyPr/>
-          <a:lstStyle/>
-          <a:p>
-            <a:fld id="{BE15108C-154A-4A5A-9C05-91A49A422BA7}" type="slidenum">
-              <a:rPr lang="en-US" smtClean="0"/>
-              <a:pPr/>
-              <a:t>‹#›</a:t>
-            </a:fld>
-            <a:endParaRPr lang="en-US" dirty="0"/>
-          </a:p>
-        </p:txBody>
-      </p:sp>
-    </p:spTree>
-    <p:extLst>
-      <p:ext uri="{BB962C8B-B14F-4D97-AF65-F5344CB8AC3E}">
-        <p14:creationId xmlns:p14="http://schemas.microsoft.com/office/powerpoint/2010/main" val="2204982026"/>
-      </p:ext>
-    </p:extLst>
-  </p:cSld>
-  <p:clrMapOvr>
-    <a:masterClrMapping/>
-  </p:clrMapOvr>
-</p:sldLayout>
-</file>
-
-<file path=ppt/slideLayouts/slideLayout12.xml><?xml version="1.0" encoding="utf-8"?>
-<p:sldLayout xmlns:a="http://schemas.openxmlformats.org/drawingml/2006/main" xmlns:r="http://schemas.openxmlformats.org/officeDocument/2006/relationships" xmlns:p="http://schemas.openxmlformats.org/presentationml/2006/main" showMasterSp="0" preserve="1">
-  <p:cSld name="Quote with Caption">
-    <p:spTree>
-      <p:nvGrpSpPr>
-        <p:cNvPr id="1" name=""/>
-        <p:cNvGrpSpPr/>
-        <p:nvPr/>
-      </p:nvGrpSpPr>
-      <p:grpSpPr>
-        <a:xfrm>
-          <a:off x="0" y="0"/>
-          <a:ext cx="0" cy="0"/>
-          <a:chOff x="0" y="0"/>
-          <a:chExt cx="0" cy="0"/>
-        </a:xfrm>
-      </p:grpSpPr>
-      <p:pic>
-        <p:nvPicPr>
-          <p:cNvPr id="13" name="Picture 12" descr="C0-HD-BTM.png"/>
-          <p:cNvPicPr>
-            <a:picLocks noChangeAspect="1"/>
-          </p:cNvPicPr>
-          <p:nvPr/>
-        </p:nvPicPr>
-        <p:blipFill>
-          <a:blip r:embed="rId2">
-            <a:extLst>
-              <a:ext uri="{28A0092B-C50C-407E-A947-70E740481C1C}">
-                <a14:useLocalDpi xmlns:a14="http://schemas.microsoft.com/office/drawing/2010/main" val="0"/>
-              </a:ext>
-            </a:extLst>
-          </a:blip>
-          <a:stretch>
-            <a:fillRect/>
-          </a:stretch>
-        </p:blipFill>
-        <p:spPr>
-          <a:xfrm>
-            <a:off x="0" y="4375150"/>
-            <a:ext cx="12192000" cy="2482850"/>
-          </a:xfrm>
-          <a:prstGeom prst="rect">
-            <a:avLst/>
-          </a:prstGeom>
-        </p:spPr>
-      </p:pic>
-      <p:sp>
-        <p:nvSpPr>
-          <p:cNvPr id="2" name="Title 1"/>
-          <p:cNvSpPr>
-            <a:spLocks noGrp="1"/>
-          </p:cNvSpPr>
-          <p:nvPr>
-            <p:ph type="title"/>
-          </p:nvPr>
-        </p:nvSpPr>
-        <p:spPr>
-          <a:xfrm>
-            <a:off x="1024467" y="753533"/>
-            <a:ext cx="10151533" cy="2604495"/>
-          </a:xfrm>
-        </p:spPr>
-        <p:txBody>
-          <a:bodyPr anchor="ctr"/>
-          <a:lstStyle>
-            <a:lvl1pPr algn="l">
-              <a:defRPr sz="3200"/>
-            </a:lvl1pPr>
-          </a:lstStyle>
-          <a:p>
-            <a:r>
-              <a:rPr lang="en-GB"/>
-              <a:t>Click to edit Master title style</a:t>
-            </a:r>
-            <a:endParaRPr lang="en-US" dirty="0"/>
-          </a:p>
-        </p:txBody>
-      </p:sp>
-      <p:sp>
-        <p:nvSpPr>
-          <p:cNvPr id="12" name="Text Placeholder 3"/>
-          <p:cNvSpPr>
-            <a:spLocks noGrp="1"/>
-          </p:cNvSpPr>
-          <p:nvPr>
-            <p:ph type="body" sz="half" idx="13"/>
-          </p:nvPr>
-        </p:nvSpPr>
-        <p:spPr>
-          <a:xfrm>
-            <a:off x="1303865" y="3365556"/>
-            <a:ext cx="9592736" cy="444443"/>
-          </a:xfrm>
-        </p:spPr>
-        <p:txBody>
-          <a:bodyPr anchor="t">
-            <a:normAutofit/>
-          </a:bodyPr>
-          <a:lstStyle>
-            <a:lvl1pPr marL="0" indent="0">
-              <a:buNone/>
-              <a:defRPr sz="1400"/>
-            </a:lvl1pPr>
-            <a:lvl2pPr marL="457200" indent="0">
-              <a:buNone/>
-              <a:defRPr sz="1400"/>
-            </a:lvl2pPr>
-            <a:lvl3pPr marL="914400" indent="0">
-              <a:buNone/>
-              <a:defRPr sz="1200"/>
-            </a:lvl3pPr>
-            <a:lvl4pPr marL="1371600" indent="0">
-              <a:buNone/>
-              <a:defRPr sz="1000"/>
-            </a:lvl4pPr>
-            <a:lvl5pPr marL="1828800" indent="0">
-              <a:buNone/>
-              <a:defRPr sz="1000"/>
-            </a:lvl5pPr>
-            <a:lvl6pPr marL="2286000" indent="0">
-              <a:buNone/>
-              <a:defRPr sz="1000"/>
-            </a:lvl6pPr>
-            <a:lvl7pPr marL="2743200" indent="0">
-              <a:buNone/>
-              <a:defRPr sz="1000"/>
-            </a:lvl7pPr>
-            <a:lvl8pPr marL="3200400" indent="0">
-              <a:buNone/>
-              <a:defRPr sz="1000"/>
-            </a:lvl8pPr>
-            <a:lvl9pPr marL="3657600" indent="0">
-              <a:buNone/>
-              <a:defRPr sz="1000"/>
-            </a:lvl9pPr>
-          </a:lstStyle>
-          <a:p>
-            <a:pPr lvl="0"/>
-            <a:r>
-              <a:rPr lang="en-GB"/>
-              <a:t>Click to edit Master text styles</a:t>
-            </a:r>
-          </a:p>
-        </p:txBody>
-      </p:sp>
-      <p:sp>
-        <p:nvSpPr>
-          <p:cNvPr id="4" name="Text Placeholder 3"/>
-          <p:cNvSpPr>
-            <a:spLocks noGrp="1"/>
-          </p:cNvSpPr>
-          <p:nvPr>
-            <p:ph type="body" sz="half" idx="2"/>
-          </p:nvPr>
-        </p:nvSpPr>
-        <p:spPr>
-          <a:xfrm>
-            <a:off x="1024467" y="3959862"/>
-            <a:ext cx="10151533" cy="679871"/>
-          </a:xfrm>
-        </p:spPr>
-        <p:txBody>
-          <a:bodyPr anchor="ctr">
-            <a:normAutofit/>
-          </a:bodyPr>
-          <a:lstStyle>
-            <a:lvl1pPr marL="0" indent="0">
-              <a:buNone/>
-              <a:defRPr sz="1600"/>
-            </a:lvl1pPr>
-            <a:lvl2pPr marL="457200" indent="0">
-              <a:buNone/>
-              <a:defRPr sz="1400"/>
-            </a:lvl2pPr>
-            <a:lvl3pPr marL="914400" indent="0">
-              <a:buNone/>
-              <a:defRPr sz="1200"/>
-            </a:lvl3pPr>
-            <a:lvl4pPr marL="1371600" indent="0">
-              <a:buNone/>
-              <a:defRPr sz="1000"/>
-            </a:lvl4pPr>
-            <a:lvl5pPr marL="1828800" indent="0">
-              <a:buNone/>
-              <a:defRPr sz="1000"/>
-            </a:lvl5pPr>
-            <a:lvl6pPr marL="2286000" indent="0">
-              <a:buNone/>
-              <a:defRPr sz="1000"/>
-            </a:lvl6pPr>
-            <a:lvl7pPr marL="2743200" indent="0">
-              <a:buNone/>
-              <a:defRPr sz="1000"/>
-            </a:lvl7pPr>
-            <a:lvl8pPr marL="3200400" indent="0">
-              <a:buNone/>
-              <a:defRPr sz="1000"/>
-            </a:lvl8pPr>
-            <a:lvl9pPr marL="3657600" indent="0">
-              <a:buNone/>
-              <a:defRPr sz="1000"/>
-            </a:lvl9pPr>
-          </a:lstStyle>
-          <a:p>
-            <a:pPr lvl="0"/>
-            <a:r>
-              <a:rPr lang="en-GB"/>
-              <a:t>Click to edit Master text styles</a:t>
-            </a:r>
-          </a:p>
-        </p:txBody>
-      </p:sp>
-      <p:sp>
-        <p:nvSpPr>
-          <p:cNvPr id="5" name="Date Placeholder 4"/>
-          <p:cNvSpPr>
-            <a:spLocks noGrp="1"/>
-          </p:cNvSpPr>
-          <p:nvPr>
-            <p:ph type="dt" sz="half" idx="10"/>
-          </p:nvPr>
-        </p:nvSpPr>
-        <p:spPr>
-          <a:xfrm>
-            <a:off x="7814452" y="381000"/>
-            <a:ext cx="2910840" cy="365125"/>
-          </a:xfrm>
-        </p:spPr>
-        <p:txBody>
-          <a:bodyPr/>
-          <a:lstStyle>
-            <a:lvl1pPr algn="r">
-              <a:defRPr/>
-            </a:lvl1pPr>
-          </a:lstStyle>
-          <a:p>
-            <a:fld id="{8F72BA41-EC5B-4197-BCC8-0FD2E523CD7A}" type="datetimeFigureOut">
-              <a:rPr lang="en-US" smtClean="0"/>
-              <a:pPr/>
-              <a:t>11/1/2023</a:t>
-            </a:fld>
-            <a:endParaRPr lang="en-US" dirty="0"/>
-          </a:p>
-        </p:txBody>
-      </p:sp>
-      <p:sp>
-        <p:nvSpPr>
-          <p:cNvPr id="6" name="Footer Placeholder 5"/>
-          <p:cNvSpPr>
-            <a:spLocks noGrp="1"/>
-          </p:cNvSpPr>
-          <p:nvPr>
-            <p:ph type="ftr" sz="quarter" idx="11"/>
-          </p:nvPr>
-        </p:nvSpPr>
-        <p:spPr>
-          <a:xfrm>
-            <a:off x="685800" y="379941"/>
-            <a:ext cx="6991492" cy="365125"/>
-          </a:xfrm>
-        </p:spPr>
-        <p:txBody>
-          <a:bodyPr/>
-          <a:lstStyle/>
-          <a:p>
-            <a:endParaRPr lang="en-US" dirty="0"/>
-          </a:p>
-        </p:txBody>
-      </p:sp>
-      <p:sp>
-        <p:nvSpPr>
-          <p:cNvPr id="7" name="Slide Number Placeholder 6"/>
-          <p:cNvSpPr>
-            <a:spLocks noGrp="1"/>
-          </p:cNvSpPr>
-          <p:nvPr>
-            <p:ph type="sldNum" sz="quarter" idx="12"/>
-          </p:nvPr>
-        </p:nvSpPr>
-        <p:spPr>
-          <a:xfrm>
-            <a:off x="10862452" y="381000"/>
-            <a:ext cx="643748" cy="365125"/>
-          </a:xfrm>
-        </p:spPr>
-        <p:txBody>
-          <a:bodyPr/>
-          <a:lstStyle/>
-          <a:p>
-            <a:fld id="{BE15108C-154A-4A5A-9C05-91A49A422BA7}" type="slidenum">
-              <a:rPr lang="en-US" smtClean="0"/>
-              <a:pPr/>
-              <a:t>‹#›</a:t>
-            </a:fld>
-            <a:endParaRPr lang="en-US" dirty="0"/>
-          </a:p>
-        </p:txBody>
-      </p:sp>
-      <p:sp>
-        <p:nvSpPr>
-          <p:cNvPr id="9" name="TextBox 8"/>
-          <p:cNvSpPr txBox="1"/>
-          <p:nvPr/>
-        </p:nvSpPr>
-        <p:spPr>
-          <a:xfrm>
-            <a:off x="476250" y="933450"/>
-            <a:ext cx="609600" cy="584776"/>
-          </a:xfrm>
-          <a:prstGeom prst="rect">
-            <a:avLst/>
-          </a:prstGeom>
-        </p:spPr>
-        <p:txBody>
-          <a:bodyPr vert="horz" lIns="91440" tIns="45720" rIns="91440" bIns="45720" rtlCol="0" anchor="ctr">
-            <a:noAutofit/>
-          </a:bodyPr>
-          <a:lstStyle>
-            <a:lvl1pPr>
-              <a:spcBef>
-                <a:spcPct val="0"/>
-              </a:spcBef>
-              <a:buNone/>
-              <a:defRPr sz="3200" b="0" cap="all">
-                <a:ln w="3175" cmpd="sng">
-                  <a:noFill/>
-                </a:ln>
-                <a:effectLst>
-                  <a:glow rad="38100">
-                    <a:schemeClr val="bg1">
-                      <a:lumMod val="65000"/>
-                      <a:lumOff val="35000"/>
-                      <a:alpha val="40000"/>
-                    </a:schemeClr>
-                  </a:glow>
-                  <a:outerShdw blurRad="28575" dist="38100" dir="14040000" algn="tl" rotWithShape="0">
-                    <a:srgbClr val="000000">
-                      <a:alpha val="25000"/>
-                    </a:srgbClr>
-                  </a:outerShdw>
-                </a:effectLst>
-              </a:defRPr>
-            </a:lvl1pPr>
-            <a:lvl2pPr>
-              <a:defRPr>
-                <a:solidFill>
-                  <a:schemeClr val="tx2"/>
-                </a:solidFill>
-              </a:defRPr>
-            </a:lvl2pPr>
-            <a:lvl3pPr>
-              <a:defRPr>
-                <a:solidFill>
-                  <a:schemeClr val="tx2"/>
-                </a:solidFill>
-              </a:defRPr>
-            </a:lvl3pPr>
-            <a:lvl4pPr>
-              <a:defRPr>
-                <a:solidFill>
-                  <a:schemeClr val="tx2"/>
-                </a:solidFill>
-              </a:defRPr>
-            </a:lvl4pPr>
-            <a:lvl5pPr>
-              <a:defRPr>
-                <a:solidFill>
-                  <a:schemeClr val="tx2"/>
-                </a:solidFill>
-              </a:defRPr>
-            </a:lvl5pPr>
-            <a:lvl6pPr>
-              <a:defRPr>
-                <a:solidFill>
-                  <a:schemeClr val="tx2"/>
-                </a:solidFill>
-              </a:defRPr>
-            </a:lvl6pPr>
-            <a:lvl7pPr>
-              <a:defRPr>
-                <a:solidFill>
-                  <a:schemeClr val="tx2"/>
-                </a:solidFill>
-              </a:defRPr>
-            </a:lvl7pPr>
-            <a:lvl8pPr>
-              <a:defRPr>
-                <a:solidFill>
-                  <a:schemeClr val="tx2"/>
-                </a:solidFill>
-              </a:defRPr>
-            </a:lvl8pPr>
-            <a:lvl9pPr>
-              <a:defRPr>
-                <a:solidFill>
-                  <a:schemeClr val="tx2"/>
-                </a:solidFill>
-              </a:defRPr>
-            </a:lvl9pPr>
-          </a:lstStyle>
-          <a:p>
-            <a:pPr lvl="0"/>
-            <a:r>
-              <a:rPr lang="en-US" sz="8000" dirty="0">
-                <a:solidFill>
-                  <a:schemeClr val="tx1"/>
-                </a:solidFill>
-                <a:effectLst/>
-              </a:rPr>
-              <a:t>“</a:t>
-            </a:r>
-          </a:p>
-        </p:txBody>
-      </p:sp>
-      <p:sp>
-        <p:nvSpPr>
-          <p:cNvPr id="10" name="TextBox 9"/>
-          <p:cNvSpPr txBox="1"/>
-          <p:nvPr/>
-        </p:nvSpPr>
-        <p:spPr>
-          <a:xfrm>
-            <a:off x="10984230" y="2701290"/>
-            <a:ext cx="609600" cy="584776"/>
-          </a:xfrm>
-          <a:prstGeom prst="rect">
-            <a:avLst/>
-          </a:prstGeom>
-        </p:spPr>
-        <p:txBody>
-          <a:bodyPr vert="horz" lIns="91440" tIns="45720" rIns="91440" bIns="45720" rtlCol="0" anchor="ctr">
-            <a:noAutofit/>
-          </a:bodyPr>
-          <a:lstStyle>
-            <a:lvl1pPr>
-              <a:spcBef>
-                <a:spcPct val="0"/>
-              </a:spcBef>
-              <a:buNone/>
-              <a:defRPr sz="3200" b="0" cap="all">
-                <a:ln w="3175" cmpd="sng">
-                  <a:noFill/>
-                </a:ln>
-                <a:effectLst>
-                  <a:glow rad="38100">
-                    <a:schemeClr val="bg1">
-                      <a:lumMod val="65000"/>
-                      <a:lumOff val="35000"/>
-                      <a:alpha val="40000"/>
-                    </a:schemeClr>
-                  </a:glow>
-                  <a:outerShdw blurRad="28575" dist="38100" dir="14040000" algn="tl" rotWithShape="0">
-                    <a:srgbClr val="000000">
-                      <a:alpha val="25000"/>
-                    </a:srgbClr>
-                  </a:outerShdw>
-                </a:effectLst>
-              </a:defRPr>
-            </a:lvl1pPr>
-            <a:lvl2pPr>
-              <a:defRPr>
-                <a:solidFill>
-                  <a:schemeClr val="tx2"/>
-                </a:solidFill>
-              </a:defRPr>
-            </a:lvl2pPr>
-            <a:lvl3pPr>
-              <a:defRPr>
-                <a:solidFill>
-                  <a:schemeClr val="tx2"/>
-                </a:solidFill>
-              </a:defRPr>
-            </a:lvl3pPr>
-            <a:lvl4pPr>
-              <a:defRPr>
-                <a:solidFill>
-                  <a:schemeClr val="tx2"/>
-                </a:solidFill>
-              </a:defRPr>
-            </a:lvl4pPr>
-            <a:lvl5pPr>
-              <a:defRPr>
-                <a:solidFill>
-                  <a:schemeClr val="tx2"/>
-                </a:solidFill>
-              </a:defRPr>
-            </a:lvl5pPr>
-            <a:lvl6pPr>
-              <a:defRPr>
-                <a:solidFill>
-                  <a:schemeClr val="tx2"/>
-                </a:solidFill>
-              </a:defRPr>
-            </a:lvl6pPr>
-            <a:lvl7pPr>
-              <a:defRPr>
-                <a:solidFill>
-                  <a:schemeClr val="tx2"/>
-                </a:solidFill>
-              </a:defRPr>
-            </a:lvl7pPr>
-            <a:lvl8pPr>
-              <a:defRPr>
-                <a:solidFill>
-                  <a:schemeClr val="tx2"/>
-                </a:solidFill>
-              </a:defRPr>
-            </a:lvl8pPr>
-            <a:lvl9pPr>
-              <a:defRPr>
-                <a:solidFill>
-                  <a:schemeClr val="tx2"/>
-                </a:solidFill>
-              </a:defRPr>
-            </a:lvl9pPr>
-          </a:lstStyle>
-          <a:p>
-            <a:pPr lvl="0" algn="r"/>
-            <a:r>
-              <a:rPr lang="en-US" sz="8000" dirty="0">
-                <a:solidFill>
-                  <a:schemeClr val="tx1"/>
-                </a:solidFill>
-                <a:effectLst/>
-              </a:rPr>
-              <a:t>”</a:t>
-            </a:r>
-          </a:p>
-        </p:txBody>
-      </p:sp>
-    </p:spTree>
-    <p:extLst>
-      <p:ext uri="{BB962C8B-B14F-4D97-AF65-F5344CB8AC3E}">
-        <p14:creationId xmlns:p14="http://schemas.microsoft.com/office/powerpoint/2010/main" val="2207447095"/>
-      </p:ext>
-    </p:extLst>
-  </p:cSld>
-  <p:clrMapOvr>
-    <a:masterClrMapping/>
-  </p:clrMapOvr>
-</p:sldLayout>
-</file>
-
-<file path=ppt/slideLayouts/slideLayout13.xml><?xml version="1.0" encoding="utf-8"?>
-<p:sldLayout xmlns:a="http://schemas.openxmlformats.org/drawingml/2006/main" xmlns:r="http://schemas.openxmlformats.org/officeDocument/2006/relationships" xmlns:p="http://schemas.openxmlformats.org/presentationml/2006/main" showMasterSp="0" preserve="1">
-  <p:cSld name="Name Card">
-    <p:spTree>
-      <p:nvGrpSpPr>
-        <p:cNvPr id="1" name=""/>
-        <p:cNvGrpSpPr/>
-        <p:nvPr/>
-      </p:nvGrpSpPr>
-      <p:grpSpPr>
-        <a:xfrm>
-          <a:off x="0" y="0"/>
-          <a:ext cx="0" cy="0"/>
-          <a:chOff x="0" y="0"/>
-          <a:chExt cx="0" cy="0"/>
-        </a:xfrm>
-      </p:grpSpPr>
-      <p:pic>
-        <p:nvPicPr>
-          <p:cNvPr id="9" name="Picture 8" descr="C0-HD-BTM.png"/>
-          <p:cNvPicPr>
-            <a:picLocks noChangeAspect="1"/>
-          </p:cNvPicPr>
-          <p:nvPr/>
-        </p:nvPicPr>
-        <p:blipFill>
-          <a:blip r:embed="rId2">
-            <a:extLst>
-              <a:ext uri="{28A0092B-C50C-407E-A947-70E740481C1C}">
-                <a14:useLocalDpi xmlns:a14="http://schemas.microsoft.com/office/drawing/2010/main" val="0"/>
-              </a:ext>
-            </a:extLst>
-          </a:blip>
-          <a:stretch>
-            <a:fillRect/>
-          </a:stretch>
-        </p:blipFill>
-        <p:spPr>
-          <a:xfrm>
-            <a:off x="0" y="4375150"/>
-            <a:ext cx="12192000" cy="2482850"/>
-          </a:xfrm>
-          <a:prstGeom prst="rect">
-            <a:avLst/>
-          </a:prstGeom>
-        </p:spPr>
-      </p:pic>
-      <p:sp>
-        <p:nvSpPr>
-          <p:cNvPr id="2" name="Title 1"/>
-          <p:cNvSpPr>
-            <a:spLocks noGrp="1"/>
-          </p:cNvSpPr>
-          <p:nvPr>
-            <p:ph type="title"/>
-          </p:nvPr>
-        </p:nvSpPr>
-        <p:spPr>
-          <a:xfrm>
-            <a:off x="1024495" y="1124701"/>
-            <a:ext cx="10146186" cy="2511835"/>
-          </a:xfrm>
-        </p:spPr>
-        <p:txBody>
-          <a:bodyPr anchor="b"/>
-          <a:lstStyle>
-            <a:lvl1pPr algn="l">
-              <a:defRPr sz="3200"/>
-            </a:lvl1pPr>
-          </a:lstStyle>
-          <a:p>
-            <a:r>
-              <a:rPr lang="en-GB"/>
-              <a:t>Click to edit Master title style</a:t>
-            </a:r>
-            <a:endParaRPr lang="en-US" dirty="0"/>
-          </a:p>
-        </p:txBody>
-      </p:sp>
-      <p:sp>
-        <p:nvSpPr>
-          <p:cNvPr id="4" name="Text Placeholder 3"/>
-          <p:cNvSpPr>
-            <a:spLocks noGrp="1"/>
-          </p:cNvSpPr>
-          <p:nvPr>
-            <p:ph type="body" sz="half" idx="2"/>
-          </p:nvPr>
-        </p:nvSpPr>
-        <p:spPr>
-          <a:xfrm>
-            <a:off x="1024467" y="3648315"/>
-            <a:ext cx="10144654" cy="999885"/>
-          </a:xfrm>
-        </p:spPr>
-        <p:txBody>
-          <a:bodyPr anchor="t"/>
-          <a:lstStyle>
-            <a:lvl1pPr marL="0" indent="0">
-              <a:buNone/>
-              <a:defRPr sz="1600"/>
-            </a:lvl1pPr>
-            <a:lvl2pPr marL="457200" indent="0">
-              <a:buNone/>
-              <a:defRPr sz="1400"/>
-            </a:lvl2pPr>
-            <a:lvl3pPr marL="914400" indent="0">
-              <a:buNone/>
-              <a:defRPr sz="1200"/>
-            </a:lvl3pPr>
-            <a:lvl4pPr marL="1371600" indent="0">
-              <a:buNone/>
-              <a:defRPr sz="1000"/>
-            </a:lvl4pPr>
-            <a:lvl5pPr marL="1828800" indent="0">
-              <a:buNone/>
-              <a:defRPr sz="1000"/>
-            </a:lvl5pPr>
-            <a:lvl6pPr marL="2286000" indent="0">
-              <a:buNone/>
-              <a:defRPr sz="1000"/>
-            </a:lvl6pPr>
-            <a:lvl7pPr marL="2743200" indent="0">
-              <a:buNone/>
-              <a:defRPr sz="1000"/>
-            </a:lvl7pPr>
-            <a:lvl8pPr marL="3200400" indent="0">
-              <a:buNone/>
-              <a:defRPr sz="1000"/>
-            </a:lvl8pPr>
-            <a:lvl9pPr marL="3657600" indent="0">
-              <a:buNone/>
-              <a:defRPr sz="1000"/>
-            </a:lvl9pPr>
-          </a:lstStyle>
-          <a:p>
-            <a:pPr lvl="0"/>
-            <a:r>
-              <a:rPr lang="en-GB"/>
-              <a:t>Click to edit Master text styles</a:t>
-            </a:r>
-          </a:p>
-        </p:txBody>
-      </p:sp>
-      <p:sp>
-        <p:nvSpPr>
-          <p:cNvPr id="5" name="Date Placeholder 4"/>
-          <p:cNvSpPr>
-            <a:spLocks noGrp="1"/>
-          </p:cNvSpPr>
-          <p:nvPr>
-            <p:ph type="dt" sz="half" idx="10"/>
-          </p:nvPr>
-        </p:nvSpPr>
-        <p:spPr>
-          <a:xfrm>
-            <a:off x="7814452" y="378883"/>
-            <a:ext cx="2910840" cy="365125"/>
-          </a:xfrm>
-        </p:spPr>
-        <p:txBody>
-          <a:bodyPr/>
-          <a:lstStyle>
-            <a:lvl1pPr algn="r">
-              <a:defRPr/>
-            </a:lvl1pPr>
-          </a:lstStyle>
-          <a:p>
-            <a:fld id="{8F72BA41-EC5B-4197-BCC8-0FD2E523CD7A}" type="datetimeFigureOut">
-              <a:rPr lang="en-US" smtClean="0"/>
-              <a:pPr/>
-              <a:t>11/1/2023</a:t>
-            </a:fld>
-            <a:endParaRPr lang="en-US" dirty="0"/>
-          </a:p>
-        </p:txBody>
-      </p:sp>
-      <p:sp>
-        <p:nvSpPr>
-          <p:cNvPr id="6" name="Footer Placeholder 5"/>
-          <p:cNvSpPr>
-            <a:spLocks noGrp="1"/>
-          </p:cNvSpPr>
-          <p:nvPr>
-            <p:ph type="ftr" sz="quarter" idx="11"/>
-          </p:nvPr>
-        </p:nvSpPr>
-        <p:spPr>
-          <a:xfrm>
-            <a:off x="685800" y="378883"/>
-            <a:ext cx="6991492" cy="365125"/>
-          </a:xfrm>
-        </p:spPr>
-        <p:txBody>
-          <a:bodyPr/>
-          <a:lstStyle/>
-          <a:p>
-            <a:endParaRPr lang="en-US" dirty="0"/>
-          </a:p>
-        </p:txBody>
-      </p:sp>
-      <p:sp>
-        <p:nvSpPr>
-          <p:cNvPr id="7" name="Slide Number Placeholder 6"/>
-          <p:cNvSpPr>
-            <a:spLocks noGrp="1"/>
-          </p:cNvSpPr>
-          <p:nvPr>
-            <p:ph type="sldNum" sz="quarter" idx="12"/>
-          </p:nvPr>
-        </p:nvSpPr>
-        <p:spPr>
-          <a:xfrm>
-            <a:off x="10862452" y="381000"/>
-            <a:ext cx="643748" cy="365125"/>
-          </a:xfrm>
-        </p:spPr>
-        <p:txBody>
-          <a:bodyPr/>
-          <a:lstStyle/>
-          <a:p>
-            <a:fld id="{BE15108C-154A-4A5A-9C05-91A49A422BA7}" type="slidenum">
-              <a:rPr lang="en-US" smtClean="0"/>
-              <a:pPr/>
-              <a:t>‹#›</a:t>
-            </a:fld>
-            <a:endParaRPr lang="en-US" dirty="0"/>
-          </a:p>
-        </p:txBody>
-      </p:sp>
-    </p:spTree>
-    <p:extLst>
-      <p:ext uri="{BB962C8B-B14F-4D97-AF65-F5344CB8AC3E}">
-        <p14:creationId xmlns:p14="http://schemas.microsoft.com/office/powerpoint/2010/main" val="1655334479"/>
-      </p:ext>
-    </p:extLst>
-  </p:cSld>
-  <p:clrMapOvr>
-    <a:masterClrMapping/>
-  </p:clrMapOvr>
-</p:sldLayout>
-</file>
-
-<file path=ppt/slideLayouts/slideLayout14.xml><?xml version="1.0" encoding="utf-8"?>
-<p:sldLayout xmlns:a="http://schemas.openxmlformats.org/drawingml/2006/main" xmlns:r="http://schemas.openxmlformats.org/officeDocument/2006/relationships" xmlns:p="http://schemas.openxmlformats.org/presentationml/2006/main" preserve="1">
-  <p:cSld name="3 Column">
+<p:sldLayout xmlns:a="http://schemas.openxmlformats.org/drawingml/2006/main" xmlns:r="http://schemas.openxmlformats.org/officeDocument/2006/relationships" xmlns:p="http://schemas.openxmlformats.org/presentationml/2006/main" type="vertTitleAndTx" preserve="1">
+  <p:cSld name="Vertical Title and Text">
     <p:spTree>
       <p:nvGrpSpPr>
         <p:cNvPr id="1" name=""/>
@@ -1692,7 +584,423 @@
       </p:grpSpPr>
       <p:sp>
         <p:nvSpPr>
-          <p:cNvPr id="15" name="Title 1"/>
+          <p:cNvPr id="2" name="Vertical Title 1">
+            <a:extLst>
+              <a:ext uri="{FF2B5EF4-FFF2-40B4-BE49-F238E27FC236}">
+                <a16:creationId xmlns:a16="http://schemas.microsoft.com/office/drawing/2014/main" id="{92B30E77-A2E2-6CB2-C28A-91E1B708CD16}"/>
+              </a:ext>
+            </a:extLst>
+          </p:cNvPr>
+          <p:cNvSpPr>
+            <a:spLocks noGrp="1"/>
+          </p:cNvSpPr>
+          <p:nvPr>
+            <p:ph type="title" orient="vert"/>
+          </p:nvPr>
+        </p:nvSpPr>
+        <p:spPr>
+          <a:xfrm>
+            <a:off x="8724900" y="365125"/>
+            <a:ext cx="2628900" cy="5811838"/>
+          </a:xfrm>
+        </p:spPr>
+        <p:txBody>
+          <a:bodyPr vert="eaVert"/>
+          <a:lstStyle/>
+          <a:p>
+            <a:r>
+              <a:rPr lang="en-US"/>
+              <a:t>Click to edit Master title style</a:t>
+            </a:r>
+            <a:endParaRPr lang="nl-NL"/>
+          </a:p>
+        </p:txBody>
+      </p:sp>
+      <p:sp>
+        <p:nvSpPr>
+          <p:cNvPr id="3" name="Vertical Text Placeholder 2">
+            <a:extLst>
+              <a:ext uri="{FF2B5EF4-FFF2-40B4-BE49-F238E27FC236}">
+                <a16:creationId xmlns:a16="http://schemas.microsoft.com/office/drawing/2014/main" id="{FAB0C08D-D83E-F73A-8F4E-A13AE174D860}"/>
+              </a:ext>
+            </a:extLst>
+          </p:cNvPr>
+          <p:cNvSpPr>
+            <a:spLocks noGrp="1"/>
+          </p:cNvSpPr>
+          <p:nvPr>
+            <p:ph type="body" orient="vert" idx="1"/>
+          </p:nvPr>
+        </p:nvSpPr>
+        <p:spPr>
+          <a:xfrm>
+            <a:off x="838200" y="365125"/>
+            <a:ext cx="7734300" cy="5811838"/>
+          </a:xfrm>
+        </p:spPr>
+        <p:txBody>
+          <a:bodyPr vert="eaVert"/>
+          <a:lstStyle/>
+          <a:p>
+            <a:pPr lvl="0"/>
+            <a:r>
+              <a:rPr lang="en-US"/>
+              <a:t>Click to edit Master text styles</a:t>
+            </a:r>
+          </a:p>
+          <a:p>
+            <a:pPr lvl="1"/>
+            <a:r>
+              <a:rPr lang="en-US"/>
+              <a:t>Second level</a:t>
+            </a:r>
+          </a:p>
+          <a:p>
+            <a:pPr lvl="2"/>
+            <a:r>
+              <a:rPr lang="en-US"/>
+              <a:t>Third level</a:t>
+            </a:r>
+          </a:p>
+          <a:p>
+            <a:pPr lvl="3"/>
+            <a:r>
+              <a:rPr lang="en-US"/>
+              <a:t>Fourth level</a:t>
+            </a:r>
+          </a:p>
+          <a:p>
+            <a:pPr lvl="4"/>
+            <a:r>
+              <a:rPr lang="en-US"/>
+              <a:t>Fifth level</a:t>
+            </a:r>
+            <a:endParaRPr lang="nl-NL"/>
+          </a:p>
+        </p:txBody>
+      </p:sp>
+      <p:sp>
+        <p:nvSpPr>
+          <p:cNvPr id="4" name="Date Placeholder 3">
+            <a:extLst>
+              <a:ext uri="{FF2B5EF4-FFF2-40B4-BE49-F238E27FC236}">
+                <a16:creationId xmlns:a16="http://schemas.microsoft.com/office/drawing/2014/main" id="{72ECDA0E-7EE7-CDC5-F9C9-D31D89F37E52}"/>
+              </a:ext>
+            </a:extLst>
+          </p:cNvPr>
+          <p:cNvSpPr>
+            <a:spLocks noGrp="1"/>
+          </p:cNvSpPr>
+          <p:nvPr>
+            <p:ph type="dt" sz="half" idx="10"/>
+          </p:nvPr>
+        </p:nvSpPr>
+        <p:spPr/>
+        <p:txBody>
+          <a:bodyPr/>
+          <a:lstStyle/>
+          <a:p>
+            <a:fld id="{8F72BA41-EC5B-4197-BCC8-0FD2E523CD7A}" type="datetimeFigureOut">
+              <a:rPr lang="en-US" smtClean="0"/>
+              <a:t>10/3/2024</a:t>
+            </a:fld>
+            <a:endParaRPr lang="en-US"/>
+          </a:p>
+        </p:txBody>
+      </p:sp>
+      <p:sp>
+        <p:nvSpPr>
+          <p:cNvPr id="5" name="Footer Placeholder 4">
+            <a:extLst>
+              <a:ext uri="{FF2B5EF4-FFF2-40B4-BE49-F238E27FC236}">
+                <a16:creationId xmlns:a16="http://schemas.microsoft.com/office/drawing/2014/main" id="{E9066326-5F33-5254-544B-D6465B6285CC}"/>
+              </a:ext>
+            </a:extLst>
+          </p:cNvPr>
+          <p:cNvSpPr>
+            <a:spLocks noGrp="1"/>
+          </p:cNvSpPr>
+          <p:nvPr>
+            <p:ph type="ftr" sz="quarter" idx="11"/>
+          </p:nvPr>
+        </p:nvSpPr>
+        <p:spPr/>
+        <p:txBody>
+          <a:bodyPr/>
+          <a:lstStyle/>
+          <a:p>
+            <a:endParaRPr lang="en-US"/>
+          </a:p>
+        </p:txBody>
+      </p:sp>
+      <p:sp>
+        <p:nvSpPr>
+          <p:cNvPr id="6" name="Slide Number Placeholder 5">
+            <a:extLst>
+              <a:ext uri="{FF2B5EF4-FFF2-40B4-BE49-F238E27FC236}">
+                <a16:creationId xmlns:a16="http://schemas.microsoft.com/office/drawing/2014/main" id="{A0BBE71A-5C2A-4EF6-92FA-93B4A71FBA97}"/>
+              </a:ext>
+            </a:extLst>
+          </p:cNvPr>
+          <p:cNvSpPr>
+            <a:spLocks noGrp="1"/>
+          </p:cNvSpPr>
+          <p:nvPr>
+            <p:ph type="sldNum" sz="quarter" idx="12"/>
+          </p:nvPr>
+        </p:nvSpPr>
+        <p:spPr/>
+        <p:txBody>
+          <a:bodyPr/>
+          <a:lstStyle/>
+          <a:p>
+            <a:fld id="{BE15108C-154A-4A5A-9C05-91A49A422BA7}" type="slidenum">
+              <a:rPr lang="en-US" smtClean="0"/>
+              <a:t>‹#›</a:t>
+            </a:fld>
+            <a:endParaRPr lang="en-US"/>
+          </a:p>
+        </p:txBody>
+      </p:sp>
+    </p:spTree>
+    <p:extLst>
+      <p:ext uri="{BB962C8B-B14F-4D97-AF65-F5344CB8AC3E}">
+        <p14:creationId xmlns:p14="http://schemas.microsoft.com/office/powerpoint/2010/main" val="2188426579"/>
+      </p:ext>
+    </p:extLst>
+  </p:cSld>
+  <p:clrMapOvr>
+    <a:masterClrMapping/>
+  </p:clrMapOvr>
+</p:sldLayout>
+</file>
+
+<file path=ppt/slideLayouts/slideLayout2.xml><?xml version="1.0" encoding="utf-8"?>
+<p:sldLayout xmlns:a="http://schemas.openxmlformats.org/drawingml/2006/main" xmlns:r="http://schemas.openxmlformats.org/officeDocument/2006/relationships" xmlns:p="http://schemas.openxmlformats.org/presentationml/2006/main" type="obj" preserve="1">
+  <p:cSld name="Title and Content">
+    <p:spTree>
+      <p:nvGrpSpPr>
+        <p:cNvPr id="1" name=""/>
+        <p:cNvGrpSpPr/>
+        <p:nvPr/>
+      </p:nvGrpSpPr>
+      <p:grpSpPr>
+        <a:xfrm>
+          <a:off x="0" y="0"/>
+          <a:ext cx="0" cy="0"/>
+          <a:chOff x="0" y="0"/>
+          <a:chExt cx="0" cy="0"/>
+        </a:xfrm>
+      </p:grpSpPr>
+      <p:sp>
+        <p:nvSpPr>
+          <p:cNvPr id="2" name="Title 1">
+            <a:extLst>
+              <a:ext uri="{FF2B5EF4-FFF2-40B4-BE49-F238E27FC236}">
+                <a16:creationId xmlns:a16="http://schemas.microsoft.com/office/drawing/2014/main" id="{CA0C4640-C652-0A5B-0402-074D643C7130}"/>
+              </a:ext>
+            </a:extLst>
+          </p:cNvPr>
+          <p:cNvSpPr>
+            <a:spLocks noGrp="1"/>
+          </p:cNvSpPr>
+          <p:nvPr>
+            <p:ph type="title"/>
+          </p:nvPr>
+        </p:nvSpPr>
+        <p:spPr/>
+        <p:txBody>
+          <a:bodyPr/>
+          <a:lstStyle/>
+          <a:p>
+            <a:r>
+              <a:rPr lang="en-US"/>
+              <a:t>Click to edit Master title style</a:t>
+            </a:r>
+            <a:endParaRPr lang="nl-NL"/>
+          </a:p>
+        </p:txBody>
+      </p:sp>
+      <p:sp>
+        <p:nvSpPr>
+          <p:cNvPr id="3" name="Content Placeholder 2">
+            <a:extLst>
+              <a:ext uri="{FF2B5EF4-FFF2-40B4-BE49-F238E27FC236}">
+                <a16:creationId xmlns:a16="http://schemas.microsoft.com/office/drawing/2014/main" id="{F806CB04-6FAC-FA9C-7585-4D43E404064B}"/>
+              </a:ext>
+            </a:extLst>
+          </p:cNvPr>
+          <p:cNvSpPr>
+            <a:spLocks noGrp="1"/>
+          </p:cNvSpPr>
+          <p:nvPr>
+            <p:ph idx="1"/>
+          </p:nvPr>
+        </p:nvSpPr>
+        <p:spPr/>
+        <p:txBody>
+          <a:bodyPr/>
+          <a:lstStyle/>
+          <a:p>
+            <a:pPr lvl="0"/>
+            <a:r>
+              <a:rPr lang="en-US"/>
+              <a:t>Click to edit Master text styles</a:t>
+            </a:r>
+          </a:p>
+          <a:p>
+            <a:pPr lvl="1"/>
+            <a:r>
+              <a:rPr lang="en-US"/>
+              <a:t>Second level</a:t>
+            </a:r>
+          </a:p>
+          <a:p>
+            <a:pPr lvl="2"/>
+            <a:r>
+              <a:rPr lang="en-US"/>
+              <a:t>Third level</a:t>
+            </a:r>
+          </a:p>
+          <a:p>
+            <a:pPr lvl="3"/>
+            <a:r>
+              <a:rPr lang="en-US"/>
+              <a:t>Fourth level</a:t>
+            </a:r>
+          </a:p>
+          <a:p>
+            <a:pPr lvl="4"/>
+            <a:r>
+              <a:rPr lang="en-US"/>
+              <a:t>Fifth level</a:t>
+            </a:r>
+            <a:endParaRPr lang="nl-NL"/>
+          </a:p>
+        </p:txBody>
+      </p:sp>
+      <p:sp>
+        <p:nvSpPr>
+          <p:cNvPr id="4" name="Date Placeholder 3">
+            <a:extLst>
+              <a:ext uri="{FF2B5EF4-FFF2-40B4-BE49-F238E27FC236}">
+                <a16:creationId xmlns:a16="http://schemas.microsoft.com/office/drawing/2014/main" id="{B54A8492-2741-E7DA-0645-2D46D3CDE81F}"/>
+              </a:ext>
+            </a:extLst>
+          </p:cNvPr>
+          <p:cNvSpPr>
+            <a:spLocks noGrp="1"/>
+          </p:cNvSpPr>
+          <p:nvPr>
+            <p:ph type="dt" sz="half" idx="10"/>
+          </p:nvPr>
+        </p:nvSpPr>
+        <p:spPr/>
+        <p:txBody>
+          <a:bodyPr/>
+          <a:lstStyle/>
+          <a:p>
+            <a:fld id="{8F72BA41-EC5B-4197-BCC8-0FD2E523CD7A}" type="datetimeFigureOut">
+              <a:rPr lang="en-US" smtClean="0"/>
+              <a:t>10/3/2024</a:t>
+            </a:fld>
+            <a:endParaRPr lang="en-US"/>
+          </a:p>
+        </p:txBody>
+      </p:sp>
+      <p:sp>
+        <p:nvSpPr>
+          <p:cNvPr id="5" name="Footer Placeholder 4">
+            <a:extLst>
+              <a:ext uri="{FF2B5EF4-FFF2-40B4-BE49-F238E27FC236}">
+                <a16:creationId xmlns:a16="http://schemas.microsoft.com/office/drawing/2014/main" id="{1B0F320C-CA06-E62C-E69B-2525D4198D8D}"/>
+              </a:ext>
+            </a:extLst>
+          </p:cNvPr>
+          <p:cNvSpPr>
+            <a:spLocks noGrp="1"/>
+          </p:cNvSpPr>
+          <p:nvPr>
+            <p:ph type="ftr" sz="quarter" idx="11"/>
+          </p:nvPr>
+        </p:nvSpPr>
+        <p:spPr/>
+        <p:txBody>
+          <a:bodyPr/>
+          <a:lstStyle/>
+          <a:p>
+            <a:endParaRPr lang="en-US"/>
+          </a:p>
+        </p:txBody>
+      </p:sp>
+      <p:sp>
+        <p:nvSpPr>
+          <p:cNvPr id="6" name="Slide Number Placeholder 5">
+            <a:extLst>
+              <a:ext uri="{FF2B5EF4-FFF2-40B4-BE49-F238E27FC236}">
+                <a16:creationId xmlns:a16="http://schemas.microsoft.com/office/drawing/2014/main" id="{5FF91667-9C83-621E-A1C4-62549208F1C3}"/>
+              </a:ext>
+            </a:extLst>
+          </p:cNvPr>
+          <p:cNvSpPr>
+            <a:spLocks noGrp="1"/>
+          </p:cNvSpPr>
+          <p:nvPr>
+            <p:ph type="sldNum" sz="quarter" idx="12"/>
+          </p:nvPr>
+        </p:nvSpPr>
+        <p:spPr/>
+        <p:txBody>
+          <a:bodyPr/>
+          <a:lstStyle/>
+          <a:p>
+            <a:fld id="{BE15108C-154A-4A5A-9C05-91A49A422BA7}" type="slidenum">
+              <a:rPr lang="en-US" smtClean="0"/>
+              <a:t>‹#›</a:t>
+            </a:fld>
+            <a:endParaRPr lang="en-US"/>
+          </a:p>
+        </p:txBody>
+      </p:sp>
+    </p:spTree>
+    <p:extLst>
+      <p:ext uri="{BB962C8B-B14F-4D97-AF65-F5344CB8AC3E}">
+        <p14:creationId xmlns:p14="http://schemas.microsoft.com/office/powerpoint/2010/main" val="3955221272"/>
+      </p:ext>
+    </p:extLst>
+  </p:cSld>
+  <p:clrMapOvr>
+    <a:masterClrMapping/>
+  </p:clrMapOvr>
+</p:sldLayout>
+</file>
+
+<file path=ppt/slideLayouts/slideLayout3.xml><?xml version="1.0" encoding="utf-8"?>
+<p:sldLayout xmlns:a="http://schemas.openxmlformats.org/drawingml/2006/main" xmlns:r="http://schemas.openxmlformats.org/officeDocument/2006/relationships" xmlns:p="http://schemas.openxmlformats.org/presentationml/2006/main" type="secHead" preserve="1">
+  <p:cSld name="Section Header">
+    <p:spTree>
+      <p:nvGrpSpPr>
+        <p:cNvPr id="1" name=""/>
+        <p:cNvGrpSpPr/>
+        <p:nvPr/>
+      </p:nvGrpSpPr>
+      <p:grpSpPr>
+        <a:xfrm>
+          <a:off x="0" y="0"/>
+          <a:ext cx="0" cy="0"/>
+          <a:chOff x="0" y="0"/>
+          <a:chExt cx="0" cy="0"/>
+        </a:xfrm>
+      </p:grpSpPr>
+      <p:sp>
+        <p:nvSpPr>
+          <p:cNvPr id="2" name="Title 1">
+            <a:extLst>
+              <a:ext uri="{FF2B5EF4-FFF2-40B4-BE49-F238E27FC236}">
+                <a16:creationId xmlns:a16="http://schemas.microsoft.com/office/drawing/2014/main" id="{4B649F4E-2167-B75B-9DC1-0059EE69495D}"/>
+              </a:ext>
+            </a:extLst>
+          </p:cNvPr>
           <p:cNvSpPr>
             <a:spLocks noGrp="1"/>
           </p:cNvSpPr>
@@ -1702,25 +1010,35 @@
         </p:nvSpPr>
         <p:spPr>
           <a:xfrm>
-            <a:off x="2895600" y="761999"/>
-            <a:ext cx="8610599" cy="1303867"/>
+            <a:off x="831850" y="1709738"/>
+            <a:ext cx="10515600" cy="2852737"/>
           </a:xfrm>
         </p:spPr>
         <p:txBody>
-          <a:bodyPr/>
-          <a:lstStyle/>
-          <a:p>
-            <a:r>
-              <a:rPr lang="en-GB"/>
+          <a:bodyPr anchor="b"/>
+          <a:lstStyle>
+            <a:lvl1pPr>
+              <a:defRPr sz="6000"/>
+            </a:lvl1pPr>
+          </a:lstStyle>
+          <a:p>
+            <a:r>
+              <a:rPr lang="en-US"/>
               <a:t>Click to edit Master title style</a:t>
             </a:r>
-            <a:endParaRPr lang="en-US" dirty="0"/>
+            <a:endParaRPr lang="nl-NL"/>
           </a:p>
         </p:txBody>
       </p:sp>
       <p:sp>
         <p:nvSpPr>
-          <p:cNvPr id="7" name="Text Placeholder 2"/>
+          <p:cNvPr id="3" name="Text Placeholder 2">
+            <a:extLst>
+              <a:ext uri="{FF2B5EF4-FFF2-40B4-BE49-F238E27FC236}">
+                <a16:creationId xmlns:a16="http://schemas.microsoft.com/office/drawing/2014/main" id="{43A2E1DD-EB39-DB7C-5293-42650FF2A79E}"/>
+              </a:ext>
+            </a:extLst>
+          </p:cNvPr>
           <p:cNvSpPr>
             <a:spLocks noGrp="1"/>
           </p:cNvSpPr>
@@ -1730,22 +1048,556 @@
         </p:nvSpPr>
         <p:spPr>
           <a:xfrm>
-            <a:off x="685800" y="2202080"/>
-            <a:ext cx="3456432" cy="617320"/>
+            <a:off x="831850" y="4589463"/>
+            <a:ext cx="10515600" cy="1500187"/>
           </a:xfrm>
         </p:spPr>
         <p:txBody>
-          <a:bodyPr anchor="b">
-            <a:noAutofit/>
-          </a:bodyPr>
+          <a:bodyPr/>
           <a:lstStyle>
             <a:lvl1pPr marL="0" indent="0">
               <a:buNone/>
-              <a:defRPr sz="2400" b="0">
+              <a:defRPr sz="2400">
                 <a:solidFill>
-                  <a:schemeClr val="tx1"/>
+                  <a:schemeClr val="tx1">
+                    <a:tint val="82000"/>
+                  </a:schemeClr>
                 </a:solidFill>
               </a:defRPr>
+            </a:lvl1pPr>
+            <a:lvl2pPr marL="457200" indent="0">
+              <a:buNone/>
+              <a:defRPr sz="2000">
+                <a:solidFill>
+                  <a:schemeClr val="tx1">
+                    <a:tint val="82000"/>
+                  </a:schemeClr>
+                </a:solidFill>
+              </a:defRPr>
+            </a:lvl2pPr>
+            <a:lvl3pPr marL="914400" indent="0">
+              <a:buNone/>
+              <a:defRPr sz="1800">
+                <a:solidFill>
+                  <a:schemeClr val="tx1">
+                    <a:tint val="82000"/>
+                  </a:schemeClr>
+                </a:solidFill>
+              </a:defRPr>
+            </a:lvl3pPr>
+            <a:lvl4pPr marL="1371600" indent="0">
+              <a:buNone/>
+              <a:defRPr sz="1600">
+                <a:solidFill>
+                  <a:schemeClr val="tx1">
+                    <a:tint val="82000"/>
+                  </a:schemeClr>
+                </a:solidFill>
+              </a:defRPr>
+            </a:lvl4pPr>
+            <a:lvl5pPr marL="1828800" indent="0">
+              <a:buNone/>
+              <a:defRPr sz="1600">
+                <a:solidFill>
+                  <a:schemeClr val="tx1">
+                    <a:tint val="82000"/>
+                  </a:schemeClr>
+                </a:solidFill>
+              </a:defRPr>
+            </a:lvl5pPr>
+            <a:lvl6pPr marL="2286000" indent="0">
+              <a:buNone/>
+              <a:defRPr sz="1600">
+                <a:solidFill>
+                  <a:schemeClr val="tx1">
+                    <a:tint val="82000"/>
+                  </a:schemeClr>
+                </a:solidFill>
+              </a:defRPr>
+            </a:lvl6pPr>
+            <a:lvl7pPr marL="2743200" indent="0">
+              <a:buNone/>
+              <a:defRPr sz="1600">
+                <a:solidFill>
+                  <a:schemeClr val="tx1">
+                    <a:tint val="82000"/>
+                  </a:schemeClr>
+                </a:solidFill>
+              </a:defRPr>
+            </a:lvl7pPr>
+            <a:lvl8pPr marL="3200400" indent="0">
+              <a:buNone/>
+              <a:defRPr sz="1600">
+                <a:solidFill>
+                  <a:schemeClr val="tx1">
+                    <a:tint val="82000"/>
+                  </a:schemeClr>
+                </a:solidFill>
+              </a:defRPr>
+            </a:lvl8pPr>
+            <a:lvl9pPr marL="3657600" indent="0">
+              <a:buNone/>
+              <a:defRPr sz="1600">
+                <a:solidFill>
+                  <a:schemeClr val="tx1">
+                    <a:tint val="82000"/>
+                  </a:schemeClr>
+                </a:solidFill>
+              </a:defRPr>
+            </a:lvl9pPr>
+          </a:lstStyle>
+          <a:p>
+            <a:pPr lvl="0"/>
+            <a:r>
+              <a:rPr lang="en-US"/>
+              <a:t>Click to edit Master text styles</a:t>
+            </a:r>
+          </a:p>
+        </p:txBody>
+      </p:sp>
+      <p:sp>
+        <p:nvSpPr>
+          <p:cNvPr id="4" name="Date Placeholder 3">
+            <a:extLst>
+              <a:ext uri="{FF2B5EF4-FFF2-40B4-BE49-F238E27FC236}">
+                <a16:creationId xmlns:a16="http://schemas.microsoft.com/office/drawing/2014/main" id="{57314505-BA6C-F606-6BC4-E396A8FEB695}"/>
+              </a:ext>
+            </a:extLst>
+          </p:cNvPr>
+          <p:cNvSpPr>
+            <a:spLocks noGrp="1"/>
+          </p:cNvSpPr>
+          <p:nvPr>
+            <p:ph type="dt" sz="half" idx="10"/>
+          </p:nvPr>
+        </p:nvSpPr>
+        <p:spPr/>
+        <p:txBody>
+          <a:bodyPr/>
+          <a:lstStyle/>
+          <a:p>
+            <a:fld id="{8F72BA41-EC5B-4197-BCC8-0FD2E523CD7A}" type="datetimeFigureOut">
+              <a:rPr lang="en-US" smtClean="0"/>
+              <a:t>10/3/2024</a:t>
+            </a:fld>
+            <a:endParaRPr lang="en-US"/>
+          </a:p>
+        </p:txBody>
+      </p:sp>
+      <p:sp>
+        <p:nvSpPr>
+          <p:cNvPr id="5" name="Footer Placeholder 4">
+            <a:extLst>
+              <a:ext uri="{FF2B5EF4-FFF2-40B4-BE49-F238E27FC236}">
+                <a16:creationId xmlns:a16="http://schemas.microsoft.com/office/drawing/2014/main" id="{6FBF0952-9517-9C76-137D-AE37E1A5D893}"/>
+              </a:ext>
+            </a:extLst>
+          </p:cNvPr>
+          <p:cNvSpPr>
+            <a:spLocks noGrp="1"/>
+          </p:cNvSpPr>
+          <p:nvPr>
+            <p:ph type="ftr" sz="quarter" idx="11"/>
+          </p:nvPr>
+        </p:nvSpPr>
+        <p:spPr/>
+        <p:txBody>
+          <a:bodyPr/>
+          <a:lstStyle/>
+          <a:p>
+            <a:endParaRPr lang="en-US"/>
+          </a:p>
+        </p:txBody>
+      </p:sp>
+      <p:sp>
+        <p:nvSpPr>
+          <p:cNvPr id="6" name="Slide Number Placeholder 5">
+            <a:extLst>
+              <a:ext uri="{FF2B5EF4-FFF2-40B4-BE49-F238E27FC236}">
+                <a16:creationId xmlns:a16="http://schemas.microsoft.com/office/drawing/2014/main" id="{42B5A79B-F23A-9C6F-2212-16728C7B077E}"/>
+              </a:ext>
+            </a:extLst>
+          </p:cNvPr>
+          <p:cNvSpPr>
+            <a:spLocks noGrp="1"/>
+          </p:cNvSpPr>
+          <p:nvPr>
+            <p:ph type="sldNum" sz="quarter" idx="12"/>
+          </p:nvPr>
+        </p:nvSpPr>
+        <p:spPr/>
+        <p:txBody>
+          <a:bodyPr/>
+          <a:lstStyle/>
+          <a:p>
+            <a:fld id="{BE15108C-154A-4A5A-9C05-91A49A422BA7}" type="slidenum">
+              <a:rPr lang="en-US" smtClean="0"/>
+              <a:t>‹#›</a:t>
+            </a:fld>
+            <a:endParaRPr lang="en-US"/>
+          </a:p>
+        </p:txBody>
+      </p:sp>
+    </p:spTree>
+    <p:extLst>
+      <p:ext uri="{BB962C8B-B14F-4D97-AF65-F5344CB8AC3E}">
+        <p14:creationId xmlns:p14="http://schemas.microsoft.com/office/powerpoint/2010/main" val="2355672460"/>
+      </p:ext>
+    </p:extLst>
+  </p:cSld>
+  <p:clrMapOvr>
+    <a:masterClrMapping/>
+  </p:clrMapOvr>
+</p:sldLayout>
+</file>
+
+<file path=ppt/slideLayouts/slideLayout4.xml><?xml version="1.0" encoding="utf-8"?>
+<p:sldLayout xmlns:a="http://schemas.openxmlformats.org/drawingml/2006/main" xmlns:r="http://schemas.openxmlformats.org/officeDocument/2006/relationships" xmlns:p="http://schemas.openxmlformats.org/presentationml/2006/main" type="twoObj" preserve="1">
+  <p:cSld name="Two Content">
+    <p:spTree>
+      <p:nvGrpSpPr>
+        <p:cNvPr id="1" name=""/>
+        <p:cNvGrpSpPr/>
+        <p:nvPr/>
+      </p:nvGrpSpPr>
+      <p:grpSpPr>
+        <a:xfrm>
+          <a:off x="0" y="0"/>
+          <a:ext cx="0" cy="0"/>
+          <a:chOff x="0" y="0"/>
+          <a:chExt cx="0" cy="0"/>
+        </a:xfrm>
+      </p:grpSpPr>
+      <p:sp>
+        <p:nvSpPr>
+          <p:cNvPr id="2" name="Title 1">
+            <a:extLst>
+              <a:ext uri="{FF2B5EF4-FFF2-40B4-BE49-F238E27FC236}">
+                <a16:creationId xmlns:a16="http://schemas.microsoft.com/office/drawing/2014/main" id="{C162922D-439B-EE67-2A73-D8BC90FE5747}"/>
+              </a:ext>
+            </a:extLst>
+          </p:cNvPr>
+          <p:cNvSpPr>
+            <a:spLocks noGrp="1"/>
+          </p:cNvSpPr>
+          <p:nvPr>
+            <p:ph type="title"/>
+          </p:nvPr>
+        </p:nvSpPr>
+        <p:spPr/>
+        <p:txBody>
+          <a:bodyPr/>
+          <a:lstStyle/>
+          <a:p>
+            <a:r>
+              <a:rPr lang="en-US"/>
+              <a:t>Click to edit Master title style</a:t>
+            </a:r>
+            <a:endParaRPr lang="nl-NL"/>
+          </a:p>
+        </p:txBody>
+      </p:sp>
+      <p:sp>
+        <p:nvSpPr>
+          <p:cNvPr id="3" name="Content Placeholder 2">
+            <a:extLst>
+              <a:ext uri="{FF2B5EF4-FFF2-40B4-BE49-F238E27FC236}">
+                <a16:creationId xmlns:a16="http://schemas.microsoft.com/office/drawing/2014/main" id="{7122DB81-8A95-A241-7315-B49ED050733E}"/>
+              </a:ext>
+            </a:extLst>
+          </p:cNvPr>
+          <p:cNvSpPr>
+            <a:spLocks noGrp="1"/>
+          </p:cNvSpPr>
+          <p:nvPr>
+            <p:ph sz="half" idx="1"/>
+          </p:nvPr>
+        </p:nvSpPr>
+        <p:spPr>
+          <a:xfrm>
+            <a:off x="838200" y="1825625"/>
+            <a:ext cx="5181600" cy="4351338"/>
+          </a:xfrm>
+        </p:spPr>
+        <p:txBody>
+          <a:bodyPr/>
+          <a:lstStyle/>
+          <a:p>
+            <a:pPr lvl="0"/>
+            <a:r>
+              <a:rPr lang="en-US"/>
+              <a:t>Click to edit Master text styles</a:t>
+            </a:r>
+          </a:p>
+          <a:p>
+            <a:pPr lvl="1"/>
+            <a:r>
+              <a:rPr lang="en-US"/>
+              <a:t>Second level</a:t>
+            </a:r>
+          </a:p>
+          <a:p>
+            <a:pPr lvl="2"/>
+            <a:r>
+              <a:rPr lang="en-US"/>
+              <a:t>Third level</a:t>
+            </a:r>
+          </a:p>
+          <a:p>
+            <a:pPr lvl="3"/>
+            <a:r>
+              <a:rPr lang="en-US"/>
+              <a:t>Fourth level</a:t>
+            </a:r>
+          </a:p>
+          <a:p>
+            <a:pPr lvl="4"/>
+            <a:r>
+              <a:rPr lang="en-US"/>
+              <a:t>Fifth level</a:t>
+            </a:r>
+            <a:endParaRPr lang="nl-NL"/>
+          </a:p>
+        </p:txBody>
+      </p:sp>
+      <p:sp>
+        <p:nvSpPr>
+          <p:cNvPr id="4" name="Content Placeholder 3">
+            <a:extLst>
+              <a:ext uri="{FF2B5EF4-FFF2-40B4-BE49-F238E27FC236}">
+                <a16:creationId xmlns:a16="http://schemas.microsoft.com/office/drawing/2014/main" id="{5245DA27-DF6B-F64B-95F8-615178FA0833}"/>
+              </a:ext>
+            </a:extLst>
+          </p:cNvPr>
+          <p:cNvSpPr>
+            <a:spLocks noGrp="1"/>
+          </p:cNvSpPr>
+          <p:nvPr>
+            <p:ph sz="half" idx="2"/>
+          </p:nvPr>
+        </p:nvSpPr>
+        <p:spPr>
+          <a:xfrm>
+            <a:off x="6172200" y="1825625"/>
+            <a:ext cx="5181600" cy="4351338"/>
+          </a:xfrm>
+        </p:spPr>
+        <p:txBody>
+          <a:bodyPr/>
+          <a:lstStyle/>
+          <a:p>
+            <a:pPr lvl="0"/>
+            <a:r>
+              <a:rPr lang="en-US"/>
+              <a:t>Click to edit Master text styles</a:t>
+            </a:r>
+          </a:p>
+          <a:p>
+            <a:pPr lvl="1"/>
+            <a:r>
+              <a:rPr lang="en-US"/>
+              <a:t>Second level</a:t>
+            </a:r>
+          </a:p>
+          <a:p>
+            <a:pPr lvl="2"/>
+            <a:r>
+              <a:rPr lang="en-US"/>
+              <a:t>Third level</a:t>
+            </a:r>
+          </a:p>
+          <a:p>
+            <a:pPr lvl="3"/>
+            <a:r>
+              <a:rPr lang="en-US"/>
+              <a:t>Fourth level</a:t>
+            </a:r>
+          </a:p>
+          <a:p>
+            <a:pPr lvl="4"/>
+            <a:r>
+              <a:rPr lang="en-US"/>
+              <a:t>Fifth level</a:t>
+            </a:r>
+            <a:endParaRPr lang="nl-NL"/>
+          </a:p>
+        </p:txBody>
+      </p:sp>
+      <p:sp>
+        <p:nvSpPr>
+          <p:cNvPr id="5" name="Date Placeholder 4">
+            <a:extLst>
+              <a:ext uri="{FF2B5EF4-FFF2-40B4-BE49-F238E27FC236}">
+                <a16:creationId xmlns:a16="http://schemas.microsoft.com/office/drawing/2014/main" id="{73A7A79A-9DAD-B8FF-888E-C3E3CC5CDAAB}"/>
+              </a:ext>
+            </a:extLst>
+          </p:cNvPr>
+          <p:cNvSpPr>
+            <a:spLocks noGrp="1"/>
+          </p:cNvSpPr>
+          <p:nvPr>
+            <p:ph type="dt" sz="half" idx="10"/>
+          </p:nvPr>
+        </p:nvSpPr>
+        <p:spPr/>
+        <p:txBody>
+          <a:bodyPr/>
+          <a:lstStyle/>
+          <a:p>
+            <a:fld id="{8F72BA41-EC5B-4197-BCC8-0FD2E523CD7A}" type="datetimeFigureOut">
+              <a:rPr lang="en-US" smtClean="0"/>
+              <a:t>10/3/2024</a:t>
+            </a:fld>
+            <a:endParaRPr lang="en-US"/>
+          </a:p>
+        </p:txBody>
+      </p:sp>
+      <p:sp>
+        <p:nvSpPr>
+          <p:cNvPr id="6" name="Footer Placeholder 5">
+            <a:extLst>
+              <a:ext uri="{FF2B5EF4-FFF2-40B4-BE49-F238E27FC236}">
+                <a16:creationId xmlns:a16="http://schemas.microsoft.com/office/drawing/2014/main" id="{FA1B67B7-9FB5-3EDE-9F1A-625612F7F93E}"/>
+              </a:ext>
+            </a:extLst>
+          </p:cNvPr>
+          <p:cNvSpPr>
+            <a:spLocks noGrp="1"/>
+          </p:cNvSpPr>
+          <p:nvPr>
+            <p:ph type="ftr" sz="quarter" idx="11"/>
+          </p:nvPr>
+        </p:nvSpPr>
+        <p:spPr/>
+        <p:txBody>
+          <a:bodyPr/>
+          <a:lstStyle/>
+          <a:p>
+            <a:endParaRPr lang="en-US"/>
+          </a:p>
+        </p:txBody>
+      </p:sp>
+      <p:sp>
+        <p:nvSpPr>
+          <p:cNvPr id="7" name="Slide Number Placeholder 6">
+            <a:extLst>
+              <a:ext uri="{FF2B5EF4-FFF2-40B4-BE49-F238E27FC236}">
+                <a16:creationId xmlns:a16="http://schemas.microsoft.com/office/drawing/2014/main" id="{A3F6A7A0-BBEC-5982-B7DD-09E85BDA660D}"/>
+              </a:ext>
+            </a:extLst>
+          </p:cNvPr>
+          <p:cNvSpPr>
+            <a:spLocks noGrp="1"/>
+          </p:cNvSpPr>
+          <p:nvPr>
+            <p:ph type="sldNum" sz="quarter" idx="12"/>
+          </p:nvPr>
+        </p:nvSpPr>
+        <p:spPr/>
+        <p:txBody>
+          <a:bodyPr/>
+          <a:lstStyle/>
+          <a:p>
+            <a:fld id="{BE15108C-154A-4A5A-9C05-91A49A422BA7}" type="slidenum">
+              <a:rPr lang="en-US" smtClean="0"/>
+              <a:t>‹#›</a:t>
+            </a:fld>
+            <a:endParaRPr lang="en-US"/>
+          </a:p>
+        </p:txBody>
+      </p:sp>
+    </p:spTree>
+    <p:extLst>
+      <p:ext uri="{BB962C8B-B14F-4D97-AF65-F5344CB8AC3E}">
+        <p14:creationId xmlns:p14="http://schemas.microsoft.com/office/powerpoint/2010/main" val="4188526264"/>
+      </p:ext>
+    </p:extLst>
+  </p:cSld>
+  <p:clrMapOvr>
+    <a:masterClrMapping/>
+  </p:clrMapOvr>
+</p:sldLayout>
+</file>
+
+<file path=ppt/slideLayouts/slideLayout5.xml><?xml version="1.0" encoding="utf-8"?>
+<p:sldLayout xmlns:a="http://schemas.openxmlformats.org/drawingml/2006/main" xmlns:r="http://schemas.openxmlformats.org/officeDocument/2006/relationships" xmlns:p="http://schemas.openxmlformats.org/presentationml/2006/main" type="twoTxTwoObj" preserve="1">
+  <p:cSld name="Comparison">
+    <p:spTree>
+      <p:nvGrpSpPr>
+        <p:cNvPr id="1" name=""/>
+        <p:cNvGrpSpPr/>
+        <p:nvPr/>
+      </p:nvGrpSpPr>
+      <p:grpSpPr>
+        <a:xfrm>
+          <a:off x="0" y="0"/>
+          <a:ext cx="0" cy="0"/>
+          <a:chOff x="0" y="0"/>
+          <a:chExt cx="0" cy="0"/>
+        </a:xfrm>
+      </p:grpSpPr>
+      <p:sp>
+        <p:nvSpPr>
+          <p:cNvPr id="2" name="Title 1">
+            <a:extLst>
+              <a:ext uri="{FF2B5EF4-FFF2-40B4-BE49-F238E27FC236}">
+                <a16:creationId xmlns:a16="http://schemas.microsoft.com/office/drawing/2014/main" id="{47B5B84C-E8A2-CC31-C18D-4BE65334A1A1}"/>
+              </a:ext>
+            </a:extLst>
+          </p:cNvPr>
+          <p:cNvSpPr>
+            <a:spLocks noGrp="1"/>
+          </p:cNvSpPr>
+          <p:nvPr>
+            <p:ph type="title"/>
+          </p:nvPr>
+        </p:nvSpPr>
+        <p:spPr>
+          <a:xfrm>
+            <a:off x="839788" y="365125"/>
+            <a:ext cx="10515600" cy="1325563"/>
+          </a:xfrm>
+        </p:spPr>
+        <p:txBody>
+          <a:bodyPr/>
+          <a:lstStyle/>
+          <a:p>
+            <a:r>
+              <a:rPr lang="en-US"/>
+              <a:t>Click to edit Master title style</a:t>
+            </a:r>
+            <a:endParaRPr lang="nl-NL"/>
+          </a:p>
+        </p:txBody>
+      </p:sp>
+      <p:sp>
+        <p:nvSpPr>
+          <p:cNvPr id="3" name="Text Placeholder 2">
+            <a:extLst>
+              <a:ext uri="{FF2B5EF4-FFF2-40B4-BE49-F238E27FC236}">
+                <a16:creationId xmlns:a16="http://schemas.microsoft.com/office/drawing/2014/main" id="{B9468B8F-9B2E-C6AC-704C-6247B5B21779}"/>
+              </a:ext>
+            </a:extLst>
+          </p:cNvPr>
+          <p:cNvSpPr>
+            <a:spLocks noGrp="1"/>
+          </p:cNvSpPr>
+          <p:nvPr>
+            <p:ph type="body" idx="1"/>
+          </p:nvPr>
+        </p:nvSpPr>
+        <p:spPr>
+          <a:xfrm>
+            <a:off x="839788" y="1681163"/>
+            <a:ext cx="5157787" cy="823912"/>
+          </a:xfrm>
+        </p:spPr>
+        <p:txBody>
+          <a:bodyPr anchor="b"/>
+          <a:lstStyle>
+            <a:lvl1pPr marL="0" indent="0">
+              <a:buNone/>
+              <a:defRPr sz="2400" b="1"/>
             </a:lvl1pPr>
             <a:lvl2pPr marL="457200" indent="0">
               <a:buNone/>
@@ -1783,7 +1635,7 @@
           <a:p>
             <a:pPr lvl="0"/>
             <a:r>
-              <a:rPr lang="en-GB"/>
+              <a:rPr lang="en-US"/>
               <a:t>Click to edit Master text styles</a:t>
             </a:r>
           </a:p>
@@ -1791,74 +1643,76 @@
       </p:sp>
       <p:sp>
         <p:nvSpPr>
-          <p:cNvPr id="8" name="Text Placeholder 3"/>
+          <p:cNvPr id="4" name="Content Placeholder 3">
+            <a:extLst>
+              <a:ext uri="{FF2B5EF4-FFF2-40B4-BE49-F238E27FC236}">
+                <a16:creationId xmlns:a16="http://schemas.microsoft.com/office/drawing/2014/main" id="{1845C7F2-013C-4282-2BE4-A329E5608A62}"/>
+              </a:ext>
+            </a:extLst>
+          </p:cNvPr>
           <p:cNvSpPr>
             <a:spLocks noGrp="1"/>
           </p:cNvSpPr>
           <p:nvPr>
-            <p:ph type="body" sz="half" idx="15"/>
+            <p:ph sz="half" idx="2"/>
           </p:nvPr>
         </p:nvSpPr>
         <p:spPr>
           <a:xfrm>
-            <a:off x="685799" y="2904565"/>
-            <a:ext cx="3456432" cy="3314132"/>
+            <a:off x="839788" y="2505075"/>
+            <a:ext cx="5157787" cy="3684588"/>
           </a:xfrm>
         </p:spPr>
         <p:txBody>
-          <a:bodyPr anchor="t">
-            <a:normAutofit/>
-          </a:bodyPr>
-          <a:lstStyle>
-            <a:lvl1pPr marL="0" indent="0">
-              <a:buNone/>
-              <a:defRPr sz="1400"/>
-            </a:lvl1pPr>
-            <a:lvl2pPr marL="457200" indent="0">
-              <a:buNone/>
-              <a:defRPr sz="1200"/>
-            </a:lvl2pPr>
-            <a:lvl3pPr marL="914400" indent="0">
-              <a:buNone/>
-              <a:defRPr sz="1000"/>
-            </a:lvl3pPr>
-            <a:lvl4pPr marL="1371600" indent="0">
-              <a:buNone/>
-              <a:defRPr sz="900"/>
-            </a:lvl4pPr>
-            <a:lvl5pPr marL="1828800" indent="0">
-              <a:buNone/>
-              <a:defRPr sz="900"/>
-            </a:lvl5pPr>
-            <a:lvl6pPr marL="2286000" indent="0">
-              <a:buNone/>
-              <a:defRPr sz="900"/>
-            </a:lvl6pPr>
-            <a:lvl7pPr marL="2743200" indent="0">
-              <a:buNone/>
-              <a:defRPr sz="900"/>
-            </a:lvl7pPr>
-            <a:lvl8pPr marL="3200400" indent="0">
-              <a:buNone/>
-              <a:defRPr sz="900"/>
-            </a:lvl8pPr>
-            <a:lvl9pPr marL="3657600" indent="0">
-              <a:buNone/>
-              <a:defRPr sz="900"/>
-            </a:lvl9pPr>
-          </a:lstStyle>
+          <a:bodyPr/>
+          <a:lstStyle/>
           <a:p>
             <a:pPr lvl="0"/>
             <a:r>
-              <a:rPr lang="en-GB"/>
+              <a:rPr lang="en-US"/>
               <a:t>Click to edit Master text styles</a:t>
             </a:r>
+          </a:p>
+          <a:p>
+            <a:pPr lvl="1"/>
+            <a:r>
+              <a:rPr lang="en-US"/>
+              <a:t>Second level</a:t>
+            </a:r>
+          </a:p>
+          <a:p>
+            <a:pPr lvl="2"/>
+            <a:r>
+              <a:rPr lang="en-US"/>
+              <a:t>Third level</a:t>
+            </a:r>
+          </a:p>
+          <a:p>
+            <a:pPr lvl="3"/>
+            <a:r>
+              <a:rPr lang="en-US"/>
+              <a:t>Fourth level</a:t>
+            </a:r>
+          </a:p>
+          <a:p>
+            <a:pPr lvl="4"/>
+            <a:r>
+              <a:rPr lang="en-US"/>
+              <a:t>Fifth level</a:t>
+            </a:r>
+            <a:endParaRPr lang="nl-NL"/>
           </a:p>
         </p:txBody>
       </p:sp>
       <p:sp>
         <p:nvSpPr>
-          <p:cNvPr id="9" name="Text Placeholder 4"/>
+          <p:cNvPr id="5" name="Text Placeholder 4">
+            <a:extLst>
+              <a:ext uri="{FF2B5EF4-FFF2-40B4-BE49-F238E27FC236}">
+                <a16:creationId xmlns:a16="http://schemas.microsoft.com/office/drawing/2014/main" id="{C87A0673-A881-6CC0-80DC-995F443A9697}"/>
+              </a:ext>
+            </a:extLst>
+          </p:cNvPr>
           <p:cNvSpPr>
             <a:spLocks noGrp="1"/>
           </p:cNvSpPr>
@@ -1868,22 +1722,16 @@
         </p:nvSpPr>
         <p:spPr>
           <a:xfrm>
-            <a:off x="4368800" y="2201333"/>
-            <a:ext cx="3456432" cy="626534"/>
+            <a:off x="6172200" y="1681163"/>
+            <a:ext cx="5183188" cy="823912"/>
           </a:xfrm>
         </p:spPr>
         <p:txBody>
-          <a:bodyPr anchor="b">
-            <a:noAutofit/>
-          </a:bodyPr>
+          <a:bodyPr anchor="b"/>
           <a:lstStyle>
             <a:lvl1pPr marL="0" indent="0">
               <a:buNone/>
-              <a:defRPr sz="2400" b="0">
-                <a:solidFill>
-                  <a:schemeClr val="tx1"/>
-                </a:solidFill>
-              </a:defRPr>
+              <a:defRPr sz="2400" b="1"/>
             </a:lvl1pPr>
             <a:lvl2pPr marL="457200" indent="0">
               <a:buNone/>
@@ -1921,7 +1769,7 @@
           <a:p>
             <a:pPr lvl="0"/>
             <a:r>
-              <a:rPr lang="en-GB"/>
+              <a:rPr lang="en-US"/>
               <a:t>Click to edit Master text styles</a:t>
             </a:r>
           </a:p>
@@ -1929,212 +1777,76 @@
       </p:sp>
       <p:sp>
         <p:nvSpPr>
-          <p:cNvPr id="10" name="Text Placeholder 3"/>
+          <p:cNvPr id="6" name="Content Placeholder 5">
+            <a:extLst>
+              <a:ext uri="{FF2B5EF4-FFF2-40B4-BE49-F238E27FC236}">
+                <a16:creationId xmlns:a16="http://schemas.microsoft.com/office/drawing/2014/main" id="{A525BECC-403C-30EB-8C24-01D233CFCD0A}"/>
+              </a:ext>
+            </a:extLst>
+          </p:cNvPr>
           <p:cNvSpPr>
             <a:spLocks noGrp="1"/>
           </p:cNvSpPr>
           <p:nvPr>
-            <p:ph type="body" sz="half" idx="16"/>
+            <p:ph sz="quarter" idx="4"/>
           </p:nvPr>
         </p:nvSpPr>
         <p:spPr>
           <a:xfrm>
-            <a:off x="4366858" y="2904067"/>
-            <a:ext cx="3456432" cy="3314618"/>
+            <a:off x="6172200" y="2505075"/>
+            <a:ext cx="5183188" cy="3684588"/>
           </a:xfrm>
         </p:spPr>
         <p:txBody>
-          <a:bodyPr anchor="t">
-            <a:normAutofit/>
-          </a:bodyPr>
-          <a:lstStyle>
-            <a:lvl1pPr marL="0" indent="0">
-              <a:buNone/>
-              <a:defRPr sz="1400"/>
-            </a:lvl1pPr>
-            <a:lvl2pPr marL="457200" indent="0">
-              <a:buNone/>
-              <a:defRPr sz="1200"/>
-            </a:lvl2pPr>
-            <a:lvl3pPr marL="914400" indent="0">
-              <a:buNone/>
-              <a:defRPr sz="1000"/>
-            </a:lvl3pPr>
-            <a:lvl4pPr marL="1371600" indent="0">
-              <a:buNone/>
-              <a:defRPr sz="900"/>
-            </a:lvl4pPr>
-            <a:lvl5pPr marL="1828800" indent="0">
-              <a:buNone/>
-              <a:defRPr sz="900"/>
-            </a:lvl5pPr>
-            <a:lvl6pPr marL="2286000" indent="0">
-              <a:buNone/>
-              <a:defRPr sz="900"/>
-            </a:lvl6pPr>
-            <a:lvl7pPr marL="2743200" indent="0">
-              <a:buNone/>
-              <a:defRPr sz="900"/>
-            </a:lvl7pPr>
-            <a:lvl8pPr marL="3200400" indent="0">
-              <a:buNone/>
-              <a:defRPr sz="900"/>
-            </a:lvl8pPr>
-            <a:lvl9pPr marL="3657600" indent="0">
-              <a:buNone/>
-              <a:defRPr sz="900"/>
-            </a:lvl9pPr>
-          </a:lstStyle>
+          <a:bodyPr/>
+          <a:lstStyle/>
           <a:p>
             <a:pPr lvl="0"/>
             <a:r>
-              <a:rPr lang="en-GB"/>
+              <a:rPr lang="en-US"/>
               <a:t>Click to edit Master text styles</a:t>
             </a:r>
+          </a:p>
+          <a:p>
+            <a:pPr lvl="1"/>
+            <a:r>
+              <a:rPr lang="en-US"/>
+              <a:t>Second level</a:t>
+            </a:r>
+          </a:p>
+          <a:p>
+            <a:pPr lvl="2"/>
+            <a:r>
+              <a:rPr lang="en-US"/>
+              <a:t>Third level</a:t>
+            </a:r>
+          </a:p>
+          <a:p>
+            <a:pPr lvl="3"/>
+            <a:r>
+              <a:rPr lang="en-US"/>
+              <a:t>Fourth level</a:t>
+            </a:r>
+          </a:p>
+          <a:p>
+            <a:pPr lvl="4"/>
+            <a:r>
+              <a:rPr lang="en-US"/>
+              <a:t>Fifth level</a:t>
+            </a:r>
+            <a:endParaRPr lang="nl-NL"/>
           </a:p>
         </p:txBody>
       </p:sp>
       <p:sp>
         <p:nvSpPr>
-          <p:cNvPr id="11" name="Text Placeholder 4"/>
-          <p:cNvSpPr>
-            <a:spLocks noGrp="1"/>
-          </p:cNvSpPr>
-          <p:nvPr>
-            <p:ph type="body" sz="quarter" idx="13"/>
-          </p:nvPr>
-        </p:nvSpPr>
-        <p:spPr>
-          <a:xfrm>
-            <a:off x="8051800" y="2192866"/>
-            <a:ext cx="3456432" cy="626534"/>
-          </a:xfrm>
-        </p:spPr>
-        <p:txBody>
-          <a:bodyPr anchor="b">
-            <a:noAutofit/>
-          </a:bodyPr>
-          <a:lstStyle>
-            <a:lvl1pPr marL="0" indent="0">
-              <a:buNone/>
-              <a:defRPr sz="2400" b="0">
-                <a:solidFill>
-                  <a:schemeClr val="tx1"/>
-                </a:solidFill>
-              </a:defRPr>
-            </a:lvl1pPr>
-            <a:lvl2pPr marL="457200" indent="0">
-              <a:buNone/>
-              <a:defRPr sz="2000" b="1"/>
-            </a:lvl2pPr>
-            <a:lvl3pPr marL="914400" indent="0">
-              <a:buNone/>
-              <a:defRPr sz="1800" b="1"/>
-            </a:lvl3pPr>
-            <a:lvl4pPr marL="1371600" indent="0">
-              <a:buNone/>
-              <a:defRPr sz="1600" b="1"/>
-            </a:lvl4pPr>
-            <a:lvl5pPr marL="1828800" indent="0">
-              <a:buNone/>
-              <a:defRPr sz="1600" b="1"/>
-            </a:lvl5pPr>
-            <a:lvl6pPr marL="2286000" indent="0">
-              <a:buNone/>
-              <a:defRPr sz="1600" b="1"/>
-            </a:lvl6pPr>
-            <a:lvl7pPr marL="2743200" indent="0">
-              <a:buNone/>
-              <a:defRPr sz="1600" b="1"/>
-            </a:lvl7pPr>
-            <a:lvl8pPr marL="3200400" indent="0">
-              <a:buNone/>
-              <a:defRPr sz="1600" b="1"/>
-            </a:lvl8pPr>
-            <a:lvl9pPr marL="3657600" indent="0">
-              <a:buNone/>
-              <a:defRPr sz="1600" b="1"/>
-            </a:lvl9pPr>
-          </a:lstStyle>
-          <a:p>
-            <a:pPr lvl="0"/>
-            <a:r>
-              <a:rPr lang="en-GB"/>
-              <a:t>Click to edit Master text styles</a:t>
-            </a:r>
-          </a:p>
-        </p:txBody>
-      </p:sp>
-      <p:sp>
-        <p:nvSpPr>
-          <p:cNvPr id="12" name="Text Placeholder 3"/>
-          <p:cNvSpPr>
-            <a:spLocks noGrp="1"/>
-          </p:cNvSpPr>
-          <p:nvPr>
-            <p:ph type="body" sz="half" idx="17"/>
-          </p:nvPr>
-        </p:nvSpPr>
-        <p:spPr>
-          <a:xfrm>
-            <a:off x="8051801" y="2904565"/>
-            <a:ext cx="3456432" cy="3314132"/>
-          </a:xfrm>
-        </p:spPr>
-        <p:txBody>
-          <a:bodyPr anchor="t">
-            <a:normAutofit/>
-          </a:bodyPr>
-          <a:lstStyle>
-            <a:lvl1pPr marL="0" indent="0">
-              <a:buNone/>
-              <a:defRPr sz="1400"/>
-            </a:lvl1pPr>
-            <a:lvl2pPr marL="457200" indent="0">
-              <a:buNone/>
-              <a:defRPr sz="1200"/>
-            </a:lvl2pPr>
-            <a:lvl3pPr marL="914400" indent="0">
-              <a:buNone/>
-              <a:defRPr sz="1000"/>
-            </a:lvl3pPr>
-            <a:lvl4pPr marL="1371600" indent="0">
-              <a:buNone/>
-              <a:defRPr sz="900"/>
-            </a:lvl4pPr>
-            <a:lvl5pPr marL="1828800" indent="0">
-              <a:buNone/>
-              <a:defRPr sz="900"/>
-            </a:lvl5pPr>
-            <a:lvl6pPr marL="2286000" indent="0">
-              <a:buNone/>
-              <a:defRPr sz="900"/>
-            </a:lvl6pPr>
-            <a:lvl7pPr marL="2743200" indent="0">
-              <a:buNone/>
-              <a:defRPr sz="900"/>
-            </a:lvl7pPr>
-            <a:lvl8pPr marL="3200400" indent="0">
-              <a:buNone/>
-              <a:defRPr sz="900"/>
-            </a:lvl8pPr>
-            <a:lvl9pPr marL="3657600" indent="0">
-              <a:buNone/>
-              <a:defRPr sz="900"/>
-            </a:lvl9pPr>
-          </a:lstStyle>
-          <a:p>
-            <a:pPr lvl="0"/>
-            <a:r>
-              <a:rPr lang="en-GB"/>
-              <a:t>Click to edit Master text styles</a:t>
-            </a:r>
-          </a:p>
-        </p:txBody>
-      </p:sp>
-      <p:sp>
-        <p:nvSpPr>
-          <p:cNvPr id="3" name="Date Placeholder 2"/>
+          <p:cNvPr id="7" name="Date Placeholder 6">
+            <a:extLst>
+              <a:ext uri="{FF2B5EF4-FFF2-40B4-BE49-F238E27FC236}">
+                <a16:creationId xmlns:a16="http://schemas.microsoft.com/office/drawing/2014/main" id="{179FCDE5-4F49-C997-40E2-4D5FEDD83AC8}"/>
+              </a:ext>
+            </a:extLst>
+          </p:cNvPr>
           <p:cNvSpPr>
             <a:spLocks noGrp="1"/>
           </p:cNvSpPr>
@@ -2149,16 +1861,21 @@
           <a:p>
             <a:fld id="{8F72BA41-EC5B-4197-BCC8-0FD2E523CD7A}" type="datetimeFigureOut">
               <a:rPr lang="en-US" smtClean="0"/>
-              <a:pPr/>
-              <a:t>11/1/2023</a:t>
+              <a:t>10/3/2024</a:t>
             </a:fld>
-            <a:endParaRPr lang="en-US" dirty="0"/>
+            <a:endParaRPr lang="en-US"/>
           </a:p>
         </p:txBody>
       </p:sp>
       <p:sp>
         <p:nvSpPr>
-          <p:cNvPr id="4" name="Footer Placeholder 3"/>
+          <p:cNvPr id="8" name="Footer Placeholder 7">
+            <a:extLst>
+              <a:ext uri="{FF2B5EF4-FFF2-40B4-BE49-F238E27FC236}">
+                <a16:creationId xmlns:a16="http://schemas.microsoft.com/office/drawing/2014/main" id="{175E01C8-B0CD-0A56-5DA4-9F82D03E426C}"/>
+              </a:ext>
+            </a:extLst>
+          </p:cNvPr>
           <p:cNvSpPr>
             <a:spLocks noGrp="1"/>
           </p:cNvSpPr>
@@ -2177,7 +1894,13 @@
       </p:sp>
       <p:sp>
         <p:nvSpPr>
-          <p:cNvPr id="5" name="Slide Number Placeholder 4"/>
+          <p:cNvPr id="9" name="Slide Number Placeholder 8">
+            <a:extLst>
+              <a:ext uri="{FF2B5EF4-FFF2-40B4-BE49-F238E27FC236}">
+                <a16:creationId xmlns:a16="http://schemas.microsoft.com/office/drawing/2014/main" id="{435C009E-F844-B91F-81F2-975031BED2AC}"/>
+              </a:ext>
+            </a:extLst>
+          </p:cNvPr>
           <p:cNvSpPr>
             <a:spLocks noGrp="1"/>
           </p:cNvSpPr>
@@ -2192,2281 +1915,16 @@
           <a:p>
             <a:fld id="{BE15108C-154A-4A5A-9C05-91A49A422BA7}" type="slidenum">
               <a:rPr lang="en-US" smtClean="0"/>
-              <a:pPr/>
               <a:t>‹#›</a:t>
             </a:fld>
-            <a:endParaRPr lang="en-US" dirty="0"/>
+            <a:endParaRPr lang="en-US"/>
           </a:p>
         </p:txBody>
       </p:sp>
     </p:spTree>
     <p:extLst>
       <p:ext uri="{BB962C8B-B14F-4D97-AF65-F5344CB8AC3E}">
-        <p14:creationId xmlns:p14="http://schemas.microsoft.com/office/powerpoint/2010/main" val="2683893582"/>
-      </p:ext>
-    </p:extLst>
-  </p:cSld>
-  <p:clrMapOvr>
-    <a:masterClrMapping/>
-  </p:clrMapOvr>
-</p:sldLayout>
-</file>
-
-<file path=ppt/slideLayouts/slideLayout15.xml><?xml version="1.0" encoding="utf-8"?>
-<p:sldLayout xmlns:a="http://schemas.openxmlformats.org/drawingml/2006/main" xmlns:r="http://schemas.openxmlformats.org/officeDocument/2006/relationships" xmlns:p="http://schemas.openxmlformats.org/presentationml/2006/main" preserve="1">
-  <p:cSld name="3 Picture Column">
-    <p:spTree>
-      <p:nvGrpSpPr>
-        <p:cNvPr id="1" name=""/>
-        <p:cNvGrpSpPr/>
-        <p:nvPr/>
-      </p:nvGrpSpPr>
-      <p:grpSpPr>
-        <a:xfrm>
-          <a:off x="0" y="0"/>
-          <a:ext cx="0" cy="0"/>
-          <a:chOff x="0" y="0"/>
-          <a:chExt cx="0" cy="0"/>
-        </a:xfrm>
-      </p:grpSpPr>
-      <p:sp>
-        <p:nvSpPr>
-          <p:cNvPr id="30" name="Title 1"/>
-          <p:cNvSpPr>
-            <a:spLocks noGrp="1"/>
-          </p:cNvSpPr>
-          <p:nvPr>
-            <p:ph type="title"/>
-          </p:nvPr>
-        </p:nvSpPr>
-        <p:spPr>
-          <a:xfrm>
-            <a:off x="2895600" y="762000"/>
-            <a:ext cx="8610599" cy="1295400"/>
-          </a:xfrm>
-        </p:spPr>
-        <p:txBody>
-          <a:bodyPr/>
-          <a:lstStyle/>
-          <a:p>
-            <a:r>
-              <a:rPr lang="en-GB"/>
-              <a:t>Click to edit Master title style</a:t>
-            </a:r>
-            <a:endParaRPr lang="en-US" dirty="0"/>
-          </a:p>
-        </p:txBody>
-      </p:sp>
-      <p:sp>
-        <p:nvSpPr>
-          <p:cNvPr id="19" name="Text Placeholder 2"/>
-          <p:cNvSpPr>
-            <a:spLocks noGrp="1"/>
-          </p:cNvSpPr>
-          <p:nvPr>
-            <p:ph type="body" idx="1"/>
-          </p:nvPr>
-        </p:nvSpPr>
-        <p:spPr>
-          <a:xfrm>
-            <a:off x="688618" y="4191000"/>
-            <a:ext cx="3451582" cy="682765"/>
-          </a:xfrm>
-        </p:spPr>
-        <p:txBody>
-          <a:bodyPr anchor="b">
-            <a:noAutofit/>
-          </a:bodyPr>
-          <a:lstStyle>
-            <a:lvl1pPr marL="0" indent="0">
-              <a:buNone/>
-              <a:defRPr sz="2400" b="0">
-                <a:solidFill>
-                  <a:schemeClr val="tx1"/>
-                </a:solidFill>
-              </a:defRPr>
-            </a:lvl1pPr>
-            <a:lvl2pPr marL="457200" indent="0">
-              <a:buNone/>
-              <a:defRPr sz="2000" b="1"/>
-            </a:lvl2pPr>
-            <a:lvl3pPr marL="914400" indent="0">
-              <a:buNone/>
-              <a:defRPr sz="1800" b="1"/>
-            </a:lvl3pPr>
-            <a:lvl4pPr marL="1371600" indent="0">
-              <a:buNone/>
-              <a:defRPr sz="1600" b="1"/>
-            </a:lvl4pPr>
-            <a:lvl5pPr marL="1828800" indent="0">
-              <a:buNone/>
-              <a:defRPr sz="1600" b="1"/>
-            </a:lvl5pPr>
-            <a:lvl6pPr marL="2286000" indent="0">
-              <a:buNone/>
-              <a:defRPr sz="1600" b="1"/>
-            </a:lvl6pPr>
-            <a:lvl7pPr marL="2743200" indent="0">
-              <a:buNone/>
-              <a:defRPr sz="1600" b="1"/>
-            </a:lvl7pPr>
-            <a:lvl8pPr marL="3200400" indent="0">
-              <a:buNone/>
-              <a:defRPr sz="1600" b="1"/>
-            </a:lvl8pPr>
-            <a:lvl9pPr marL="3657600" indent="0">
-              <a:buNone/>
-              <a:defRPr sz="1600" b="1"/>
-            </a:lvl9pPr>
-          </a:lstStyle>
-          <a:p>
-            <a:pPr lvl="0"/>
-            <a:r>
-              <a:rPr lang="en-GB"/>
-              <a:t>Click to edit Master text styles</a:t>
-            </a:r>
-          </a:p>
-        </p:txBody>
-      </p:sp>
-      <p:sp>
-        <p:nvSpPr>
-          <p:cNvPr id="20" name="Picture Placeholder 2"/>
-          <p:cNvSpPr>
-            <a:spLocks noGrp="1" noChangeAspect="1"/>
-          </p:cNvSpPr>
-          <p:nvPr>
-            <p:ph type="pic" idx="15"/>
-          </p:nvPr>
-        </p:nvSpPr>
-        <p:spPr>
-          <a:xfrm>
-            <a:off x="688618" y="2362200"/>
-            <a:ext cx="3451582" cy="1524000"/>
-          </a:xfrm>
-          <a:prstGeom prst="roundRect">
-            <a:avLst>
-              <a:gd name="adj" fmla="val 0"/>
-            </a:avLst>
-          </a:prstGeom>
-          <a:effectLst>
-            <a:outerShdw blurRad="50800" dist="50800" dir="5400000" algn="tl" rotWithShape="0">
-              <a:srgbClr val="000000">
-                <a:alpha val="43000"/>
-              </a:srgbClr>
-            </a:outerShdw>
-          </a:effectLst>
-        </p:spPr>
-        <p:txBody>
-          <a:bodyPr anchor="t">
-            <a:normAutofit/>
-          </a:bodyPr>
-          <a:lstStyle>
-            <a:lvl1pPr marL="0" indent="0" algn="ctr">
-              <a:buNone/>
-              <a:defRPr sz="1600"/>
-            </a:lvl1pPr>
-            <a:lvl2pPr marL="457200" indent="0">
-              <a:buNone/>
-              <a:defRPr sz="1600"/>
-            </a:lvl2pPr>
-            <a:lvl3pPr marL="914400" indent="0">
-              <a:buNone/>
-              <a:defRPr sz="1600"/>
-            </a:lvl3pPr>
-            <a:lvl4pPr marL="1371600" indent="0">
-              <a:buNone/>
-              <a:defRPr sz="1600"/>
-            </a:lvl4pPr>
-            <a:lvl5pPr marL="1828800" indent="0">
-              <a:buNone/>
-              <a:defRPr sz="1600"/>
-            </a:lvl5pPr>
-            <a:lvl6pPr marL="2286000" indent="0">
-              <a:buNone/>
-              <a:defRPr sz="1600"/>
-            </a:lvl6pPr>
-            <a:lvl7pPr marL="2743200" indent="0">
-              <a:buNone/>
-              <a:defRPr sz="1600"/>
-            </a:lvl7pPr>
-            <a:lvl8pPr marL="3200400" indent="0">
-              <a:buNone/>
-              <a:defRPr sz="1600"/>
-            </a:lvl8pPr>
-            <a:lvl9pPr marL="3657600" indent="0">
-              <a:buNone/>
-              <a:defRPr sz="1600"/>
-            </a:lvl9pPr>
-          </a:lstStyle>
-          <a:p>
-            <a:r>
-              <a:rPr lang="en-GB"/>
-              <a:t>Click icon to add picture</a:t>
-            </a:r>
-            <a:endParaRPr lang="en-US" dirty="0"/>
-          </a:p>
-        </p:txBody>
-      </p:sp>
-      <p:sp>
-        <p:nvSpPr>
-          <p:cNvPr id="21" name="Text Placeholder 3"/>
-          <p:cNvSpPr>
-            <a:spLocks noGrp="1"/>
-          </p:cNvSpPr>
-          <p:nvPr>
-            <p:ph type="body" sz="half" idx="18"/>
-          </p:nvPr>
-        </p:nvSpPr>
-        <p:spPr>
-          <a:xfrm>
-            <a:off x="688618" y="4873764"/>
-            <a:ext cx="3451582" cy="1344921"/>
-          </a:xfrm>
-        </p:spPr>
-        <p:txBody>
-          <a:bodyPr anchor="t">
-            <a:normAutofit/>
-          </a:bodyPr>
-          <a:lstStyle>
-            <a:lvl1pPr marL="0" indent="0">
-              <a:buNone/>
-              <a:defRPr sz="1400"/>
-            </a:lvl1pPr>
-            <a:lvl2pPr marL="457200" indent="0">
-              <a:buNone/>
-              <a:defRPr sz="1200"/>
-            </a:lvl2pPr>
-            <a:lvl3pPr marL="914400" indent="0">
-              <a:buNone/>
-              <a:defRPr sz="1000"/>
-            </a:lvl3pPr>
-            <a:lvl4pPr marL="1371600" indent="0">
-              <a:buNone/>
-              <a:defRPr sz="900"/>
-            </a:lvl4pPr>
-            <a:lvl5pPr marL="1828800" indent="0">
-              <a:buNone/>
-              <a:defRPr sz="900"/>
-            </a:lvl5pPr>
-            <a:lvl6pPr marL="2286000" indent="0">
-              <a:buNone/>
-              <a:defRPr sz="900"/>
-            </a:lvl6pPr>
-            <a:lvl7pPr marL="2743200" indent="0">
-              <a:buNone/>
-              <a:defRPr sz="900"/>
-            </a:lvl7pPr>
-            <a:lvl8pPr marL="3200400" indent="0">
-              <a:buNone/>
-              <a:defRPr sz="900"/>
-            </a:lvl8pPr>
-            <a:lvl9pPr marL="3657600" indent="0">
-              <a:buNone/>
-              <a:defRPr sz="900"/>
-            </a:lvl9pPr>
-          </a:lstStyle>
-          <a:p>
-            <a:pPr lvl="0"/>
-            <a:r>
-              <a:rPr lang="en-GB"/>
-              <a:t>Click to edit Master text styles</a:t>
-            </a:r>
-          </a:p>
-        </p:txBody>
-      </p:sp>
-      <p:sp>
-        <p:nvSpPr>
-          <p:cNvPr id="22" name="Text Placeholder 4"/>
-          <p:cNvSpPr>
-            <a:spLocks noGrp="1"/>
-          </p:cNvSpPr>
-          <p:nvPr>
-            <p:ph type="body" sz="quarter" idx="3"/>
-          </p:nvPr>
-        </p:nvSpPr>
-        <p:spPr>
-          <a:xfrm>
-            <a:off x="4374263" y="4191000"/>
-            <a:ext cx="3448935" cy="682765"/>
-          </a:xfrm>
-        </p:spPr>
-        <p:txBody>
-          <a:bodyPr anchor="b">
-            <a:noAutofit/>
-          </a:bodyPr>
-          <a:lstStyle>
-            <a:lvl1pPr marL="0" indent="0">
-              <a:buNone/>
-              <a:defRPr sz="2400" b="0">
-                <a:solidFill>
-                  <a:schemeClr val="tx1"/>
-                </a:solidFill>
-              </a:defRPr>
-            </a:lvl1pPr>
-            <a:lvl2pPr marL="457200" indent="0">
-              <a:buNone/>
-              <a:defRPr sz="2000" b="1"/>
-            </a:lvl2pPr>
-            <a:lvl3pPr marL="914400" indent="0">
-              <a:buNone/>
-              <a:defRPr sz="1800" b="1"/>
-            </a:lvl3pPr>
-            <a:lvl4pPr marL="1371600" indent="0">
-              <a:buNone/>
-              <a:defRPr sz="1600" b="1"/>
-            </a:lvl4pPr>
-            <a:lvl5pPr marL="1828800" indent="0">
-              <a:buNone/>
-              <a:defRPr sz="1600" b="1"/>
-            </a:lvl5pPr>
-            <a:lvl6pPr marL="2286000" indent="0">
-              <a:buNone/>
-              <a:defRPr sz="1600" b="1"/>
-            </a:lvl6pPr>
-            <a:lvl7pPr marL="2743200" indent="0">
-              <a:buNone/>
-              <a:defRPr sz="1600" b="1"/>
-            </a:lvl7pPr>
-            <a:lvl8pPr marL="3200400" indent="0">
-              <a:buNone/>
-              <a:defRPr sz="1600" b="1"/>
-            </a:lvl8pPr>
-            <a:lvl9pPr marL="3657600" indent="0">
-              <a:buNone/>
-              <a:defRPr sz="1600" b="1"/>
-            </a:lvl9pPr>
-          </a:lstStyle>
-          <a:p>
-            <a:pPr lvl="0"/>
-            <a:r>
-              <a:rPr lang="en-GB"/>
-              <a:t>Click to edit Master text styles</a:t>
-            </a:r>
-          </a:p>
-        </p:txBody>
-      </p:sp>
-      <p:sp>
-        <p:nvSpPr>
-          <p:cNvPr id="23" name="Picture Placeholder 2"/>
-          <p:cNvSpPr>
-            <a:spLocks noGrp="1" noChangeAspect="1"/>
-          </p:cNvSpPr>
-          <p:nvPr>
-            <p:ph type="pic" idx="21"/>
-          </p:nvPr>
-        </p:nvSpPr>
-        <p:spPr>
-          <a:xfrm>
-            <a:off x="4374263" y="2362200"/>
-            <a:ext cx="3448936" cy="1524000"/>
-          </a:xfrm>
-          <a:prstGeom prst="roundRect">
-            <a:avLst>
-              <a:gd name="adj" fmla="val 0"/>
-            </a:avLst>
-          </a:prstGeom>
-          <a:effectLst>
-            <a:outerShdw blurRad="50800" dist="50800" dir="5400000" algn="tl" rotWithShape="0">
-              <a:srgbClr val="000000">
-                <a:alpha val="43000"/>
-              </a:srgbClr>
-            </a:outerShdw>
-          </a:effectLst>
-        </p:spPr>
-        <p:txBody>
-          <a:bodyPr anchor="t">
-            <a:normAutofit/>
-          </a:bodyPr>
-          <a:lstStyle>
-            <a:lvl1pPr marL="0" indent="0" algn="ctr">
-              <a:buNone/>
-              <a:defRPr sz="1600"/>
-            </a:lvl1pPr>
-            <a:lvl2pPr marL="457200" indent="0">
-              <a:buNone/>
-              <a:defRPr sz="1600"/>
-            </a:lvl2pPr>
-            <a:lvl3pPr marL="914400" indent="0">
-              <a:buNone/>
-              <a:defRPr sz="1600"/>
-            </a:lvl3pPr>
-            <a:lvl4pPr marL="1371600" indent="0">
-              <a:buNone/>
-              <a:defRPr sz="1600"/>
-            </a:lvl4pPr>
-            <a:lvl5pPr marL="1828800" indent="0">
-              <a:buNone/>
-              <a:defRPr sz="1600"/>
-            </a:lvl5pPr>
-            <a:lvl6pPr marL="2286000" indent="0">
-              <a:buNone/>
-              <a:defRPr sz="1600"/>
-            </a:lvl6pPr>
-            <a:lvl7pPr marL="2743200" indent="0">
-              <a:buNone/>
-              <a:defRPr sz="1600"/>
-            </a:lvl7pPr>
-            <a:lvl8pPr marL="3200400" indent="0">
-              <a:buNone/>
-              <a:defRPr sz="1600"/>
-            </a:lvl8pPr>
-            <a:lvl9pPr marL="3657600" indent="0">
-              <a:buNone/>
-              <a:defRPr sz="1600"/>
-            </a:lvl9pPr>
-          </a:lstStyle>
-          <a:p>
-            <a:r>
-              <a:rPr lang="en-GB"/>
-              <a:t>Click icon to add picture</a:t>
-            </a:r>
-            <a:endParaRPr lang="en-US" dirty="0"/>
-          </a:p>
-        </p:txBody>
-      </p:sp>
-      <p:sp>
-        <p:nvSpPr>
-          <p:cNvPr id="24" name="Text Placeholder 3"/>
-          <p:cNvSpPr>
-            <a:spLocks noGrp="1"/>
-          </p:cNvSpPr>
-          <p:nvPr>
-            <p:ph type="body" sz="half" idx="19"/>
-          </p:nvPr>
-        </p:nvSpPr>
-        <p:spPr>
-          <a:xfrm>
-            <a:off x="4374264" y="4873763"/>
-            <a:ext cx="3448935" cy="1344921"/>
-          </a:xfrm>
-        </p:spPr>
-        <p:txBody>
-          <a:bodyPr anchor="t">
-            <a:normAutofit/>
-          </a:bodyPr>
-          <a:lstStyle>
-            <a:lvl1pPr marL="0" indent="0">
-              <a:buNone/>
-              <a:defRPr sz="1400"/>
-            </a:lvl1pPr>
-            <a:lvl2pPr marL="457200" indent="0">
-              <a:buNone/>
-              <a:defRPr sz="1200"/>
-            </a:lvl2pPr>
-            <a:lvl3pPr marL="914400" indent="0">
-              <a:buNone/>
-              <a:defRPr sz="1000"/>
-            </a:lvl3pPr>
-            <a:lvl4pPr marL="1371600" indent="0">
-              <a:buNone/>
-              <a:defRPr sz="900"/>
-            </a:lvl4pPr>
-            <a:lvl5pPr marL="1828800" indent="0">
-              <a:buNone/>
-              <a:defRPr sz="900"/>
-            </a:lvl5pPr>
-            <a:lvl6pPr marL="2286000" indent="0">
-              <a:buNone/>
-              <a:defRPr sz="900"/>
-            </a:lvl6pPr>
-            <a:lvl7pPr marL="2743200" indent="0">
-              <a:buNone/>
-              <a:defRPr sz="900"/>
-            </a:lvl7pPr>
-            <a:lvl8pPr marL="3200400" indent="0">
-              <a:buNone/>
-              <a:defRPr sz="900"/>
-            </a:lvl8pPr>
-            <a:lvl9pPr marL="3657600" indent="0">
-              <a:buNone/>
-              <a:defRPr sz="900"/>
-            </a:lvl9pPr>
-          </a:lstStyle>
-          <a:p>
-            <a:pPr lvl="0"/>
-            <a:r>
-              <a:rPr lang="en-GB"/>
-              <a:t>Click to edit Master text styles</a:t>
-            </a:r>
-          </a:p>
-        </p:txBody>
-      </p:sp>
-      <p:sp>
-        <p:nvSpPr>
-          <p:cNvPr id="25" name="Text Placeholder 4"/>
-          <p:cNvSpPr>
-            <a:spLocks noGrp="1"/>
-          </p:cNvSpPr>
-          <p:nvPr>
-            <p:ph type="body" sz="quarter" idx="13"/>
-          </p:nvPr>
-        </p:nvSpPr>
-        <p:spPr>
-          <a:xfrm>
-            <a:off x="8049731" y="4191000"/>
-            <a:ext cx="3456469" cy="682765"/>
-          </a:xfrm>
-        </p:spPr>
-        <p:txBody>
-          <a:bodyPr anchor="b">
-            <a:noAutofit/>
-          </a:bodyPr>
-          <a:lstStyle>
-            <a:lvl1pPr marL="0" indent="0">
-              <a:buNone/>
-              <a:defRPr sz="2400" b="0">
-                <a:solidFill>
-                  <a:schemeClr val="tx1"/>
-                </a:solidFill>
-              </a:defRPr>
-            </a:lvl1pPr>
-            <a:lvl2pPr marL="457200" indent="0">
-              <a:buNone/>
-              <a:defRPr sz="2000" b="1"/>
-            </a:lvl2pPr>
-            <a:lvl3pPr marL="914400" indent="0">
-              <a:buNone/>
-              <a:defRPr sz="1800" b="1"/>
-            </a:lvl3pPr>
-            <a:lvl4pPr marL="1371600" indent="0">
-              <a:buNone/>
-              <a:defRPr sz="1600" b="1"/>
-            </a:lvl4pPr>
-            <a:lvl5pPr marL="1828800" indent="0">
-              <a:buNone/>
-              <a:defRPr sz="1600" b="1"/>
-            </a:lvl5pPr>
-            <a:lvl6pPr marL="2286000" indent="0">
-              <a:buNone/>
-              <a:defRPr sz="1600" b="1"/>
-            </a:lvl6pPr>
-            <a:lvl7pPr marL="2743200" indent="0">
-              <a:buNone/>
-              <a:defRPr sz="1600" b="1"/>
-            </a:lvl7pPr>
-            <a:lvl8pPr marL="3200400" indent="0">
-              <a:buNone/>
-              <a:defRPr sz="1600" b="1"/>
-            </a:lvl8pPr>
-            <a:lvl9pPr marL="3657600" indent="0">
-              <a:buNone/>
-              <a:defRPr sz="1600" b="1"/>
-            </a:lvl9pPr>
-          </a:lstStyle>
-          <a:p>
-            <a:pPr lvl="0"/>
-            <a:r>
-              <a:rPr lang="en-GB"/>
-              <a:t>Click to edit Master text styles</a:t>
-            </a:r>
-          </a:p>
-        </p:txBody>
-      </p:sp>
-      <p:sp>
-        <p:nvSpPr>
-          <p:cNvPr id="26" name="Picture Placeholder 2"/>
-          <p:cNvSpPr>
-            <a:spLocks noGrp="1" noChangeAspect="1"/>
-          </p:cNvSpPr>
-          <p:nvPr>
-            <p:ph type="pic" idx="22"/>
-          </p:nvPr>
-        </p:nvSpPr>
-        <p:spPr>
-          <a:xfrm>
-            <a:off x="8049855" y="2362200"/>
-            <a:ext cx="3447878" cy="1524000"/>
-          </a:xfrm>
-          <a:prstGeom prst="roundRect">
-            <a:avLst>
-              <a:gd name="adj" fmla="val 0"/>
-            </a:avLst>
-          </a:prstGeom>
-          <a:effectLst>
-            <a:outerShdw blurRad="50800" dist="50800" dir="5400000" algn="tl" rotWithShape="0">
-              <a:srgbClr val="000000">
-                <a:alpha val="43000"/>
-              </a:srgbClr>
-            </a:outerShdw>
-          </a:effectLst>
-        </p:spPr>
-        <p:txBody>
-          <a:bodyPr anchor="t">
-            <a:normAutofit/>
-          </a:bodyPr>
-          <a:lstStyle>
-            <a:lvl1pPr marL="0" indent="0" algn="ctr">
-              <a:buNone/>
-              <a:defRPr sz="1600"/>
-            </a:lvl1pPr>
-            <a:lvl2pPr marL="457200" indent="0">
-              <a:buNone/>
-              <a:defRPr sz="1600"/>
-            </a:lvl2pPr>
-            <a:lvl3pPr marL="914400" indent="0">
-              <a:buNone/>
-              <a:defRPr sz="1600"/>
-            </a:lvl3pPr>
-            <a:lvl4pPr marL="1371600" indent="0">
-              <a:buNone/>
-              <a:defRPr sz="1600"/>
-            </a:lvl4pPr>
-            <a:lvl5pPr marL="1828800" indent="0">
-              <a:buNone/>
-              <a:defRPr sz="1600"/>
-            </a:lvl5pPr>
-            <a:lvl6pPr marL="2286000" indent="0">
-              <a:buNone/>
-              <a:defRPr sz="1600"/>
-            </a:lvl6pPr>
-            <a:lvl7pPr marL="2743200" indent="0">
-              <a:buNone/>
-              <a:defRPr sz="1600"/>
-            </a:lvl7pPr>
-            <a:lvl8pPr marL="3200400" indent="0">
-              <a:buNone/>
-              <a:defRPr sz="1600"/>
-            </a:lvl8pPr>
-            <a:lvl9pPr marL="3657600" indent="0">
-              <a:buNone/>
-              <a:defRPr sz="1600"/>
-            </a:lvl9pPr>
-          </a:lstStyle>
-          <a:p>
-            <a:r>
-              <a:rPr lang="en-GB"/>
-              <a:t>Click icon to add picture</a:t>
-            </a:r>
-            <a:endParaRPr lang="en-US" dirty="0"/>
-          </a:p>
-        </p:txBody>
-      </p:sp>
-      <p:sp>
-        <p:nvSpPr>
-          <p:cNvPr id="27" name="Text Placeholder 3"/>
-          <p:cNvSpPr>
-            <a:spLocks noGrp="1"/>
-          </p:cNvSpPr>
-          <p:nvPr>
-            <p:ph type="body" sz="half" idx="20"/>
-          </p:nvPr>
-        </p:nvSpPr>
-        <p:spPr>
-          <a:xfrm>
-            <a:off x="8049731" y="4873761"/>
-            <a:ext cx="3452445" cy="1344921"/>
-          </a:xfrm>
-        </p:spPr>
-        <p:txBody>
-          <a:bodyPr anchor="t">
-            <a:normAutofit/>
-          </a:bodyPr>
-          <a:lstStyle>
-            <a:lvl1pPr marL="0" indent="0">
-              <a:buNone/>
-              <a:defRPr sz="1400"/>
-            </a:lvl1pPr>
-            <a:lvl2pPr marL="457200" indent="0">
-              <a:buNone/>
-              <a:defRPr sz="1200"/>
-            </a:lvl2pPr>
-            <a:lvl3pPr marL="914400" indent="0">
-              <a:buNone/>
-              <a:defRPr sz="1000"/>
-            </a:lvl3pPr>
-            <a:lvl4pPr marL="1371600" indent="0">
-              <a:buNone/>
-              <a:defRPr sz="900"/>
-            </a:lvl4pPr>
-            <a:lvl5pPr marL="1828800" indent="0">
-              <a:buNone/>
-              <a:defRPr sz="900"/>
-            </a:lvl5pPr>
-            <a:lvl6pPr marL="2286000" indent="0">
-              <a:buNone/>
-              <a:defRPr sz="900"/>
-            </a:lvl6pPr>
-            <a:lvl7pPr marL="2743200" indent="0">
-              <a:buNone/>
-              <a:defRPr sz="900"/>
-            </a:lvl7pPr>
-            <a:lvl8pPr marL="3200400" indent="0">
-              <a:buNone/>
-              <a:defRPr sz="900"/>
-            </a:lvl8pPr>
-            <a:lvl9pPr marL="3657600" indent="0">
-              <a:buNone/>
-              <a:defRPr sz="900"/>
-            </a:lvl9pPr>
-          </a:lstStyle>
-          <a:p>
-            <a:pPr lvl="0"/>
-            <a:r>
-              <a:rPr lang="en-GB"/>
-              <a:t>Click to edit Master text styles</a:t>
-            </a:r>
-          </a:p>
-        </p:txBody>
-      </p:sp>
-      <p:sp>
-        <p:nvSpPr>
-          <p:cNvPr id="3" name="Date Placeholder 2"/>
-          <p:cNvSpPr>
-            <a:spLocks noGrp="1"/>
-          </p:cNvSpPr>
-          <p:nvPr>
-            <p:ph type="dt" sz="half" idx="10"/>
-          </p:nvPr>
-        </p:nvSpPr>
-        <p:spPr/>
-        <p:txBody>
-          <a:bodyPr/>
-          <a:lstStyle/>
-          <a:p>
-            <a:fld id="{8F72BA41-EC5B-4197-BCC8-0FD2E523CD7A}" type="datetimeFigureOut">
-              <a:rPr lang="en-US" smtClean="0"/>
-              <a:pPr/>
-              <a:t>11/1/2023</a:t>
-            </a:fld>
-            <a:endParaRPr lang="en-US" dirty="0"/>
-          </a:p>
-        </p:txBody>
-      </p:sp>
-      <p:sp>
-        <p:nvSpPr>
-          <p:cNvPr id="4" name="Footer Placeholder 3"/>
-          <p:cNvSpPr>
-            <a:spLocks noGrp="1"/>
-          </p:cNvSpPr>
-          <p:nvPr>
-            <p:ph type="ftr" sz="quarter" idx="11"/>
-          </p:nvPr>
-        </p:nvSpPr>
-        <p:spPr/>
-        <p:txBody>
-          <a:bodyPr/>
-          <a:lstStyle/>
-          <a:p>
-            <a:endParaRPr lang="en-US" dirty="0"/>
-          </a:p>
-        </p:txBody>
-      </p:sp>
-      <p:sp>
-        <p:nvSpPr>
-          <p:cNvPr id="5" name="Slide Number Placeholder 4"/>
-          <p:cNvSpPr>
-            <a:spLocks noGrp="1"/>
-          </p:cNvSpPr>
-          <p:nvPr>
-            <p:ph type="sldNum" sz="quarter" idx="12"/>
-          </p:nvPr>
-        </p:nvSpPr>
-        <p:spPr/>
-        <p:txBody>
-          <a:bodyPr/>
-          <a:lstStyle/>
-          <a:p>
-            <a:fld id="{BE15108C-154A-4A5A-9C05-91A49A422BA7}" type="slidenum">
-              <a:rPr lang="en-US" smtClean="0"/>
-              <a:pPr/>
-              <a:t>‹#›</a:t>
-            </a:fld>
-            <a:endParaRPr lang="en-US" dirty="0"/>
-          </a:p>
-        </p:txBody>
-      </p:sp>
-    </p:spTree>
-    <p:extLst>
-      <p:ext uri="{BB962C8B-B14F-4D97-AF65-F5344CB8AC3E}">
-        <p14:creationId xmlns:p14="http://schemas.microsoft.com/office/powerpoint/2010/main" val="3835768116"/>
-      </p:ext>
-    </p:extLst>
-  </p:cSld>
-  <p:clrMapOvr>
-    <a:masterClrMapping/>
-  </p:clrMapOvr>
-</p:sldLayout>
-</file>
-
-<file path=ppt/slideLayouts/slideLayout16.xml><?xml version="1.0" encoding="utf-8"?>
-<p:sldLayout xmlns:a="http://schemas.openxmlformats.org/drawingml/2006/main" xmlns:r="http://schemas.openxmlformats.org/officeDocument/2006/relationships" xmlns:p="http://schemas.openxmlformats.org/presentationml/2006/main" type="vertTx" preserve="1">
-  <p:cSld name="Title and Vertical Text">
-    <p:spTree>
-      <p:nvGrpSpPr>
-        <p:cNvPr id="1" name=""/>
-        <p:cNvGrpSpPr/>
-        <p:nvPr/>
-      </p:nvGrpSpPr>
-      <p:grpSpPr>
-        <a:xfrm>
-          <a:off x="0" y="0"/>
-          <a:ext cx="0" cy="0"/>
-          <a:chOff x="0" y="0"/>
-          <a:chExt cx="0" cy="0"/>
-        </a:xfrm>
-      </p:grpSpPr>
-      <p:sp>
-        <p:nvSpPr>
-          <p:cNvPr id="2" name="Title 1"/>
-          <p:cNvSpPr>
-            <a:spLocks noGrp="1"/>
-          </p:cNvSpPr>
-          <p:nvPr>
-            <p:ph type="title"/>
-          </p:nvPr>
-        </p:nvSpPr>
-        <p:spPr/>
-        <p:txBody>
-          <a:bodyPr/>
-          <a:lstStyle/>
-          <a:p>
-            <a:r>
-              <a:rPr lang="en-GB"/>
-              <a:t>Click to edit Master title style</a:t>
-            </a:r>
-            <a:endParaRPr lang="en-US" dirty="0"/>
-          </a:p>
-        </p:txBody>
-      </p:sp>
-      <p:sp>
-        <p:nvSpPr>
-          <p:cNvPr id="3" name="Vertical Text Placeholder 2"/>
-          <p:cNvSpPr>
-            <a:spLocks noGrp="1"/>
-          </p:cNvSpPr>
-          <p:nvPr>
-            <p:ph type="body" orient="vert" idx="1"/>
-          </p:nvPr>
-        </p:nvSpPr>
-        <p:spPr>
-          <a:xfrm>
-            <a:off x="685800" y="2194559"/>
-            <a:ext cx="10820400" cy="4024125"/>
-          </a:xfrm>
-        </p:spPr>
-        <p:txBody>
-          <a:bodyPr vert="eaVert"/>
-          <a:lstStyle/>
-          <a:p>
-            <a:pPr lvl="0"/>
-            <a:r>
-              <a:rPr lang="en-GB"/>
-              <a:t>Click to edit Master text styles</a:t>
-            </a:r>
-          </a:p>
-          <a:p>
-            <a:pPr lvl="1"/>
-            <a:r>
-              <a:rPr lang="en-GB"/>
-              <a:t>Second level</a:t>
-            </a:r>
-          </a:p>
-          <a:p>
-            <a:pPr lvl="2"/>
-            <a:r>
-              <a:rPr lang="en-GB"/>
-              <a:t>Third level</a:t>
-            </a:r>
-          </a:p>
-          <a:p>
-            <a:pPr lvl="3"/>
-            <a:r>
-              <a:rPr lang="en-GB"/>
-              <a:t>Fourth level</a:t>
-            </a:r>
-          </a:p>
-          <a:p>
-            <a:pPr lvl="4"/>
-            <a:r>
-              <a:rPr lang="en-GB"/>
-              <a:t>Fifth level</a:t>
-            </a:r>
-            <a:endParaRPr lang="en-US" dirty="0"/>
-          </a:p>
-        </p:txBody>
-      </p:sp>
-      <p:sp>
-        <p:nvSpPr>
-          <p:cNvPr id="4" name="Date Placeholder 3"/>
-          <p:cNvSpPr>
-            <a:spLocks noGrp="1"/>
-          </p:cNvSpPr>
-          <p:nvPr>
-            <p:ph type="dt" sz="half" idx="10"/>
-          </p:nvPr>
-        </p:nvSpPr>
-        <p:spPr/>
-        <p:txBody>
-          <a:bodyPr/>
-          <a:lstStyle/>
-          <a:p>
-            <a:fld id="{8F72BA41-EC5B-4197-BCC8-0FD2E523CD7A}" type="datetimeFigureOut">
-              <a:rPr lang="en-US" smtClean="0"/>
-              <a:t>11/1/2023</a:t>
-            </a:fld>
-            <a:endParaRPr lang="en-US"/>
-          </a:p>
-        </p:txBody>
-      </p:sp>
-      <p:sp>
-        <p:nvSpPr>
-          <p:cNvPr id="5" name="Footer Placeholder 4"/>
-          <p:cNvSpPr>
-            <a:spLocks noGrp="1"/>
-          </p:cNvSpPr>
-          <p:nvPr>
-            <p:ph type="ftr" sz="quarter" idx="11"/>
-          </p:nvPr>
-        </p:nvSpPr>
-        <p:spPr/>
-        <p:txBody>
-          <a:bodyPr/>
-          <a:lstStyle/>
-          <a:p>
-            <a:endParaRPr lang="en-US"/>
-          </a:p>
-        </p:txBody>
-      </p:sp>
-      <p:sp>
-        <p:nvSpPr>
-          <p:cNvPr id="6" name="Slide Number Placeholder 5"/>
-          <p:cNvSpPr>
-            <a:spLocks noGrp="1"/>
-          </p:cNvSpPr>
-          <p:nvPr>
-            <p:ph type="sldNum" sz="quarter" idx="12"/>
-          </p:nvPr>
-        </p:nvSpPr>
-        <p:spPr/>
-        <p:txBody>
-          <a:bodyPr/>
-          <a:lstStyle/>
-          <a:p>
-            <a:fld id="{BE15108C-154A-4A5A-9C05-91A49A422BA7}" type="slidenum">
-              <a:rPr lang="en-US" smtClean="0"/>
-              <a:t>‹#›</a:t>
-            </a:fld>
-            <a:endParaRPr lang="en-US"/>
-          </a:p>
-        </p:txBody>
-      </p:sp>
-    </p:spTree>
-    <p:extLst>
-      <p:ext uri="{BB962C8B-B14F-4D97-AF65-F5344CB8AC3E}">
-        <p14:creationId xmlns:p14="http://schemas.microsoft.com/office/powerpoint/2010/main" val="1281405172"/>
-      </p:ext>
-    </p:extLst>
-  </p:cSld>
-  <p:clrMapOvr>
-    <a:masterClrMapping/>
-  </p:clrMapOvr>
-</p:sldLayout>
-</file>
-
-<file path=ppt/slideLayouts/slideLayout17.xml><?xml version="1.0" encoding="utf-8"?>
-<p:sldLayout xmlns:a="http://schemas.openxmlformats.org/drawingml/2006/main" xmlns:r="http://schemas.openxmlformats.org/officeDocument/2006/relationships" xmlns:p="http://schemas.openxmlformats.org/presentationml/2006/main" showMasterSp="0" type="vertTitleAndTx" preserve="1">
-  <p:cSld name="Vertical Title and Text">
-    <p:spTree>
-      <p:nvGrpSpPr>
-        <p:cNvPr id="1" name=""/>
-        <p:cNvGrpSpPr/>
-        <p:nvPr/>
-      </p:nvGrpSpPr>
-      <p:grpSpPr>
-        <a:xfrm>
-          <a:off x="0" y="0"/>
-          <a:ext cx="0" cy="0"/>
-          <a:chOff x="0" y="0"/>
-          <a:chExt cx="0" cy="0"/>
-        </a:xfrm>
-      </p:grpSpPr>
-      <p:pic>
-        <p:nvPicPr>
-          <p:cNvPr id="8" name="Picture 7" descr="C0-HD-BTM.png"/>
-          <p:cNvPicPr>
-            <a:picLocks noChangeAspect="1"/>
-          </p:cNvPicPr>
-          <p:nvPr/>
-        </p:nvPicPr>
-        <p:blipFill>
-          <a:blip r:embed="rId2">
-            <a:extLst>
-              <a:ext uri="{28A0092B-C50C-407E-A947-70E740481C1C}">
-                <a14:useLocalDpi xmlns:a14="http://schemas.microsoft.com/office/drawing/2010/main" val="0"/>
-              </a:ext>
-            </a:extLst>
-          </a:blip>
-          <a:stretch>
-            <a:fillRect/>
-          </a:stretch>
-        </p:blipFill>
-        <p:spPr>
-          <a:xfrm>
-            <a:off x="0" y="4375150"/>
-            <a:ext cx="12192000" cy="2482850"/>
-          </a:xfrm>
-          <a:prstGeom prst="rect">
-            <a:avLst/>
-          </a:prstGeom>
-        </p:spPr>
-      </p:pic>
-      <p:sp>
-        <p:nvSpPr>
-          <p:cNvPr id="2" name="Vertical Title 1"/>
-          <p:cNvSpPr>
-            <a:spLocks noGrp="1"/>
-          </p:cNvSpPr>
-          <p:nvPr>
-            <p:ph type="title" orient="vert"/>
-          </p:nvPr>
-        </p:nvSpPr>
-        <p:spPr>
-          <a:xfrm>
-            <a:off x="9448800" y="745066"/>
-            <a:ext cx="2057400" cy="3903133"/>
-          </a:xfrm>
-        </p:spPr>
-        <p:txBody>
-          <a:bodyPr vert="eaVert"/>
-          <a:lstStyle>
-            <a:lvl1pPr algn="l">
-              <a:defRPr/>
-            </a:lvl1pPr>
-          </a:lstStyle>
-          <a:p>
-            <a:r>
-              <a:rPr lang="en-GB"/>
-              <a:t>Click to edit Master title style</a:t>
-            </a:r>
-            <a:endParaRPr lang="en-US" dirty="0"/>
-          </a:p>
-        </p:txBody>
-      </p:sp>
-      <p:sp>
-        <p:nvSpPr>
-          <p:cNvPr id="3" name="Vertical Text Placeholder 2"/>
-          <p:cNvSpPr>
-            <a:spLocks noGrp="1"/>
-          </p:cNvSpPr>
-          <p:nvPr>
-            <p:ph type="body" orient="vert" idx="1"/>
-          </p:nvPr>
-        </p:nvSpPr>
-        <p:spPr>
-          <a:xfrm>
-            <a:off x="1024466" y="745067"/>
-            <a:ext cx="8204201" cy="3903133"/>
-          </a:xfrm>
-        </p:spPr>
-        <p:txBody>
-          <a:bodyPr vert="eaVert"/>
-          <a:lstStyle/>
-          <a:p>
-            <a:pPr lvl="0"/>
-            <a:r>
-              <a:rPr lang="en-GB"/>
-              <a:t>Click to edit Master text styles</a:t>
-            </a:r>
-          </a:p>
-          <a:p>
-            <a:pPr lvl="1"/>
-            <a:r>
-              <a:rPr lang="en-GB"/>
-              <a:t>Second level</a:t>
-            </a:r>
-          </a:p>
-          <a:p>
-            <a:pPr lvl="2"/>
-            <a:r>
-              <a:rPr lang="en-GB"/>
-              <a:t>Third level</a:t>
-            </a:r>
-          </a:p>
-          <a:p>
-            <a:pPr lvl="3"/>
-            <a:r>
-              <a:rPr lang="en-GB"/>
-              <a:t>Fourth level</a:t>
-            </a:r>
-          </a:p>
-          <a:p>
-            <a:pPr lvl="4"/>
-            <a:r>
-              <a:rPr lang="en-GB"/>
-              <a:t>Fifth level</a:t>
-            </a:r>
-            <a:endParaRPr lang="en-US" dirty="0"/>
-          </a:p>
-        </p:txBody>
-      </p:sp>
-      <p:sp>
-        <p:nvSpPr>
-          <p:cNvPr id="4" name="Date Placeholder 3"/>
-          <p:cNvSpPr>
-            <a:spLocks noGrp="1"/>
-          </p:cNvSpPr>
-          <p:nvPr>
-            <p:ph type="dt" sz="half" idx="10"/>
-          </p:nvPr>
-        </p:nvSpPr>
-        <p:spPr>
-          <a:xfrm>
-            <a:off x="7814452" y="379941"/>
-            <a:ext cx="2910840" cy="365125"/>
-          </a:xfrm>
-        </p:spPr>
-        <p:txBody>
-          <a:bodyPr/>
-          <a:lstStyle>
-            <a:lvl1pPr algn="r">
-              <a:defRPr/>
-            </a:lvl1pPr>
-          </a:lstStyle>
-          <a:p>
-            <a:fld id="{8F72BA41-EC5B-4197-BCC8-0FD2E523CD7A}" type="datetimeFigureOut">
-              <a:rPr lang="en-US" smtClean="0"/>
-              <a:t>11/1/2023</a:t>
-            </a:fld>
-            <a:endParaRPr lang="en-US"/>
-          </a:p>
-        </p:txBody>
-      </p:sp>
-      <p:sp>
-        <p:nvSpPr>
-          <p:cNvPr id="5" name="Footer Placeholder 4"/>
-          <p:cNvSpPr>
-            <a:spLocks noGrp="1"/>
-          </p:cNvSpPr>
-          <p:nvPr>
-            <p:ph type="ftr" sz="quarter" idx="11"/>
-          </p:nvPr>
-        </p:nvSpPr>
-        <p:spPr>
-          <a:xfrm>
-            <a:off x="685800" y="381000"/>
-            <a:ext cx="6991492" cy="365125"/>
-          </a:xfrm>
-        </p:spPr>
-        <p:txBody>
-          <a:bodyPr/>
-          <a:lstStyle/>
-          <a:p>
-            <a:endParaRPr lang="en-US"/>
-          </a:p>
-        </p:txBody>
-      </p:sp>
-      <p:sp>
-        <p:nvSpPr>
-          <p:cNvPr id="6" name="Slide Number Placeholder 5"/>
-          <p:cNvSpPr>
-            <a:spLocks noGrp="1"/>
-          </p:cNvSpPr>
-          <p:nvPr>
-            <p:ph type="sldNum" sz="quarter" idx="12"/>
-          </p:nvPr>
-        </p:nvSpPr>
-        <p:spPr>
-          <a:xfrm>
-            <a:off x="10862452" y="381000"/>
-            <a:ext cx="643748" cy="365125"/>
-          </a:xfrm>
-        </p:spPr>
-        <p:txBody>
-          <a:bodyPr/>
-          <a:lstStyle/>
-          <a:p>
-            <a:fld id="{BE15108C-154A-4A5A-9C05-91A49A422BA7}" type="slidenum">
-              <a:rPr lang="en-US" smtClean="0"/>
-              <a:t>‹#›</a:t>
-            </a:fld>
-            <a:endParaRPr lang="en-US"/>
-          </a:p>
-        </p:txBody>
-      </p:sp>
-    </p:spTree>
-    <p:extLst>
-      <p:ext uri="{BB962C8B-B14F-4D97-AF65-F5344CB8AC3E}">
-        <p14:creationId xmlns:p14="http://schemas.microsoft.com/office/powerpoint/2010/main" val="1361523533"/>
-      </p:ext>
-    </p:extLst>
-  </p:cSld>
-  <p:clrMapOvr>
-    <a:masterClrMapping/>
-  </p:clrMapOvr>
-</p:sldLayout>
-</file>
-
-<file path=ppt/slideLayouts/slideLayout2.xml><?xml version="1.0" encoding="utf-8"?>
-<p:sldLayout xmlns:a="http://schemas.openxmlformats.org/drawingml/2006/main" xmlns:r="http://schemas.openxmlformats.org/officeDocument/2006/relationships" xmlns:p="http://schemas.openxmlformats.org/presentationml/2006/main" type="obj" preserve="1">
-  <p:cSld name="Title and Content">
-    <p:spTree>
-      <p:nvGrpSpPr>
-        <p:cNvPr id="1" name=""/>
-        <p:cNvGrpSpPr/>
-        <p:nvPr/>
-      </p:nvGrpSpPr>
-      <p:grpSpPr>
-        <a:xfrm>
-          <a:off x="0" y="0"/>
-          <a:ext cx="0" cy="0"/>
-          <a:chOff x="0" y="0"/>
-          <a:chExt cx="0" cy="0"/>
-        </a:xfrm>
-      </p:grpSpPr>
-      <p:sp>
-        <p:nvSpPr>
-          <p:cNvPr id="2" name="Title 1"/>
-          <p:cNvSpPr>
-            <a:spLocks noGrp="1"/>
-          </p:cNvSpPr>
-          <p:nvPr>
-            <p:ph type="title"/>
-          </p:nvPr>
-        </p:nvSpPr>
-        <p:spPr/>
-        <p:txBody>
-          <a:bodyPr/>
-          <a:lstStyle/>
-          <a:p>
-            <a:r>
-              <a:rPr lang="en-GB"/>
-              <a:t>Click to edit Master title style</a:t>
-            </a:r>
-            <a:endParaRPr lang="en-US" dirty="0"/>
-          </a:p>
-        </p:txBody>
-      </p:sp>
-      <p:sp>
-        <p:nvSpPr>
-          <p:cNvPr id="3" name="Content Placeholder 2"/>
-          <p:cNvSpPr>
-            <a:spLocks noGrp="1"/>
-          </p:cNvSpPr>
-          <p:nvPr>
-            <p:ph idx="1"/>
-          </p:nvPr>
-        </p:nvSpPr>
-        <p:spPr/>
-        <p:txBody>
-          <a:bodyPr/>
-          <a:lstStyle/>
-          <a:p>
-            <a:pPr lvl="0"/>
-            <a:r>
-              <a:rPr lang="en-GB"/>
-              <a:t>Click to edit Master text styles</a:t>
-            </a:r>
-          </a:p>
-          <a:p>
-            <a:pPr lvl="1"/>
-            <a:r>
-              <a:rPr lang="en-GB"/>
-              <a:t>Second level</a:t>
-            </a:r>
-          </a:p>
-          <a:p>
-            <a:pPr lvl="2"/>
-            <a:r>
-              <a:rPr lang="en-GB"/>
-              <a:t>Third level</a:t>
-            </a:r>
-          </a:p>
-          <a:p>
-            <a:pPr lvl="3"/>
-            <a:r>
-              <a:rPr lang="en-GB"/>
-              <a:t>Fourth level</a:t>
-            </a:r>
-          </a:p>
-          <a:p>
-            <a:pPr lvl="4"/>
-            <a:r>
-              <a:rPr lang="en-GB"/>
-              <a:t>Fifth level</a:t>
-            </a:r>
-            <a:endParaRPr lang="en-US" dirty="0"/>
-          </a:p>
-        </p:txBody>
-      </p:sp>
-      <p:sp>
-        <p:nvSpPr>
-          <p:cNvPr id="4" name="Date Placeholder 3"/>
-          <p:cNvSpPr>
-            <a:spLocks noGrp="1"/>
-          </p:cNvSpPr>
-          <p:nvPr>
-            <p:ph type="dt" sz="half" idx="10"/>
-          </p:nvPr>
-        </p:nvSpPr>
-        <p:spPr/>
-        <p:txBody>
-          <a:bodyPr/>
-          <a:lstStyle/>
-          <a:p>
-            <a:fld id="{8F72BA41-EC5B-4197-BCC8-0FD2E523CD7A}" type="datetimeFigureOut">
-              <a:rPr lang="en-US" smtClean="0"/>
-              <a:t>11/1/2023</a:t>
-            </a:fld>
-            <a:endParaRPr lang="en-US"/>
-          </a:p>
-        </p:txBody>
-      </p:sp>
-      <p:sp>
-        <p:nvSpPr>
-          <p:cNvPr id="5" name="Footer Placeholder 4"/>
-          <p:cNvSpPr>
-            <a:spLocks noGrp="1"/>
-          </p:cNvSpPr>
-          <p:nvPr>
-            <p:ph type="ftr" sz="quarter" idx="11"/>
-          </p:nvPr>
-        </p:nvSpPr>
-        <p:spPr/>
-        <p:txBody>
-          <a:bodyPr/>
-          <a:lstStyle/>
-          <a:p>
-            <a:endParaRPr lang="en-US"/>
-          </a:p>
-        </p:txBody>
-      </p:sp>
-      <p:sp>
-        <p:nvSpPr>
-          <p:cNvPr id="6" name="Slide Number Placeholder 5"/>
-          <p:cNvSpPr>
-            <a:spLocks noGrp="1"/>
-          </p:cNvSpPr>
-          <p:nvPr>
-            <p:ph type="sldNum" sz="quarter" idx="12"/>
-          </p:nvPr>
-        </p:nvSpPr>
-        <p:spPr/>
-        <p:txBody>
-          <a:bodyPr/>
-          <a:lstStyle/>
-          <a:p>
-            <a:fld id="{BE15108C-154A-4A5A-9C05-91A49A422BA7}" type="slidenum">
-              <a:rPr lang="en-US" smtClean="0"/>
-              <a:t>‹#›</a:t>
-            </a:fld>
-            <a:endParaRPr lang="en-US"/>
-          </a:p>
-        </p:txBody>
-      </p:sp>
-    </p:spTree>
-    <p:extLst>
-      <p:ext uri="{BB962C8B-B14F-4D97-AF65-F5344CB8AC3E}">
-        <p14:creationId xmlns:p14="http://schemas.microsoft.com/office/powerpoint/2010/main" val="3251569794"/>
-      </p:ext>
-    </p:extLst>
-  </p:cSld>
-  <p:clrMapOvr>
-    <a:masterClrMapping/>
-  </p:clrMapOvr>
-</p:sldLayout>
-</file>
-
-<file path=ppt/slideLayouts/slideLayout3.xml><?xml version="1.0" encoding="utf-8"?>
-<p:sldLayout xmlns:a="http://schemas.openxmlformats.org/drawingml/2006/main" xmlns:r="http://schemas.openxmlformats.org/officeDocument/2006/relationships" xmlns:p="http://schemas.openxmlformats.org/presentationml/2006/main" showMasterSp="0" type="secHead" preserve="1">
-  <p:cSld name="Section Header">
-    <p:spTree>
-      <p:nvGrpSpPr>
-        <p:cNvPr id="1" name=""/>
-        <p:cNvGrpSpPr/>
-        <p:nvPr/>
-      </p:nvGrpSpPr>
-      <p:grpSpPr>
-        <a:xfrm>
-          <a:off x="0" y="0"/>
-          <a:ext cx="0" cy="0"/>
-          <a:chOff x="0" y="0"/>
-          <a:chExt cx="0" cy="0"/>
-        </a:xfrm>
-      </p:grpSpPr>
-      <p:pic>
-        <p:nvPicPr>
-          <p:cNvPr id="9" name="Picture 8" descr="C0-HD-BTM.png"/>
-          <p:cNvPicPr>
-            <a:picLocks noChangeAspect="1"/>
-          </p:cNvPicPr>
-          <p:nvPr/>
-        </p:nvPicPr>
-        <p:blipFill>
-          <a:blip r:embed="rId2">
-            <a:extLst>
-              <a:ext uri="{28A0092B-C50C-407E-A947-70E740481C1C}">
-                <a14:useLocalDpi xmlns:a14="http://schemas.microsoft.com/office/drawing/2010/main" val="0"/>
-              </a:ext>
-            </a:extLst>
-          </a:blip>
-          <a:stretch>
-            <a:fillRect/>
-          </a:stretch>
-        </p:blipFill>
-        <p:spPr>
-          <a:xfrm>
-            <a:off x="0" y="4375150"/>
-            <a:ext cx="12192000" cy="2482850"/>
-          </a:xfrm>
-          <a:prstGeom prst="rect">
-            <a:avLst/>
-          </a:prstGeom>
-        </p:spPr>
-      </p:pic>
-      <p:sp>
-        <p:nvSpPr>
-          <p:cNvPr id="2" name="Title 1"/>
-          <p:cNvSpPr>
-            <a:spLocks noGrp="1"/>
-          </p:cNvSpPr>
-          <p:nvPr>
-            <p:ph type="title"/>
-          </p:nvPr>
-        </p:nvSpPr>
-        <p:spPr>
-          <a:xfrm>
-            <a:off x="685800" y="753533"/>
-            <a:ext cx="10820399" cy="2801935"/>
-          </a:xfrm>
-        </p:spPr>
-        <p:txBody>
-          <a:bodyPr anchor="b">
-            <a:normAutofit/>
-          </a:bodyPr>
-          <a:lstStyle>
-            <a:lvl1pPr algn="r">
-              <a:defRPr sz="4000"/>
-            </a:lvl1pPr>
-          </a:lstStyle>
-          <a:p>
-            <a:r>
-              <a:rPr lang="en-GB"/>
-              <a:t>Click to edit Master title style</a:t>
-            </a:r>
-            <a:endParaRPr lang="en-US" dirty="0"/>
-          </a:p>
-        </p:txBody>
-      </p:sp>
-      <p:sp>
-        <p:nvSpPr>
-          <p:cNvPr id="3" name="Text Placeholder 2"/>
-          <p:cNvSpPr>
-            <a:spLocks noGrp="1"/>
-          </p:cNvSpPr>
-          <p:nvPr>
-            <p:ph type="body" idx="1"/>
-          </p:nvPr>
-        </p:nvSpPr>
-        <p:spPr>
-          <a:xfrm>
-            <a:off x="1024467" y="3641725"/>
-            <a:ext cx="10490200" cy="955675"/>
-          </a:xfrm>
-        </p:spPr>
-        <p:txBody>
-          <a:bodyPr>
-            <a:normAutofit/>
-          </a:bodyPr>
-          <a:lstStyle>
-            <a:lvl1pPr marL="0" indent="0" algn="r">
-              <a:buNone/>
-              <a:defRPr sz="2200">
-                <a:solidFill>
-                  <a:schemeClr val="tx1">
-                    <a:tint val="75000"/>
-                  </a:schemeClr>
-                </a:solidFill>
-              </a:defRPr>
-            </a:lvl1pPr>
-            <a:lvl2pPr marL="457200" indent="0">
-              <a:buNone/>
-              <a:defRPr sz="2000">
-                <a:solidFill>
-                  <a:schemeClr val="tx1">
-                    <a:tint val="75000"/>
-                  </a:schemeClr>
-                </a:solidFill>
-              </a:defRPr>
-            </a:lvl2pPr>
-            <a:lvl3pPr marL="914400" indent="0">
-              <a:buNone/>
-              <a:defRPr sz="1800">
-                <a:solidFill>
-                  <a:schemeClr val="tx1">
-                    <a:tint val="75000"/>
-                  </a:schemeClr>
-                </a:solidFill>
-              </a:defRPr>
-            </a:lvl3pPr>
-            <a:lvl4pPr marL="1371600" indent="0">
-              <a:buNone/>
-              <a:defRPr sz="1600">
-                <a:solidFill>
-                  <a:schemeClr val="tx1">
-                    <a:tint val="75000"/>
-                  </a:schemeClr>
-                </a:solidFill>
-              </a:defRPr>
-            </a:lvl4pPr>
-            <a:lvl5pPr marL="1828800" indent="0">
-              <a:buNone/>
-              <a:defRPr sz="1600">
-                <a:solidFill>
-                  <a:schemeClr val="tx1">
-                    <a:tint val="75000"/>
-                  </a:schemeClr>
-                </a:solidFill>
-              </a:defRPr>
-            </a:lvl5pPr>
-            <a:lvl6pPr marL="2286000" indent="0">
-              <a:buNone/>
-              <a:defRPr sz="1600">
-                <a:solidFill>
-                  <a:schemeClr val="tx1">
-                    <a:tint val="75000"/>
-                  </a:schemeClr>
-                </a:solidFill>
-              </a:defRPr>
-            </a:lvl6pPr>
-            <a:lvl7pPr marL="2743200" indent="0">
-              <a:buNone/>
-              <a:defRPr sz="1600">
-                <a:solidFill>
-                  <a:schemeClr val="tx1">
-                    <a:tint val="75000"/>
-                  </a:schemeClr>
-                </a:solidFill>
-              </a:defRPr>
-            </a:lvl7pPr>
-            <a:lvl8pPr marL="3200400" indent="0">
-              <a:buNone/>
-              <a:defRPr sz="1600">
-                <a:solidFill>
-                  <a:schemeClr val="tx1">
-                    <a:tint val="75000"/>
-                  </a:schemeClr>
-                </a:solidFill>
-              </a:defRPr>
-            </a:lvl8pPr>
-            <a:lvl9pPr marL="3657600" indent="0">
-              <a:buNone/>
-              <a:defRPr sz="1600">
-                <a:solidFill>
-                  <a:schemeClr val="tx1">
-                    <a:tint val="75000"/>
-                  </a:schemeClr>
-                </a:solidFill>
-              </a:defRPr>
-            </a:lvl9pPr>
-          </a:lstStyle>
-          <a:p>
-            <a:pPr lvl="0"/>
-            <a:r>
-              <a:rPr lang="en-GB"/>
-              <a:t>Click to edit Master text styles</a:t>
-            </a:r>
-          </a:p>
-        </p:txBody>
-      </p:sp>
-      <p:sp>
-        <p:nvSpPr>
-          <p:cNvPr id="4" name="Date Placeholder 3"/>
-          <p:cNvSpPr>
-            <a:spLocks noGrp="1"/>
-          </p:cNvSpPr>
-          <p:nvPr>
-            <p:ph type="dt" sz="half" idx="10"/>
-          </p:nvPr>
-        </p:nvSpPr>
-        <p:spPr>
-          <a:xfrm>
-            <a:off x="7814452" y="381000"/>
-            <a:ext cx="2910840" cy="365125"/>
-          </a:xfrm>
-        </p:spPr>
-        <p:txBody>
-          <a:bodyPr/>
-          <a:lstStyle>
-            <a:lvl1pPr algn="r">
-              <a:defRPr/>
-            </a:lvl1pPr>
-          </a:lstStyle>
-          <a:p>
-            <a:fld id="{8F72BA41-EC5B-4197-BCC8-0FD2E523CD7A}" type="datetimeFigureOut">
-              <a:rPr lang="en-US" smtClean="0"/>
-              <a:t>11/1/2023</a:t>
-            </a:fld>
-            <a:endParaRPr lang="en-US"/>
-          </a:p>
-        </p:txBody>
-      </p:sp>
-      <p:sp>
-        <p:nvSpPr>
-          <p:cNvPr id="5" name="Footer Placeholder 4"/>
-          <p:cNvSpPr>
-            <a:spLocks noGrp="1"/>
-          </p:cNvSpPr>
-          <p:nvPr>
-            <p:ph type="ftr" sz="quarter" idx="11"/>
-          </p:nvPr>
-        </p:nvSpPr>
-        <p:spPr>
-          <a:xfrm>
-            <a:off x="685800" y="381001"/>
-            <a:ext cx="6991492" cy="364065"/>
-          </a:xfrm>
-        </p:spPr>
-        <p:txBody>
-          <a:bodyPr/>
-          <a:lstStyle/>
-          <a:p>
-            <a:endParaRPr lang="en-US"/>
-          </a:p>
-        </p:txBody>
-      </p:sp>
-      <p:sp>
-        <p:nvSpPr>
-          <p:cNvPr id="6" name="Slide Number Placeholder 5"/>
-          <p:cNvSpPr>
-            <a:spLocks noGrp="1"/>
-          </p:cNvSpPr>
-          <p:nvPr>
-            <p:ph type="sldNum" sz="quarter" idx="12"/>
-          </p:nvPr>
-        </p:nvSpPr>
-        <p:spPr>
-          <a:xfrm>
-            <a:off x="10862452" y="381000"/>
-            <a:ext cx="643748" cy="365125"/>
-          </a:xfrm>
-        </p:spPr>
-        <p:txBody>
-          <a:bodyPr/>
-          <a:lstStyle/>
-          <a:p>
-            <a:fld id="{BE15108C-154A-4A5A-9C05-91A49A422BA7}" type="slidenum">
-              <a:rPr lang="en-US" smtClean="0"/>
-              <a:t>‹#›</a:t>
-            </a:fld>
-            <a:endParaRPr lang="en-US"/>
-          </a:p>
-        </p:txBody>
-      </p:sp>
-    </p:spTree>
-    <p:extLst>
-      <p:ext uri="{BB962C8B-B14F-4D97-AF65-F5344CB8AC3E}">
-        <p14:creationId xmlns:p14="http://schemas.microsoft.com/office/powerpoint/2010/main" val="3589197498"/>
-      </p:ext>
-    </p:extLst>
-  </p:cSld>
-  <p:clrMapOvr>
-    <a:masterClrMapping/>
-  </p:clrMapOvr>
-</p:sldLayout>
-</file>
-
-<file path=ppt/slideLayouts/slideLayout4.xml><?xml version="1.0" encoding="utf-8"?>
-<p:sldLayout xmlns:a="http://schemas.openxmlformats.org/drawingml/2006/main" xmlns:r="http://schemas.openxmlformats.org/officeDocument/2006/relationships" xmlns:p="http://schemas.openxmlformats.org/presentationml/2006/main" type="twoObj" preserve="1">
-  <p:cSld name="Two Content">
-    <p:spTree>
-      <p:nvGrpSpPr>
-        <p:cNvPr id="1" name=""/>
-        <p:cNvGrpSpPr/>
-        <p:nvPr/>
-      </p:nvGrpSpPr>
-      <p:grpSpPr>
-        <a:xfrm>
-          <a:off x="0" y="0"/>
-          <a:ext cx="0" cy="0"/>
-          <a:chOff x="0" y="0"/>
-          <a:chExt cx="0" cy="0"/>
-        </a:xfrm>
-      </p:grpSpPr>
-      <p:sp>
-        <p:nvSpPr>
-          <p:cNvPr id="2" name="Title 1"/>
-          <p:cNvSpPr>
-            <a:spLocks noGrp="1"/>
-          </p:cNvSpPr>
-          <p:nvPr>
-            <p:ph type="title"/>
-          </p:nvPr>
-        </p:nvSpPr>
-        <p:spPr/>
-        <p:txBody>
-          <a:bodyPr/>
-          <a:lstStyle/>
-          <a:p>
-            <a:r>
-              <a:rPr lang="en-GB"/>
-              <a:t>Click to edit Master title style</a:t>
-            </a:r>
-            <a:endParaRPr lang="en-US" dirty="0"/>
-          </a:p>
-        </p:txBody>
-      </p:sp>
-      <p:sp>
-        <p:nvSpPr>
-          <p:cNvPr id="3" name="Content Placeholder 2"/>
-          <p:cNvSpPr>
-            <a:spLocks noGrp="1"/>
-          </p:cNvSpPr>
-          <p:nvPr>
-            <p:ph sz="half" idx="1"/>
-          </p:nvPr>
-        </p:nvSpPr>
-        <p:spPr>
-          <a:xfrm>
-            <a:off x="685800" y="2194559"/>
-            <a:ext cx="5334000" cy="4024125"/>
-          </a:xfrm>
-        </p:spPr>
-        <p:txBody>
-          <a:bodyPr/>
-          <a:lstStyle/>
-          <a:p>
-            <a:pPr lvl="0"/>
-            <a:r>
-              <a:rPr lang="en-GB"/>
-              <a:t>Click to edit Master text styles</a:t>
-            </a:r>
-          </a:p>
-          <a:p>
-            <a:pPr lvl="1"/>
-            <a:r>
-              <a:rPr lang="en-GB"/>
-              <a:t>Second level</a:t>
-            </a:r>
-          </a:p>
-          <a:p>
-            <a:pPr lvl="2"/>
-            <a:r>
-              <a:rPr lang="en-GB"/>
-              <a:t>Third level</a:t>
-            </a:r>
-          </a:p>
-          <a:p>
-            <a:pPr lvl="3"/>
-            <a:r>
-              <a:rPr lang="en-GB"/>
-              <a:t>Fourth level</a:t>
-            </a:r>
-          </a:p>
-          <a:p>
-            <a:pPr lvl="4"/>
-            <a:r>
-              <a:rPr lang="en-GB"/>
-              <a:t>Fifth level</a:t>
-            </a:r>
-            <a:endParaRPr lang="en-US" dirty="0"/>
-          </a:p>
-        </p:txBody>
-      </p:sp>
-      <p:sp>
-        <p:nvSpPr>
-          <p:cNvPr id="4" name="Content Placeholder 3"/>
-          <p:cNvSpPr>
-            <a:spLocks noGrp="1"/>
-          </p:cNvSpPr>
-          <p:nvPr>
-            <p:ph sz="half" idx="2"/>
-          </p:nvPr>
-        </p:nvSpPr>
-        <p:spPr>
-          <a:xfrm>
-            <a:off x="6172200" y="2194559"/>
-            <a:ext cx="5334000" cy="4024125"/>
-          </a:xfrm>
-        </p:spPr>
-        <p:txBody>
-          <a:bodyPr/>
-          <a:lstStyle/>
-          <a:p>
-            <a:pPr lvl="0"/>
-            <a:r>
-              <a:rPr lang="en-GB"/>
-              <a:t>Click to edit Master text styles</a:t>
-            </a:r>
-          </a:p>
-          <a:p>
-            <a:pPr lvl="1"/>
-            <a:r>
-              <a:rPr lang="en-GB"/>
-              <a:t>Second level</a:t>
-            </a:r>
-          </a:p>
-          <a:p>
-            <a:pPr lvl="2"/>
-            <a:r>
-              <a:rPr lang="en-GB"/>
-              <a:t>Third level</a:t>
-            </a:r>
-          </a:p>
-          <a:p>
-            <a:pPr lvl="3"/>
-            <a:r>
-              <a:rPr lang="en-GB"/>
-              <a:t>Fourth level</a:t>
-            </a:r>
-          </a:p>
-          <a:p>
-            <a:pPr lvl="4"/>
-            <a:r>
-              <a:rPr lang="en-GB"/>
-              <a:t>Fifth level</a:t>
-            </a:r>
-            <a:endParaRPr lang="en-US" dirty="0"/>
-          </a:p>
-        </p:txBody>
-      </p:sp>
-      <p:sp>
-        <p:nvSpPr>
-          <p:cNvPr id="5" name="Date Placeholder 4"/>
-          <p:cNvSpPr>
-            <a:spLocks noGrp="1"/>
-          </p:cNvSpPr>
-          <p:nvPr>
-            <p:ph type="dt" sz="half" idx="10"/>
-          </p:nvPr>
-        </p:nvSpPr>
-        <p:spPr/>
-        <p:txBody>
-          <a:bodyPr/>
-          <a:lstStyle/>
-          <a:p>
-            <a:fld id="{8F72BA41-EC5B-4197-BCC8-0FD2E523CD7A}" type="datetimeFigureOut">
-              <a:rPr lang="en-US" smtClean="0"/>
-              <a:t>11/1/2023</a:t>
-            </a:fld>
-            <a:endParaRPr lang="en-US"/>
-          </a:p>
-        </p:txBody>
-      </p:sp>
-      <p:sp>
-        <p:nvSpPr>
-          <p:cNvPr id="6" name="Footer Placeholder 5"/>
-          <p:cNvSpPr>
-            <a:spLocks noGrp="1"/>
-          </p:cNvSpPr>
-          <p:nvPr>
-            <p:ph type="ftr" sz="quarter" idx="11"/>
-          </p:nvPr>
-        </p:nvSpPr>
-        <p:spPr/>
-        <p:txBody>
-          <a:bodyPr/>
-          <a:lstStyle/>
-          <a:p>
-            <a:endParaRPr lang="en-US"/>
-          </a:p>
-        </p:txBody>
-      </p:sp>
-      <p:sp>
-        <p:nvSpPr>
-          <p:cNvPr id="7" name="Slide Number Placeholder 6"/>
-          <p:cNvSpPr>
-            <a:spLocks noGrp="1"/>
-          </p:cNvSpPr>
-          <p:nvPr>
-            <p:ph type="sldNum" sz="quarter" idx="12"/>
-          </p:nvPr>
-        </p:nvSpPr>
-        <p:spPr/>
-        <p:txBody>
-          <a:bodyPr/>
-          <a:lstStyle/>
-          <a:p>
-            <a:fld id="{BE15108C-154A-4A5A-9C05-91A49A422BA7}" type="slidenum">
-              <a:rPr lang="en-US" smtClean="0"/>
-              <a:t>‹#›</a:t>
-            </a:fld>
-            <a:endParaRPr lang="en-US"/>
-          </a:p>
-        </p:txBody>
-      </p:sp>
-    </p:spTree>
-    <p:extLst>
-      <p:ext uri="{BB962C8B-B14F-4D97-AF65-F5344CB8AC3E}">
-        <p14:creationId xmlns:p14="http://schemas.microsoft.com/office/powerpoint/2010/main" val="1853722036"/>
-      </p:ext>
-    </p:extLst>
-  </p:cSld>
-  <p:clrMapOvr>
-    <a:masterClrMapping/>
-  </p:clrMapOvr>
-</p:sldLayout>
-</file>
-
-<file path=ppt/slideLayouts/slideLayout5.xml><?xml version="1.0" encoding="utf-8"?>
-<p:sldLayout xmlns:a="http://schemas.openxmlformats.org/drawingml/2006/main" xmlns:r="http://schemas.openxmlformats.org/officeDocument/2006/relationships" xmlns:p="http://schemas.openxmlformats.org/presentationml/2006/main" type="twoTxTwoObj" preserve="1">
-  <p:cSld name="Comparison">
-    <p:spTree>
-      <p:nvGrpSpPr>
-        <p:cNvPr id="1" name=""/>
-        <p:cNvGrpSpPr/>
-        <p:nvPr/>
-      </p:nvGrpSpPr>
-      <p:grpSpPr>
-        <a:xfrm>
-          <a:off x="0" y="0"/>
-          <a:ext cx="0" cy="0"/>
-          <a:chOff x="0" y="0"/>
-          <a:chExt cx="0" cy="0"/>
-        </a:xfrm>
-      </p:grpSpPr>
-      <p:sp>
-        <p:nvSpPr>
-          <p:cNvPr id="2" name="Title 1"/>
-          <p:cNvSpPr>
-            <a:spLocks noGrp="1"/>
-          </p:cNvSpPr>
-          <p:nvPr>
-            <p:ph type="title"/>
-          </p:nvPr>
-        </p:nvSpPr>
-        <p:spPr>
-          <a:xfrm>
-            <a:off x="2895600" y="762000"/>
-            <a:ext cx="8610600" cy="1295400"/>
-          </a:xfrm>
-        </p:spPr>
-        <p:txBody>
-          <a:bodyPr/>
-          <a:lstStyle/>
-          <a:p>
-            <a:r>
-              <a:rPr lang="en-GB"/>
-              <a:t>Click to edit Master title style</a:t>
-            </a:r>
-            <a:endParaRPr lang="en-US" dirty="0"/>
-          </a:p>
-        </p:txBody>
-      </p:sp>
-      <p:sp>
-        <p:nvSpPr>
-          <p:cNvPr id="3" name="Text Placeholder 2"/>
-          <p:cNvSpPr>
-            <a:spLocks noGrp="1"/>
-          </p:cNvSpPr>
-          <p:nvPr>
-            <p:ph type="body" idx="1"/>
-          </p:nvPr>
-        </p:nvSpPr>
-        <p:spPr>
-          <a:xfrm>
-            <a:off x="914409" y="2183802"/>
-            <a:ext cx="5079991" cy="823912"/>
-          </a:xfrm>
-        </p:spPr>
-        <p:txBody>
-          <a:bodyPr anchor="b">
-            <a:normAutofit/>
-          </a:bodyPr>
-          <a:lstStyle>
-            <a:lvl1pPr marL="0" indent="0">
-              <a:buNone/>
-              <a:defRPr sz="2800" b="0">
-                <a:solidFill>
-                  <a:schemeClr val="tx1"/>
-                </a:solidFill>
-              </a:defRPr>
-            </a:lvl1pPr>
-            <a:lvl2pPr marL="457200" indent="0">
-              <a:buNone/>
-              <a:defRPr sz="2000" b="1"/>
-            </a:lvl2pPr>
-            <a:lvl3pPr marL="914400" indent="0">
-              <a:buNone/>
-              <a:defRPr sz="1800" b="1"/>
-            </a:lvl3pPr>
-            <a:lvl4pPr marL="1371600" indent="0">
-              <a:buNone/>
-              <a:defRPr sz="1600" b="1"/>
-            </a:lvl4pPr>
-            <a:lvl5pPr marL="1828800" indent="0">
-              <a:buNone/>
-              <a:defRPr sz="1600" b="1"/>
-            </a:lvl5pPr>
-            <a:lvl6pPr marL="2286000" indent="0">
-              <a:buNone/>
-              <a:defRPr sz="1600" b="1"/>
-            </a:lvl6pPr>
-            <a:lvl7pPr marL="2743200" indent="0">
-              <a:buNone/>
-              <a:defRPr sz="1600" b="1"/>
-            </a:lvl7pPr>
-            <a:lvl8pPr marL="3200400" indent="0">
-              <a:buNone/>
-              <a:defRPr sz="1600" b="1"/>
-            </a:lvl8pPr>
-            <a:lvl9pPr marL="3657600" indent="0">
-              <a:buNone/>
-              <a:defRPr sz="1600" b="1"/>
-            </a:lvl9pPr>
-          </a:lstStyle>
-          <a:p>
-            <a:pPr lvl="0"/>
-            <a:r>
-              <a:rPr lang="en-GB"/>
-              <a:t>Click to edit Master text styles</a:t>
-            </a:r>
-          </a:p>
-        </p:txBody>
-      </p:sp>
-      <p:sp>
-        <p:nvSpPr>
-          <p:cNvPr id="4" name="Content Placeholder 3"/>
-          <p:cNvSpPr>
-            <a:spLocks noGrp="1"/>
-          </p:cNvSpPr>
-          <p:nvPr>
-            <p:ph sz="half" idx="2"/>
-          </p:nvPr>
-        </p:nvSpPr>
-        <p:spPr>
-          <a:xfrm>
-            <a:off x="685800" y="3132666"/>
-            <a:ext cx="5311775" cy="3086019"/>
-          </a:xfrm>
-        </p:spPr>
-        <p:txBody>
-          <a:bodyPr/>
-          <a:lstStyle/>
-          <a:p>
-            <a:pPr lvl="0"/>
-            <a:r>
-              <a:rPr lang="en-GB"/>
-              <a:t>Click to edit Master text styles</a:t>
-            </a:r>
-          </a:p>
-          <a:p>
-            <a:pPr lvl="1"/>
-            <a:r>
-              <a:rPr lang="en-GB"/>
-              <a:t>Second level</a:t>
-            </a:r>
-          </a:p>
-          <a:p>
-            <a:pPr lvl="2"/>
-            <a:r>
-              <a:rPr lang="en-GB"/>
-              <a:t>Third level</a:t>
-            </a:r>
-          </a:p>
-          <a:p>
-            <a:pPr lvl="3"/>
-            <a:r>
-              <a:rPr lang="en-GB"/>
-              <a:t>Fourth level</a:t>
-            </a:r>
-          </a:p>
-          <a:p>
-            <a:pPr lvl="4"/>
-            <a:r>
-              <a:rPr lang="en-GB"/>
-              <a:t>Fifth level</a:t>
-            </a:r>
-            <a:endParaRPr lang="en-US" dirty="0"/>
-          </a:p>
-        </p:txBody>
-      </p:sp>
-      <p:sp>
-        <p:nvSpPr>
-          <p:cNvPr id="5" name="Text Placeholder 4"/>
-          <p:cNvSpPr>
-            <a:spLocks noGrp="1"/>
-          </p:cNvSpPr>
-          <p:nvPr>
-            <p:ph type="body" sz="quarter" idx="3"/>
-          </p:nvPr>
-        </p:nvSpPr>
-        <p:spPr>
-          <a:xfrm>
-            <a:off x="6400800" y="2183802"/>
-            <a:ext cx="5105400" cy="823912"/>
-          </a:xfrm>
-        </p:spPr>
-        <p:txBody>
-          <a:bodyPr anchor="b">
-            <a:normAutofit/>
-          </a:bodyPr>
-          <a:lstStyle>
-            <a:lvl1pPr marL="0" indent="0">
-              <a:buNone/>
-              <a:defRPr sz="2800" b="0">
-                <a:solidFill>
-                  <a:schemeClr val="tx1"/>
-                </a:solidFill>
-              </a:defRPr>
-            </a:lvl1pPr>
-            <a:lvl2pPr marL="457200" indent="0">
-              <a:buNone/>
-              <a:defRPr sz="2000" b="1"/>
-            </a:lvl2pPr>
-            <a:lvl3pPr marL="914400" indent="0">
-              <a:buNone/>
-              <a:defRPr sz="1800" b="1"/>
-            </a:lvl3pPr>
-            <a:lvl4pPr marL="1371600" indent="0">
-              <a:buNone/>
-              <a:defRPr sz="1600" b="1"/>
-            </a:lvl4pPr>
-            <a:lvl5pPr marL="1828800" indent="0">
-              <a:buNone/>
-              <a:defRPr sz="1600" b="1"/>
-            </a:lvl5pPr>
-            <a:lvl6pPr marL="2286000" indent="0">
-              <a:buNone/>
-              <a:defRPr sz="1600" b="1"/>
-            </a:lvl6pPr>
-            <a:lvl7pPr marL="2743200" indent="0">
-              <a:buNone/>
-              <a:defRPr sz="1600" b="1"/>
-            </a:lvl7pPr>
-            <a:lvl8pPr marL="3200400" indent="0">
-              <a:buNone/>
-              <a:defRPr sz="1600" b="1"/>
-            </a:lvl8pPr>
-            <a:lvl9pPr marL="3657600" indent="0">
-              <a:buNone/>
-              <a:defRPr sz="1600" b="1"/>
-            </a:lvl9pPr>
-          </a:lstStyle>
-          <a:p>
-            <a:pPr lvl="0"/>
-            <a:r>
-              <a:rPr lang="en-GB"/>
-              <a:t>Click to edit Master text styles</a:t>
-            </a:r>
-          </a:p>
-        </p:txBody>
-      </p:sp>
-      <p:sp>
-        <p:nvSpPr>
-          <p:cNvPr id="6" name="Content Placeholder 5"/>
-          <p:cNvSpPr>
-            <a:spLocks noGrp="1"/>
-          </p:cNvSpPr>
-          <p:nvPr>
-            <p:ph sz="quarter" idx="4"/>
-          </p:nvPr>
-        </p:nvSpPr>
-        <p:spPr>
-          <a:xfrm>
-            <a:off x="6172200" y="3132666"/>
-            <a:ext cx="5334000" cy="3086019"/>
-          </a:xfrm>
-        </p:spPr>
-        <p:txBody>
-          <a:bodyPr/>
-          <a:lstStyle/>
-          <a:p>
-            <a:pPr lvl="0"/>
-            <a:r>
-              <a:rPr lang="en-GB"/>
-              <a:t>Click to edit Master text styles</a:t>
-            </a:r>
-          </a:p>
-          <a:p>
-            <a:pPr lvl="1"/>
-            <a:r>
-              <a:rPr lang="en-GB"/>
-              <a:t>Second level</a:t>
-            </a:r>
-          </a:p>
-          <a:p>
-            <a:pPr lvl="2"/>
-            <a:r>
-              <a:rPr lang="en-GB"/>
-              <a:t>Third level</a:t>
-            </a:r>
-          </a:p>
-          <a:p>
-            <a:pPr lvl="3"/>
-            <a:r>
-              <a:rPr lang="en-GB"/>
-              <a:t>Fourth level</a:t>
-            </a:r>
-          </a:p>
-          <a:p>
-            <a:pPr lvl="4"/>
-            <a:r>
-              <a:rPr lang="en-GB"/>
-              <a:t>Fifth level</a:t>
-            </a:r>
-            <a:endParaRPr lang="en-US" dirty="0"/>
-          </a:p>
-        </p:txBody>
-      </p:sp>
-      <p:sp>
-        <p:nvSpPr>
-          <p:cNvPr id="7" name="Date Placeholder 6"/>
-          <p:cNvSpPr>
-            <a:spLocks noGrp="1"/>
-          </p:cNvSpPr>
-          <p:nvPr>
-            <p:ph type="dt" sz="half" idx="10"/>
-          </p:nvPr>
-        </p:nvSpPr>
-        <p:spPr/>
-        <p:txBody>
-          <a:bodyPr/>
-          <a:lstStyle/>
-          <a:p>
-            <a:fld id="{8F72BA41-EC5B-4197-BCC8-0FD2E523CD7A}" type="datetimeFigureOut">
-              <a:rPr lang="en-US" smtClean="0"/>
-              <a:t>11/1/2023</a:t>
-            </a:fld>
-            <a:endParaRPr lang="en-US"/>
-          </a:p>
-        </p:txBody>
-      </p:sp>
-      <p:sp>
-        <p:nvSpPr>
-          <p:cNvPr id="8" name="Footer Placeholder 7"/>
-          <p:cNvSpPr>
-            <a:spLocks noGrp="1"/>
-          </p:cNvSpPr>
-          <p:nvPr>
-            <p:ph type="ftr" sz="quarter" idx="11"/>
-          </p:nvPr>
-        </p:nvSpPr>
-        <p:spPr/>
-        <p:txBody>
-          <a:bodyPr/>
-          <a:lstStyle/>
-          <a:p>
-            <a:endParaRPr lang="en-US" dirty="0"/>
-          </a:p>
-        </p:txBody>
-      </p:sp>
-      <p:sp>
-        <p:nvSpPr>
-          <p:cNvPr id="9" name="Slide Number Placeholder 8"/>
-          <p:cNvSpPr>
-            <a:spLocks noGrp="1"/>
-          </p:cNvSpPr>
-          <p:nvPr>
-            <p:ph type="sldNum" sz="quarter" idx="12"/>
-          </p:nvPr>
-        </p:nvSpPr>
-        <p:spPr/>
-        <p:txBody>
-          <a:bodyPr/>
-          <a:lstStyle/>
-          <a:p>
-            <a:fld id="{BE15108C-154A-4A5A-9C05-91A49A422BA7}" type="slidenum">
-              <a:rPr lang="en-US" smtClean="0"/>
-              <a:t>‹#›</a:t>
-            </a:fld>
-            <a:endParaRPr lang="en-US"/>
-          </a:p>
-        </p:txBody>
-      </p:sp>
-    </p:spTree>
-    <p:extLst>
-      <p:ext uri="{BB962C8B-B14F-4D97-AF65-F5344CB8AC3E}">
-        <p14:creationId xmlns:p14="http://schemas.microsoft.com/office/powerpoint/2010/main" val="2565573671"/>
+        <p14:creationId xmlns:p14="http://schemas.microsoft.com/office/powerpoint/2010/main" val="4037205283"/>
       </p:ext>
     </p:extLst>
   </p:cSld>
@@ -4495,7 +1953,13 @@
       </p:grpSpPr>
       <p:sp>
         <p:nvSpPr>
-          <p:cNvPr id="2" name="Title 1"/>
+          <p:cNvPr id="2" name="Title 1">
+            <a:extLst>
+              <a:ext uri="{FF2B5EF4-FFF2-40B4-BE49-F238E27FC236}">
+                <a16:creationId xmlns:a16="http://schemas.microsoft.com/office/drawing/2014/main" id="{F977D389-C990-A632-6F79-C37036DDC34C}"/>
+              </a:ext>
+            </a:extLst>
+          </p:cNvPr>
           <p:cNvSpPr>
             <a:spLocks noGrp="1"/>
           </p:cNvSpPr>
@@ -4509,16 +1973,22 @@
           <a:lstStyle/>
           <a:p>
             <a:r>
-              <a:rPr lang="en-GB"/>
+              <a:rPr lang="en-US"/>
               <a:t>Click to edit Master title style</a:t>
             </a:r>
-            <a:endParaRPr lang="en-US" dirty="0"/>
+            <a:endParaRPr lang="nl-NL"/>
           </a:p>
         </p:txBody>
       </p:sp>
       <p:sp>
         <p:nvSpPr>
-          <p:cNvPr id="3" name="Date Placeholder 2"/>
+          <p:cNvPr id="3" name="Date Placeholder 2">
+            <a:extLst>
+              <a:ext uri="{FF2B5EF4-FFF2-40B4-BE49-F238E27FC236}">
+                <a16:creationId xmlns:a16="http://schemas.microsoft.com/office/drawing/2014/main" id="{91F8186B-6F14-D492-7924-C809D95D3FC0}"/>
+              </a:ext>
+            </a:extLst>
+          </p:cNvPr>
           <p:cNvSpPr>
             <a:spLocks noGrp="1"/>
           </p:cNvSpPr>
@@ -4533,7 +2003,7 @@
           <a:p>
             <a:fld id="{8F72BA41-EC5B-4197-BCC8-0FD2E523CD7A}" type="datetimeFigureOut">
               <a:rPr lang="en-US" smtClean="0"/>
-              <a:t>11/1/2023</a:t>
+              <a:t>10/3/2024</a:t>
             </a:fld>
             <a:endParaRPr lang="en-US"/>
           </a:p>
@@ -4541,7 +2011,13 @@
       </p:sp>
       <p:sp>
         <p:nvSpPr>
-          <p:cNvPr id="4" name="Footer Placeholder 3"/>
+          <p:cNvPr id="4" name="Footer Placeholder 3">
+            <a:extLst>
+              <a:ext uri="{FF2B5EF4-FFF2-40B4-BE49-F238E27FC236}">
+                <a16:creationId xmlns:a16="http://schemas.microsoft.com/office/drawing/2014/main" id="{02579B6A-BD94-AAF5-1395-0F52CD0637F3}"/>
+              </a:ext>
+            </a:extLst>
+          </p:cNvPr>
           <p:cNvSpPr>
             <a:spLocks noGrp="1"/>
           </p:cNvSpPr>
@@ -4560,7 +2036,13 @@
       </p:sp>
       <p:sp>
         <p:nvSpPr>
-          <p:cNvPr id="5" name="Slide Number Placeholder 4"/>
+          <p:cNvPr id="5" name="Slide Number Placeholder 4">
+            <a:extLst>
+              <a:ext uri="{FF2B5EF4-FFF2-40B4-BE49-F238E27FC236}">
+                <a16:creationId xmlns:a16="http://schemas.microsoft.com/office/drawing/2014/main" id="{B4742934-0CE3-278A-EE52-0F7127D1568E}"/>
+              </a:ext>
+            </a:extLst>
+          </p:cNvPr>
           <p:cNvSpPr>
             <a:spLocks noGrp="1"/>
           </p:cNvSpPr>
@@ -4584,7 +2066,7 @@
     </p:spTree>
     <p:extLst>
       <p:ext uri="{BB962C8B-B14F-4D97-AF65-F5344CB8AC3E}">
-        <p14:creationId xmlns:p14="http://schemas.microsoft.com/office/powerpoint/2010/main" val="1457975783"/>
+        <p14:creationId xmlns:p14="http://schemas.microsoft.com/office/powerpoint/2010/main" val="2667655608"/>
       </p:ext>
     </p:extLst>
   </p:cSld>
@@ -4613,7 +2095,13 @@
       </p:grpSpPr>
       <p:sp>
         <p:nvSpPr>
-          <p:cNvPr id="2" name="Date Placeholder 1"/>
+          <p:cNvPr id="2" name="Date Placeholder 1">
+            <a:extLst>
+              <a:ext uri="{FF2B5EF4-FFF2-40B4-BE49-F238E27FC236}">
+                <a16:creationId xmlns:a16="http://schemas.microsoft.com/office/drawing/2014/main" id="{C7824474-26E6-ABCF-7D25-DEDB481FF7D3}"/>
+              </a:ext>
+            </a:extLst>
+          </p:cNvPr>
           <p:cNvSpPr>
             <a:spLocks noGrp="1"/>
           </p:cNvSpPr>
@@ -4628,7 +2116,7 @@
           <a:p>
             <a:fld id="{8F72BA41-EC5B-4197-BCC8-0FD2E523CD7A}" type="datetimeFigureOut">
               <a:rPr lang="en-US" smtClean="0"/>
-              <a:t>11/1/2023</a:t>
+              <a:t>10/3/2024</a:t>
             </a:fld>
             <a:endParaRPr lang="en-US"/>
           </a:p>
@@ -4636,7 +2124,13 @@
       </p:sp>
       <p:sp>
         <p:nvSpPr>
-          <p:cNvPr id="3" name="Footer Placeholder 2"/>
+          <p:cNvPr id="3" name="Footer Placeholder 2">
+            <a:extLst>
+              <a:ext uri="{FF2B5EF4-FFF2-40B4-BE49-F238E27FC236}">
+                <a16:creationId xmlns:a16="http://schemas.microsoft.com/office/drawing/2014/main" id="{DC49C303-04F3-E82A-8341-0B591F7B0C11}"/>
+              </a:ext>
+            </a:extLst>
+          </p:cNvPr>
           <p:cNvSpPr>
             <a:spLocks noGrp="1"/>
           </p:cNvSpPr>
@@ -4655,7 +2149,13 @@
       </p:sp>
       <p:sp>
         <p:nvSpPr>
-          <p:cNvPr id="4" name="Slide Number Placeholder 3"/>
+          <p:cNvPr id="4" name="Slide Number Placeholder 3">
+            <a:extLst>
+              <a:ext uri="{FF2B5EF4-FFF2-40B4-BE49-F238E27FC236}">
+                <a16:creationId xmlns:a16="http://schemas.microsoft.com/office/drawing/2014/main" id="{75BDA91A-9A72-1578-CB90-A274784B8229}"/>
+              </a:ext>
+            </a:extLst>
+          </p:cNvPr>
           <p:cNvSpPr>
             <a:spLocks noGrp="1"/>
           </p:cNvSpPr>
@@ -4679,7 +2179,7 @@
     </p:spTree>
     <p:extLst>
       <p:ext uri="{BB962C8B-B14F-4D97-AF65-F5344CB8AC3E}">
-        <p14:creationId xmlns:p14="http://schemas.microsoft.com/office/powerpoint/2010/main" val="3374650768"/>
+        <p14:creationId xmlns:p14="http://schemas.microsoft.com/office/powerpoint/2010/main" val="1403113754"/>
       </p:ext>
     </p:extLst>
   </p:cSld>
@@ -4708,7 +2208,13 @@
       </p:grpSpPr>
       <p:sp>
         <p:nvSpPr>
-          <p:cNvPr id="2" name="Title 1"/>
+          <p:cNvPr id="2" name="Title 1">
+            <a:extLst>
+              <a:ext uri="{FF2B5EF4-FFF2-40B4-BE49-F238E27FC236}">
+                <a16:creationId xmlns:a16="http://schemas.microsoft.com/office/drawing/2014/main" id="{B1AAAAFF-C3BF-05DC-9238-57E637FC9276}"/>
+              </a:ext>
+            </a:extLst>
+          </p:cNvPr>
           <p:cNvSpPr>
             <a:spLocks noGrp="1"/>
           </p:cNvSpPr>
@@ -4718,29 +2224,35 @@
         </p:nvSpPr>
         <p:spPr>
           <a:xfrm>
-            <a:off x="685800" y="1524000"/>
-            <a:ext cx="4114800" cy="1600200"/>
+            <a:off x="839788" y="457200"/>
+            <a:ext cx="3932237" cy="1600200"/>
           </a:xfrm>
         </p:spPr>
         <p:txBody>
           <a:bodyPr anchor="b"/>
           <a:lstStyle>
-            <a:lvl1pPr algn="l">
+            <a:lvl1pPr>
               <a:defRPr sz="3200"/>
             </a:lvl1pPr>
           </a:lstStyle>
           <a:p>
             <a:r>
-              <a:rPr lang="en-GB"/>
+              <a:rPr lang="en-US"/>
               <a:t>Click to edit Master title style</a:t>
             </a:r>
-            <a:endParaRPr lang="en-US" dirty="0"/>
+            <a:endParaRPr lang="nl-NL"/>
           </a:p>
         </p:txBody>
       </p:sp>
       <p:sp>
         <p:nvSpPr>
-          <p:cNvPr id="3" name="Content Placeholder 2"/>
+          <p:cNvPr id="3" name="Content Placeholder 2">
+            <a:extLst>
+              <a:ext uri="{FF2B5EF4-FFF2-40B4-BE49-F238E27FC236}">
+                <a16:creationId xmlns:a16="http://schemas.microsoft.com/office/drawing/2014/main" id="{8599F1E7-87D4-4EF5-A148-6BD8BB519CF8}"/>
+              </a:ext>
+            </a:extLst>
+          </p:cNvPr>
           <p:cNvSpPr>
             <a:spLocks noGrp="1"/>
           </p:cNvSpPr>
@@ -4750,54 +2262,88 @@
         </p:nvSpPr>
         <p:spPr>
           <a:xfrm>
-            <a:off x="4995582" y="746759"/>
-            <a:ext cx="6510618" cy="5471925"/>
+            <a:off x="5183188" y="987425"/>
+            <a:ext cx="6172200" cy="4873625"/>
           </a:xfrm>
         </p:spPr>
         <p:txBody>
-          <a:bodyPr anchor="ctr"/>
-          <a:lstStyle/>
+          <a:bodyPr/>
+          <a:lstStyle>
+            <a:lvl1pPr>
+              <a:defRPr sz="3200"/>
+            </a:lvl1pPr>
+            <a:lvl2pPr>
+              <a:defRPr sz="2800"/>
+            </a:lvl2pPr>
+            <a:lvl3pPr>
+              <a:defRPr sz="2400"/>
+            </a:lvl3pPr>
+            <a:lvl4pPr>
+              <a:defRPr sz="2000"/>
+            </a:lvl4pPr>
+            <a:lvl5pPr>
+              <a:defRPr sz="2000"/>
+            </a:lvl5pPr>
+            <a:lvl6pPr>
+              <a:defRPr sz="2000"/>
+            </a:lvl6pPr>
+            <a:lvl7pPr>
+              <a:defRPr sz="2000"/>
+            </a:lvl7pPr>
+            <a:lvl8pPr>
+              <a:defRPr sz="2000"/>
+            </a:lvl8pPr>
+            <a:lvl9pPr>
+              <a:defRPr sz="2000"/>
+            </a:lvl9pPr>
+          </a:lstStyle>
           <a:p>
             <a:pPr lvl="0"/>
             <a:r>
-              <a:rPr lang="en-GB"/>
+              <a:rPr lang="en-US"/>
               <a:t>Click to edit Master text styles</a:t>
             </a:r>
           </a:p>
           <a:p>
             <a:pPr lvl="1"/>
             <a:r>
-              <a:rPr lang="en-GB"/>
+              <a:rPr lang="en-US"/>
               <a:t>Second level</a:t>
             </a:r>
           </a:p>
           <a:p>
             <a:pPr lvl="2"/>
             <a:r>
-              <a:rPr lang="en-GB"/>
+              <a:rPr lang="en-US"/>
               <a:t>Third level</a:t>
             </a:r>
           </a:p>
           <a:p>
             <a:pPr lvl="3"/>
             <a:r>
-              <a:rPr lang="en-GB"/>
+              <a:rPr lang="en-US"/>
               <a:t>Fourth level</a:t>
             </a:r>
           </a:p>
           <a:p>
             <a:pPr lvl="4"/>
             <a:r>
-              <a:rPr lang="en-GB"/>
+              <a:rPr lang="en-US"/>
               <a:t>Fifth level</a:t>
             </a:r>
-            <a:endParaRPr lang="en-US" dirty="0"/>
+            <a:endParaRPr lang="nl-NL"/>
           </a:p>
         </p:txBody>
       </p:sp>
       <p:sp>
         <p:nvSpPr>
-          <p:cNvPr id="4" name="Text Placeholder 3"/>
+          <p:cNvPr id="4" name="Text Placeholder 3">
+            <a:extLst>
+              <a:ext uri="{FF2B5EF4-FFF2-40B4-BE49-F238E27FC236}">
+                <a16:creationId xmlns:a16="http://schemas.microsoft.com/office/drawing/2014/main" id="{061A21B4-2C3E-DE05-111F-7E82EDED3078}"/>
+              </a:ext>
+            </a:extLst>
+          </p:cNvPr>
           <p:cNvSpPr>
             <a:spLocks noGrp="1"/>
           </p:cNvSpPr>
@@ -4807,8 +2353,8 @@
         </p:nvSpPr>
         <p:spPr>
           <a:xfrm>
-            <a:off x="685800" y="3124199"/>
-            <a:ext cx="4114800" cy="3094485"/>
+            <a:off x="839788" y="2057400"/>
+            <a:ext cx="3932237" cy="3811588"/>
           </a:xfrm>
         </p:spPr>
         <p:txBody>
@@ -4854,7 +2400,7 @@
           <a:p>
             <a:pPr lvl="0"/>
             <a:r>
-              <a:rPr lang="en-GB"/>
+              <a:rPr lang="en-US"/>
               <a:t>Click to edit Master text styles</a:t>
             </a:r>
           </a:p>
@@ -4862,7 +2408,13 @@
       </p:sp>
       <p:sp>
         <p:nvSpPr>
-          <p:cNvPr id="5" name="Date Placeholder 4"/>
+          <p:cNvPr id="5" name="Date Placeholder 4">
+            <a:extLst>
+              <a:ext uri="{FF2B5EF4-FFF2-40B4-BE49-F238E27FC236}">
+                <a16:creationId xmlns:a16="http://schemas.microsoft.com/office/drawing/2014/main" id="{7240C041-CA4A-43EB-71E5-E4ABF55CEC6D}"/>
+              </a:ext>
+            </a:extLst>
+          </p:cNvPr>
           <p:cNvSpPr>
             <a:spLocks noGrp="1"/>
           </p:cNvSpPr>
@@ -4877,7 +2429,7 @@
           <a:p>
             <a:fld id="{8F72BA41-EC5B-4197-BCC8-0FD2E523CD7A}" type="datetimeFigureOut">
               <a:rPr lang="en-US" smtClean="0"/>
-              <a:t>11/1/2023</a:t>
+              <a:t>10/3/2024</a:t>
             </a:fld>
             <a:endParaRPr lang="en-US"/>
           </a:p>
@@ -4885,7 +2437,13 @@
       </p:sp>
       <p:sp>
         <p:nvSpPr>
-          <p:cNvPr id="6" name="Footer Placeholder 5"/>
+          <p:cNvPr id="6" name="Footer Placeholder 5">
+            <a:extLst>
+              <a:ext uri="{FF2B5EF4-FFF2-40B4-BE49-F238E27FC236}">
+                <a16:creationId xmlns:a16="http://schemas.microsoft.com/office/drawing/2014/main" id="{5F3E422C-CCFF-12E4-5980-CAA5093D41AE}"/>
+              </a:ext>
+            </a:extLst>
+          </p:cNvPr>
           <p:cNvSpPr>
             <a:spLocks noGrp="1"/>
           </p:cNvSpPr>
@@ -4904,7 +2462,13 @@
       </p:sp>
       <p:sp>
         <p:nvSpPr>
-          <p:cNvPr id="7" name="Slide Number Placeholder 6"/>
+          <p:cNvPr id="7" name="Slide Number Placeholder 6">
+            <a:extLst>
+              <a:ext uri="{FF2B5EF4-FFF2-40B4-BE49-F238E27FC236}">
+                <a16:creationId xmlns:a16="http://schemas.microsoft.com/office/drawing/2014/main" id="{57C14482-8127-0808-6C24-1A0FF557B658}"/>
+              </a:ext>
+            </a:extLst>
+          </p:cNvPr>
           <p:cNvSpPr>
             <a:spLocks noGrp="1"/>
           </p:cNvSpPr>
@@ -4928,7 +2492,7 @@
     </p:spTree>
     <p:extLst>
       <p:ext uri="{BB962C8B-B14F-4D97-AF65-F5344CB8AC3E}">
-        <p14:creationId xmlns:p14="http://schemas.microsoft.com/office/powerpoint/2010/main" val="1238943979"/>
+        <p14:creationId xmlns:p14="http://schemas.microsoft.com/office/powerpoint/2010/main" val="3181724322"/>
       </p:ext>
     </p:extLst>
   </p:cSld>
@@ -4957,7 +2521,13 @@
       </p:grpSpPr>
       <p:sp>
         <p:nvSpPr>
-          <p:cNvPr id="2" name="Title 1"/>
+          <p:cNvPr id="2" name="Title 1">
+            <a:extLst>
+              <a:ext uri="{FF2B5EF4-FFF2-40B4-BE49-F238E27FC236}">
+                <a16:creationId xmlns:a16="http://schemas.microsoft.com/office/drawing/2014/main" id="{649871D9-004A-3E6F-A5E6-30CD12BD6D6B}"/>
+              </a:ext>
+            </a:extLst>
+          </p:cNvPr>
           <p:cNvSpPr>
             <a:spLocks noGrp="1"/>
           </p:cNvSpPr>
@@ -4967,31 +2537,37 @@
         </p:nvSpPr>
         <p:spPr>
           <a:xfrm>
-            <a:off x="685800" y="1524000"/>
-            <a:ext cx="6873240" cy="1600200"/>
+            <a:off x="839788" y="457200"/>
+            <a:ext cx="3932237" cy="1600200"/>
           </a:xfrm>
         </p:spPr>
         <p:txBody>
           <a:bodyPr anchor="b"/>
           <a:lstStyle>
-            <a:lvl1pPr algn="l">
+            <a:lvl1pPr>
               <a:defRPr sz="3200"/>
             </a:lvl1pPr>
           </a:lstStyle>
           <a:p>
             <a:r>
-              <a:rPr lang="en-GB"/>
+              <a:rPr lang="en-US"/>
               <a:t>Click to edit Master title style</a:t>
             </a:r>
-            <a:endParaRPr lang="en-US" dirty="0"/>
+            <a:endParaRPr lang="nl-NL"/>
           </a:p>
         </p:txBody>
       </p:sp>
       <p:sp>
         <p:nvSpPr>
-          <p:cNvPr id="3" name="Picture Placeholder 2"/>
+          <p:cNvPr id="3" name="Picture Placeholder 2">
+            <a:extLst>
+              <a:ext uri="{FF2B5EF4-FFF2-40B4-BE49-F238E27FC236}">
+                <a16:creationId xmlns:a16="http://schemas.microsoft.com/office/drawing/2014/main" id="{3B459A9A-DDBA-0CFC-2A37-2336DA5271CE}"/>
+              </a:ext>
+            </a:extLst>
+          </p:cNvPr>
           <p:cNvSpPr>
-            <a:spLocks noGrp="1" noChangeAspect="1"/>
+            <a:spLocks noGrp="1"/>
           </p:cNvSpPr>
           <p:nvPr>
             <p:ph type="pic" idx="1"/>
@@ -4999,12 +2575,12 @@
         </p:nvSpPr>
         <p:spPr>
           <a:xfrm>
-            <a:off x="7861238" y="751241"/>
-            <a:ext cx="3644962" cy="5467443"/>
+            <a:off x="5183188" y="987425"/>
+            <a:ext cx="6172200" cy="4873625"/>
           </a:xfrm>
         </p:spPr>
         <p:txBody>
-          <a:bodyPr anchor="t"/>
+          <a:bodyPr/>
           <a:lstStyle>
             <a:lvl1pPr marL="0" indent="0">
               <a:buNone/>
@@ -5044,17 +2620,19 @@
             </a:lvl9pPr>
           </a:lstStyle>
           <a:p>
-            <a:r>
-              <a:rPr lang="en-GB"/>
-              <a:t>Click icon to add picture</a:t>
-            </a:r>
-            <a:endParaRPr lang="en-US" dirty="0"/>
+            <a:endParaRPr lang="nl-NL"/>
           </a:p>
         </p:txBody>
       </p:sp>
       <p:sp>
         <p:nvSpPr>
-          <p:cNvPr id="4" name="Text Placeholder 3"/>
+          <p:cNvPr id="4" name="Text Placeholder 3">
+            <a:extLst>
+              <a:ext uri="{FF2B5EF4-FFF2-40B4-BE49-F238E27FC236}">
+                <a16:creationId xmlns:a16="http://schemas.microsoft.com/office/drawing/2014/main" id="{6CE50D40-1D5D-5534-45CD-214291F22EC6}"/>
+              </a:ext>
+            </a:extLst>
+          </p:cNvPr>
           <p:cNvSpPr>
             <a:spLocks noGrp="1"/>
           </p:cNvSpPr>
@@ -5064,8 +2642,8 @@
         </p:nvSpPr>
         <p:spPr>
           <a:xfrm>
-            <a:off x="685800" y="3124199"/>
-            <a:ext cx="6873240" cy="3094485"/>
+            <a:off x="839788" y="2057400"/>
+            <a:ext cx="3932237" cy="3811588"/>
           </a:xfrm>
         </p:spPr>
         <p:txBody>
@@ -5111,7 +2689,7 @@
           <a:p>
             <a:pPr lvl="0"/>
             <a:r>
-              <a:rPr lang="en-GB"/>
+              <a:rPr lang="en-US"/>
               <a:t>Click to edit Master text styles</a:t>
             </a:r>
           </a:p>
@@ -5119,7 +2697,13 @@
       </p:sp>
       <p:sp>
         <p:nvSpPr>
-          <p:cNvPr id="5" name="Date Placeholder 4"/>
+          <p:cNvPr id="5" name="Date Placeholder 4">
+            <a:extLst>
+              <a:ext uri="{FF2B5EF4-FFF2-40B4-BE49-F238E27FC236}">
+                <a16:creationId xmlns:a16="http://schemas.microsoft.com/office/drawing/2014/main" id="{12C09749-0F2F-91A3-6F91-D1CA0368AFBE}"/>
+              </a:ext>
+            </a:extLst>
+          </p:cNvPr>
           <p:cNvSpPr>
             <a:spLocks noGrp="1"/>
           </p:cNvSpPr>
@@ -5134,7 +2718,7 @@
           <a:p>
             <a:fld id="{8F72BA41-EC5B-4197-BCC8-0FD2E523CD7A}" type="datetimeFigureOut">
               <a:rPr lang="en-US" smtClean="0"/>
-              <a:t>11/1/2023</a:t>
+              <a:t>10/3/2024</a:t>
             </a:fld>
             <a:endParaRPr lang="en-US"/>
           </a:p>
@@ -5142,7 +2726,13 @@
       </p:sp>
       <p:sp>
         <p:nvSpPr>
-          <p:cNvPr id="6" name="Footer Placeholder 5"/>
+          <p:cNvPr id="6" name="Footer Placeholder 5">
+            <a:extLst>
+              <a:ext uri="{FF2B5EF4-FFF2-40B4-BE49-F238E27FC236}">
+                <a16:creationId xmlns:a16="http://schemas.microsoft.com/office/drawing/2014/main" id="{F020BC8F-E379-1623-721B-B642AC5A56D2}"/>
+              </a:ext>
+            </a:extLst>
+          </p:cNvPr>
           <p:cNvSpPr>
             <a:spLocks noGrp="1"/>
           </p:cNvSpPr>
@@ -5161,7 +2751,13 @@
       </p:sp>
       <p:sp>
         <p:nvSpPr>
-          <p:cNvPr id="7" name="Slide Number Placeholder 6"/>
+          <p:cNvPr id="7" name="Slide Number Placeholder 6">
+            <a:extLst>
+              <a:ext uri="{FF2B5EF4-FFF2-40B4-BE49-F238E27FC236}">
+                <a16:creationId xmlns:a16="http://schemas.microsoft.com/office/drawing/2014/main" id="{F24D054F-89FC-73B7-36B5-4DE33C81B75C}"/>
+              </a:ext>
+            </a:extLst>
+          </p:cNvPr>
           <p:cNvSpPr>
             <a:spLocks noGrp="1"/>
           </p:cNvSpPr>
@@ -5185,7 +2781,7 @@
     </p:spTree>
     <p:extLst>
       <p:ext uri="{BB962C8B-B14F-4D97-AF65-F5344CB8AC3E}">
-        <p14:creationId xmlns:p14="http://schemas.microsoft.com/office/powerpoint/2010/main" val="4166150036"/>
+        <p14:creationId xmlns:p14="http://schemas.microsoft.com/office/powerpoint/2010/main" val="1816283436"/>
       </p:ext>
     </p:extLst>
   </p:cSld>
@@ -5217,39 +2813,15 @@
           <a:chExt cx="0" cy="0"/>
         </a:xfrm>
       </p:grpSpPr>
-      <p:pic>
-        <p:nvPicPr>
-          <p:cNvPr id="7" name="Picture 6" descr="C0-HD-TOP.png"/>
-          <p:cNvPicPr>
-            <a:picLocks noChangeAspect="1"/>
-          </p:cNvPicPr>
-          <p:nvPr/>
-        </p:nvPicPr>
-        <p:blipFill>
-          <a:blip r:embed="rId19">
-            <a:extLst>
-              <a:ext uri="{28A0092B-C50C-407E-A947-70E740481C1C}">
-                <a14:useLocalDpi xmlns:a14="http://schemas.microsoft.com/office/drawing/2010/main" val="0"/>
-              </a:ext>
-            </a:extLst>
-          </a:blip>
-          <a:stretch>
-            <a:fillRect/>
-          </a:stretch>
-        </p:blipFill>
-        <p:spPr>
-          <a:xfrm>
-            <a:off x="0" y="0"/>
-            <a:ext cx="12192000" cy="1441450"/>
-          </a:xfrm>
-          <a:prstGeom prst="rect">
-            <a:avLst/>
-          </a:prstGeom>
-        </p:spPr>
-      </p:pic>
       <p:sp>
         <p:nvSpPr>
-          <p:cNvPr id="2" name="Title Placeholder 1"/>
+          <p:cNvPr id="2" name="Title Placeholder 1">
+            <a:extLst>
+              <a:ext uri="{FF2B5EF4-FFF2-40B4-BE49-F238E27FC236}">
+                <a16:creationId xmlns:a16="http://schemas.microsoft.com/office/drawing/2014/main" id="{C67DC62B-A305-B123-49BC-0D5407325075}"/>
+              </a:ext>
+            </a:extLst>
+          </p:cNvPr>
           <p:cNvSpPr>
             <a:spLocks noGrp="1"/>
           </p:cNvSpPr>
@@ -5259,8 +2831,8 @@
         </p:nvSpPr>
         <p:spPr>
           <a:xfrm>
-            <a:off x="2895600" y="764373"/>
-            <a:ext cx="8610600" cy="1293028"/>
+            <a:off x="838200" y="365125"/>
+            <a:ext cx="10515600" cy="1325563"/>
           </a:xfrm>
           <a:prstGeom prst="rect">
             <a:avLst/>
@@ -5273,16 +2845,22 @@
           <a:lstStyle/>
           <a:p>
             <a:r>
-              <a:rPr lang="en-GB"/>
+              <a:rPr lang="en-US"/>
               <a:t>Click to edit Master title style</a:t>
             </a:r>
-            <a:endParaRPr lang="en-US" dirty="0"/>
+            <a:endParaRPr lang="nl-NL"/>
           </a:p>
         </p:txBody>
       </p:sp>
       <p:sp>
         <p:nvSpPr>
-          <p:cNvPr id="3" name="Text Placeholder 2"/>
+          <p:cNvPr id="3" name="Text Placeholder 2">
+            <a:extLst>
+              <a:ext uri="{FF2B5EF4-FFF2-40B4-BE49-F238E27FC236}">
+                <a16:creationId xmlns:a16="http://schemas.microsoft.com/office/drawing/2014/main" id="{F9E70845-1F47-EFB8-18BB-752FF66AE4FB}"/>
+              </a:ext>
+            </a:extLst>
+          </p:cNvPr>
           <p:cNvSpPr>
             <a:spLocks noGrp="1"/>
           </p:cNvSpPr>
@@ -5292,8 +2870,8 @@
         </p:nvSpPr>
         <p:spPr>
           <a:xfrm>
-            <a:off x="685800" y="2194560"/>
-            <a:ext cx="10820400" cy="4024125"/>
+            <a:off x="838200" y="1825625"/>
+            <a:ext cx="10515600" cy="4351338"/>
           </a:xfrm>
           <a:prstGeom prst="rect">
             <a:avLst/>
@@ -5307,44 +2885,50 @@
           <a:p>
             <a:pPr lvl="0"/>
             <a:r>
-              <a:rPr lang="en-GB"/>
+              <a:rPr lang="en-US"/>
               <a:t>Click to edit Master text styles</a:t>
             </a:r>
           </a:p>
           <a:p>
             <a:pPr lvl="1"/>
             <a:r>
-              <a:rPr lang="en-GB"/>
+              <a:rPr lang="en-US"/>
               <a:t>Second level</a:t>
             </a:r>
           </a:p>
           <a:p>
             <a:pPr lvl="2"/>
             <a:r>
-              <a:rPr lang="en-GB"/>
+              <a:rPr lang="en-US"/>
               <a:t>Third level</a:t>
             </a:r>
           </a:p>
           <a:p>
             <a:pPr lvl="3"/>
             <a:r>
-              <a:rPr lang="en-GB"/>
+              <a:rPr lang="en-US"/>
               <a:t>Fourth level</a:t>
             </a:r>
           </a:p>
           <a:p>
             <a:pPr lvl="4"/>
             <a:r>
-              <a:rPr lang="en-GB"/>
+              <a:rPr lang="en-US"/>
               <a:t>Fifth level</a:t>
             </a:r>
-            <a:endParaRPr lang="en-US" dirty="0"/>
+            <a:endParaRPr lang="nl-NL"/>
           </a:p>
         </p:txBody>
       </p:sp>
       <p:sp>
         <p:nvSpPr>
-          <p:cNvPr id="4" name="Date Placeholder 3"/>
+          <p:cNvPr id="4" name="Date Placeholder 3">
+            <a:extLst>
+              <a:ext uri="{FF2B5EF4-FFF2-40B4-BE49-F238E27FC236}">
+                <a16:creationId xmlns:a16="http://schemas.microsoft.com/office/drawing/2014/main" id="{87391FA4-D75E-CB58-9F13-4809BA71F4CF}"/>
+              </a:ext>
+            </a:extLst>
+          </p:cNvPr>
           <p:cNvSpPr>
             <a:spLocks noGrp="1"/>
           </p:cNvSpPr>
@@ -5354,8 +2938,8 @@
         </p:nvSpPr>
         <p:spPr>
           <a:xfrm>
-            <a:off x="8595360" y="6356350"/>
-            <a:ext cx="2910840" cy="365125"/>
+            <a:off x="838200" y="6356350"/>
+            <a:ext cx="2743200" cy="365125"/>
           </a:xfrm>
           <a:prstGeom prst="rect">
             <a:avLst/>
@@ -5364,11 +2948,11 @@
         <p:txBody>
           <a:bodyPr vert="horz" lIns="91440" tIns="45720" rIns="91440" bIns="45720" rtlCol="0" anchor="ctr"/>
           <a:lstStyle>
-            <a:lvl1pPr algn="r">
-              <a:defRPr sz="1050">
+            <a:lvl1pPr algn="l">
+              <a:defRPr sz="1200">
                 <a:solidFill>
                   <a:schemeClr val="tx1">
-                    <a:tint val="75000"/>
+                    <a:tint val="82000"/>
                   </a:schemeClr>
                 </a:solidFill>
               </a:defRPr>
@@ -5378,7 +2962,7 @@
             <a:fld id="{8F72BA41-EC5B-4197-BCC8-0FD2E523CD7A}" type="datetimeFigureOut">
               <a:rPr lang="en-US" smtClean="0"/>
               <a:pPr/>
-              <a:t>11/1/2023</a:t>
+              <a:t>10/3/2024</a:t>
             </a:fld>
             <a:endParaRPr lang="en-US" dirty="0"/>
           </a:p>
@@ -5386,7 +2970,13 @@
       </p:sp>
       <p:sp>
         <p:nvSpPr>
-          <p:cNvPr id="5" name="Footer Placeholder 4"/>
+          <p:cNvPr id="5" name="Footer Placeholder 4">
+            <a:extLst>
+              <a:ext uri="{FF2B5EF4-FFF2-40B4-BE49-F238E27FC236}">
+                <a16:creationId xmlns:a16="http://schemas.microsoft.com/office/drawing/2014/main" id="{D3117540-472E-7D51-610D-813961D66F52}"/>
+              </a:ext>
+            </a:extLst>
+          </p:cNvPr>
           <p:cNvSpPr>
             <a:spLocks noGrp="1"/>
           </p:cNvSpPr>
@@ -5396,8 +2986,8 @@
         </p:nvSpPr>
         <p:spPr>
           <a:xfrm>
-            <a:off x="685800" y="6355845"/>
-            <a:ext cx="7772400" cy="365125"/>
+            <a:off x="4038600" y="6356350"/>
+            <a:ext cx="4114800" cy="365125"/>
           </a:xfrm>
           <a:prstGeom prst="rect">
             <a:avLst/>
@@ -5406,11 +2996,11 @@
         <p:txBody>
           <a:bodyPr vert="horz" lIns="91440" tIns="45720" rIns="91440" bIns="45720" rtlCol="0" anchor="ctr"/>
           <a:lstStyle>
-            <a:lvl1pPr algn="l">
-              <a:defRPr sz="1050">
+            <a:lvl1pPr algn="ctr">
+              <a:defRPr sz="1200">
                 <a:solidFill>
                   <a:schemeClr val="tx1">
-                    <a:tint val="75000"/>
+                    <a:tint val="82000"/>
                   </a:schemeClr>
                 </a:solidFill>
               </a:defRPr>
@@ -5423,7 +3013,13 @@
       </p:sp>
       <p:sp>
         <p:nvSpPr>
-          <p:cNvPr id="6" name="Slide Number Placeholder 5"/>
+          <p:cNvPr id="6" name="Slide Number Placeholder 5">
+            <a:extLst>
+              <a:ext uri="{FF2B5EF4-FFF2-40B4-BE49-F238E27FC236}">
+                <a16:creationId xmlns:a16="http://schemas.microsoft.com/office/drawing/2014/main" id="{96038062-51BA-3755-4352-ACD3757E5026}"/>
+              </a:ext>
+            </a:extLst>
+          </p:cNvPr>
           <p:cNvSpPr>
             <a:spLocks noGrp="1"/>
           </p:cNvSpPr>
@@ -5433,7 +3029,7 @@
         </p:nvSpPr>
         <p:spPr>
           <a:xfrm>
-            <a:off x="8763000" y="381000"/>
+            <a:off x="8610600" y="6356350"/>
             <a:ext cx="2743200" cy="365125"/>
           </a:xfrm>
           <a:prstGeom prst="rect">
@@ -5444,10 +3040,10 @@
           <a:bodyPr vert="horz" lIns="91440" tIns="45720" rIns="91440" bIns="45720" rtlCol="0" anchor="ctr"/>
           <a:lstStyle>
             <a:lvl1pPr algn="r">
-              <a:defRPr sz="1050">
+              <a:defRPr sz="1200">
                 <a:solidFill>
                   <a:schemeClr val="tx1">
-                    <a:tint val="75000"/>
+                    <a:tint val="82000"/>
                   </a:schemeClr>
                 </a:solidFill>
               </a:defRPr>
@@ -5466,33 +3062,27 @@
     </p:spTree>
     <p:extLst>
       <p:ext uri="{BB962C8B-B14F-4D97-AF65-F5344CB8AC3E}">
-        <p14:creationId xmlns:p14="http://schemas.microsoft.com/office/powerpoint/2010/main" val="4264014764"/>
+        <p14:creationId xmlns:p14="http://schemas.microsoft.com/office/powerpoint/2010/main" val="1157462102"/>
       </p:ext>
     </p:extLst>
   </p:cSld>
-  <p:clrMap bg1="dk1" tx1="lt1" bg2="dk2" tx2="lt2" accent1="accent1" accent2="accent2" accent3="accent3" accent4="accent4" accent5="accent5" accent6="accent6" hlink="hlink" folHlink="folHlink"/>
+  <p:clrMap bg1="lt1" tx1="dk1" bg2="lt2" tx2="dk2" accent1="accent1" accent2="accent2" accent3="accent3" accent4="accent4" accent5="accent5" accent6="accent6" hlink="hlink" folHlink="folHlink"/>
   <p:sldLayoutIdLst>
-    <p:sldLayoutId id="2147483688" r:id="rId1"/>
-    <p:sldLayoutId id="2147483689" r:id="rId2"/>
-    <p:sldLayoutId id="2147483690" r:id="rId3"/>
-    <p:sldLayoutId id="2147483691" r:id="rId4"/>
-    <p:sldLayoutId id="2147483692" r:id="rId5"/>
-    <p:sldLayoutId id="2147483693" r:id="rId6"/>
-    <p:sldLayoutId id="2147483694" r:id="rId7"/>
-    <p:sldLayoutId id="2147483695" r:id="rId8"/>
-    <p:sldLayoutId id="2147483696" r:id="rId9"/>
-    <p:sldLayoutId id="2147483697" r:id="rId10"/>
-    <p:sldLayoutId id="2147483698" r:id="rId11"/>
-    <p:sldLayoutId id="2147483699" r:id="rId12"/>
-    <p:sldLayoutId id="2147483700" r:id="rId13"/>
-    <p:sldLayoutId id="2147483701" r:id="rId14"/>
-    <p:sldLayoutId id="2147483702" r:id="rId15"/>
-    <p:sldLayoutId id="2147483703" r:id="rId16"/>
-    <p:sldLayoutId id="2147483704" r:id="rId17"/>
+    <p:sldLayoutId id="2147483706" r:id="rId1"/>
+    <p:sldLayoutId id="2147483707" r:id="rId2"/>
+    <p:sldLayoutId id="2147483708" r:id="rId3"/>
+    <p:sldLayoutId id="2147483709" r:id="rId4"/>
+    <p:sldLayoutId id="2147483710" r:id="rId5"/>
+    <p:sldLayoutId id="2147483711" r:id="rId6"/>
+    <p:sldLayoutId id="2147483712" r:id="rId7"/>
+    <p:sldLayoutId id="2147483713" r:id="rId8"/>
+    <p:sldLayoutId id="2147483714" r:id="rId9"/>
+    <p:sldLayoutId id="2147483715" r:id="rId10"/>
+    <p:sldLayoutId id="2147483716" r:id="rId11"/>
   </p:sldLayoutIdLst>
   <p:txStyles>
     <p:titleStyle>
-      <a:lvl1pPr algn="r" defTabSz="914400" rtl="0" eaLnBrk="1" latinLnBrk="0" hangingPunct="1">
+      <a:lvl1pPr algn="l" defTabSz="914400" rtl="0" eaLnBrk="1" latinLnBrk="0" hangingPunct="1">
         <a:lnSpc>
           <a:spcPct val="90000"/>
         </a:lnSpc>
@@ -5500,7 +3090,7 @@
           <a:spcPct val="0"/>
         </a:spcBef>
         <a:buNone/>
-        <a:defRPr sz="4000" kern="1200" cap="all" baseline="0">
+        <a:defRPr sz="4400" kern="1200">
           <a:solidFill>
             <a:schemeClr val="tx1"/>
           </a:solidFill>
@@ -5520,7 +3110,7 @@
         </a:spcBef>
         <a:buFont typeface="Arial" panose="020B0604020202020204" pitchFamily="34" charset="0"/>
         <a:buChar char="•"/>
-        <a:defRPr sz="2200" kern="1200">
+        <a:defRPr sz="2800" kern="1200">
           <a:solidFill>
             <a:schemeClr val="tx1"/>
           </a:solidFill>
@@ -5538,7 +3128,7 @@
         </a:spcBef>
         <a:buFont typeface="Arial" panose="020B0604020202020204" pitchFamily="34" charset="0"/>
         <a:buChar char="•"/>
-        <a:defRPr sz="2000" kern="1200">
+        <a:defRPr sz="2400" kern="1200">
           <a:solidFill>
             <a:schemeClr val="tx1"/>
           </a:solidFill>
@@ -5556,7 +3146,7 @@
         </a:spcBef>
         <a:buFont typeface="Arial" panose="020B0604020202020204" pitchFamily="34" charset="0"/>
         <a:buChar char="•"/>
-        <a:defRPr sz="1800" kern="1200">
+        <a:defRPr sz="2000" kern="1200">
           <a:solidFill>
             <a:schemeClr val="tx1"/>
           </a:solidFill>
@@ -5574,7 +3164,7 @@
         </a:spcBef>
         <a:buFont typeface="Arial" panose="020B0604020202020204" pitchFamily="34" charset="0"/>
         <a:buChar char="•"/>
-        <a:defRPr sz="1600" kern="1200">
+        <a:defRPr sz="1800" kern="1200">
           <a:solidFill>
             <a:schemeClr val="tx1"/>
           </a:solidFill>
@@ -5592,7 +3182,7 @@
         </a:spcBef>
         <a:buFont typeface="Arial" panose="020B0604020202020204" pitchFamily="34" charset="0"/>
         <a:buChar char="•"/>
-        <a:defRPr sz="1600" kern="1200">
+        <a:defRPr sz="1800" kern="1200">
           <a:solidFill>
             <a:schemeClr val="tx1"/>
           </a:solidFill>
@@ -5610,7 +3200,7 @@
         </a:spcBef>
         <a:buFont typeface="Arial" panose="020B0604020202020204" pitchFamily="34" charset="0"/>
         <a:buChar char="•"/>
-        <a:defRPr sz="1600" kern="1200">
+        <a:defRPr sz="1800" kern="1200">
           <a:solidFill>
             <a:schemeClr val="tx1"/>
           </a:solidFill>
@@ -5628,7 +3218,7 @@
         </a:spcBef>
         <a:buFont typeface="Arial" panose="020B0604020202020204" pitchFamily="34" charset="0"/>
         <a:buChar char="•"/>
-        <a:defRPr sz="1600" kern="1200">
+        <a:defRPr sz="1800" kern="1200">
           <a:solidFill>
             <a:schemeClr val="tx1"/>
           </a:solidFill>
@@ -5646,7 +3236,7 @@
         </a:spcBef>
         <a:buFont typeface="Arial" panose="020B0604020202020204" pitchFamily="34" charset="0"/>
         <a:buChar char="•"/>
-        <a:defRPr sz="1600" kern="1200">
+        <a:defRPr sz="1800" kern="1200">
           <a:solidFill>
             <a:schemeClr val="tx1"/>
           </a:solidFill>
@@ -5664,7 +3254,7 @@
         </a:spcBef>
         <a:buFont typeface="Arial" panose="020B0604020202020204" pitchFamily="34" charset="0"/>
         <a:buChar char="•"/>
-        <a:defRPr sz="1600" kern="1200">
+        <a:defRPr sz="1800" kern="1200">
           <a:solidFill>
             <a:schemeClr val="tx1"/>
           </a:solidFill>
@@ -5676,7 +3266,7 @@
     </p:bodyStyle>
     <p:otherStyle>
       <a:defPPr>
-        <a:defRPr lang="en-US"/>
+        <a:defRPr lang="nl-NL"/>
       </a:defPPr>
       <a:lvl1pPr marL="0" algn="l" defTabSz="914400" rtl="0" eaLnBrk="1" latinLnBrk="0" hangingPunct="1">
         <a:defRPr sz="1800" kern="1200">
@@ -14225,7 +11815,7 @@
         </p:spPr>
         <p:txBody>
           <a:bodyPr>
-            <a:normAutofit fontScale="90000"/>
+            <a:normAutofit/>
           </a:bodyPr>
           <a:lstStyle/>
           <a:p>
@@ -16914,9 +14504,9 @@
 </file>
 
 <file path=ppt/theme/theme1.xml><?xml version="1.0" encoding="utf-8"?>
-<a:theme xmlns:a="http://schemas.openxmlformats.org/drawingml/2006/main" name="Vapor Trail">
+<a:theme xmlns:a="http://schemas.openxmlformats.org/drawingml/2006/main" name="Office Theme">
   <a:themeElements>
-    <a:clrScheme name="Vapor Trail">
+    <a:clrScheme name="Office">
       <a:dk1>
         <a:sysClr val="windowText" lastClr="000000"/>
       </a:dk1>
@@ -16924,44 +14514,44 @@
         <a:sysClr val="window" lastClr="FFFFFF"/>
       </a:lt1>
       <a:dk2>
-        <a:srgbClr val="454545"/>
+        <a:srgbClr val="0E2841"/>
       </a:dk2>
       <a:lt2>
-        <a:srgbClr val="DADADA"/>
+        <a:srgbClr val="E8E8E8"/>
       </a:lt2>
       <a:accent1>
-        <a:srgbClr val="DF2E28"/>
+        <a:srgbClr val="156082"/>
       </a:accent1>
       <a:accent2>
-        <a:srgbClr val="FE801A"/>
+        <a:srgbClr val="E97132"/>
       </a:accent2>
       <a:accent3>
-        <a:srgbClr val="E9BF35"/>
+        <a:srgbClr val="196B24"/>
       </a:accent3>
       <a:accent4>
-        <a:srgbClr val="81BB42"/>
+        <a:srgbClr val="0F9ED5"/>
       </a:accent4>
       <a:accent5>
-        <a:srgbClr val="32C7A9"/>
+        <a:srgbClr val="A02B93"/>
       </a:accent5>
       <a:accent6>
-        <a:srgbClr val="4A9BDC"/>
+        <a:srgbClr val="4EA72E"/>
       </a:accent6>
       <a:hlink>
-        <a:srgbClr val="F0532B"/>
+        <a:srgbClr val="467886"/>
       </a:hlink>
       <a:folHlink>
-        <a:srgbClr val="F38B53"/>
+        <a:srgbClr val="96607D"/>
       </a:folHlink>
     </a:clrScheme>
-    <a:fontScheme name="Vapor Trail">
+    <a:fontScheme name="Office">
       <a:majorFont>
-        <a:latin typeface="Century Gothic" panose="020B0502020202020204"/>
+        <a:latin typeface="Aptos Display" panose="02110004020202020204"/>
         <a:ea typeface=""/>
         <a:cs typeface=""/>
-        <a:font script="Jpan" typeface="ＭＳ Ｐゴシック"/>
+        <a:font script="Jpan" typeface="游ゴシック Light"/>
         <a:font script="Hang" typeface="맑은 고딕"/>
-        <a:font script="Hans" typeface="宋体"/>
+        <a:font script="Hans" typeface="等线 Light"/>
         <a:font script="Hant" typeface="新細明體"/>
         <a:font script="Arab" typeface="Times New Roman"/>
         <a:font script="Hebr" typeface="Times New Roman"/>
@@ -16989,14 +14579,31 @@
         <a:font script="Viet" typeface="Times New Roman"/>
         <a:font script="Uigh" typeface="Microsoft Uighur"/>
         <a:font script="Geor" typeface="Sylfaen"/>
+        <a:font script="Armn" typeface="Arial"/>
+        <a:font script="Bugi" typeface="Leelawadee UI"/>
+        <a:font script="Bopo" typeface="Microsoft JhengHei"/>
+        <a:font script="Java" typeface="Javanese Text"/>
+        <a:font script="Lisu" typeface="Segoe UI"/>
+        <a:font script="Mymr" typeface="Myanmar Text"/>
+        <a:font script="Nkoo" typeface="Ebrima"/>
+        <a:font script="Olck" typeface="Nirmala UI"/>
+        <a:font script="Osma" typeface="Ebrima"/>
+        <a:font script="Phag" typeface="Phagspa"/>
+        <a:font script="Syrn" typeface="Estrangelo Edessa"/>
+        <a:font script="Syrj" typeface="Estrangelo Edessa"/>
+        <a:font script="Syre" typeface="Estrangelo Edessa"/>
+        <a:font script="Sora" typeface="Nirmala UI"/>
+        <a:font script="Tale" typeface="Microsoft Tai Le"/>
+        <a:font script="Talu" typeface="Microsoft New Tai Lue"/>
+        <a:font script="Tfng" typeface="Ebrima"/>
       </a:majorFont>
       <a:minorFont>
-        <a:latin typeface="Century Gothic" panose="020B0502020202020204"/>
+        <a:latin typeface="Aptos" panose="02110004020202020204"/>
         <a:ea typeface=""/>
         <a:cs typeface=""/>
-        <a:font script="Jpan" typeface="ＭＳ Ｐゴシック"/>
+        <a:font script="Jpan" typeface="游ゴシック"/>
         <a:font script="Hang" typeface="맑은 고딕"/>
-        <a:font script="Hans" typeface="宋体"/>
+        <a:font script="Hans" typeface="等线"/>
         <a:font script="Hant" typeface="新細明體"/>
         <a:font script="Arab" typeface="Arial"/>
         <a:font script="Hebr" typeface="Arial"/>
@@ -17024,9 +14631,26 @@
         <a:font script="Viet" typeface="Arial"/>
         <a:font script="Uigh" typeface="Microsoft Uighur"/>
         <a:font script="Geor" typeface="Sylfaen"/>
+        <a:font script="Armn" typeface="Arial"/>
+        <a:font script="Bugi" typeface="Leelawadee UI"/>
+        <a:font script="Bopo" typeface="Microsoft JhengHei"/>
+        <a:font script="Java" typeface="Javanese Text"/>
+        <a:font script="Lisu" typeface="Segoe UI"/>
+        <a:font script="Mymr" typeface="Myanmar Text"/>
+        <a:font script="Nkoo" typeface="Ebrima"/>
+        <a:font script="Olck" typeface="Nirmala UI"/>
+        <a:font script="Osma" typeface="Ebrima"/>
+        <a:font script="Phag" typeface="Phagspa"/>
+        <a:font script="Syrn" typeface="Estrangelo Edessa"/>
+        <a:font script="Syrj" typeface="Estrangelo Edessa"/>
+        <a:font script="Syre" typeface="Estrangelo Edessa"/>
+        <a:font script="Sora" typeface="Nirmala UI"/>
+        <a:font script="Tale" typeface="Microsoft Tai Le"/>
+        <a:font script="Talu" typeface="Microsoft New Tai Lue"/>
+        <a:font script="Tfng" typeface="Ebrima"/>
       </a:minorFont>
     </a:fontScheme>
-    <a:fmtScheme name="Vapor Trail">
+    <a:fmtScheme name="Office">
       <a:fillStyleLst>
         <a:solidFill>
           <a:schemeClr val="phClr"/>
@@ -17035,24 +14659,23 @@
           <a:gsLst>
             <a:gs pos="0">
               <a:schemeClr val="phClr">
-                <a:tint val="69000"/>
-                <a:alpha val="100000"/>
-                <a:satMod val="109000"/>
                 <a:lumMod val="110000"/>
+                <a:satMod val="105000"/>
+                <a:tint val="67000"/>
               </a:schemeClr>
             </a:gs>
-            <a:gs pos="52000">
+            <a:gs pos="50000">
               <a:schemeClr val="phClr">
-                <a:tint val="74000"/>
-                <a:satMod val="100000"/>
-                <a:lumMod val="104000"/>
+                <a:lumMod val="105000"/>
+                <a:satMod val="103000"/>
+                <a:tint val="73000"/>
               </a:schemeClr>
             </a:gs>
             <a:gs pos="100000">
               <a:schemeClr val="phClr">
-                <a:tint val="78000"/>
-                <a:satMod val="100000"/>
-                <a:lumMod val="100000"/>
+                <a:lumMod val="105000"/>
+                <a:satMod val="109000"/>
+                <a:tint val="81000"/>
               </a:schemeClr>
             </a:gs>
           </a:gsLst>
@@ -17062,16 +14685,23 @@
           <a:gsLst>
             <a:gs pos="0">
               <a:schemeClr val="phClr">
-                <a:tint val="96000"/>
-                <a:satMod val="100000"/>
-                <a:lumMod val="104000"/>
+                <a:satMod val="103000"/>
+                <a:lumMod val="102000"/>
+                <a:tint val="94000"/>
               </a:schemeClr>
             </a:gs>
-            <a:gs pos="78000">
+            <a:gs pos="50000">
               <a:schemeClr val="phClr">
-                <a:shade val="100000"/>
                 <a:satMod val="110000"/>
                 <a:lumMod val="100000"/>
+                <a:shade val="100000"/>
+              </a:schemeClr>
+            </a:gs>
+            <a:gs pos="100000">
+              <a:schemeClr val="phClr">
+                <a:lumMod val="99000"/>
+                <a:satMod val="120000"/>
+                <a:shade val="78000"/>
               </a:schemeClr>
             </a:gs>
           </a:gsLst>
@@ -17079,23 +14709,26 @@
         </a:gradFill>
       </a:fillStyleLst>
       <a:lnStyleLst>
-        <a:ln w="9525" cap="flat" cmpd="sng" algn="ctr">
-          <a:solidFill>
-            <a:schemeClr val="phClr"/>
-          </a:solidFill>
-          <a:prstDash val="solid"/>
-        </a:ln>
         <a:ln w="12700" cap="flat" cmpd="sng" algn="ctr">
           <a:solidFill>
             <a:schemeClr val="phClr"/>
           </a:solidFill>
           <a:prstDash val="solid"/>
+          <a:miter lim="800000"/>
         </a:ln>
         <a:ln w="19050" cap="flat" cmpd="sng" algn="ctr">
           <a:solidFill>
             <a:schemeClr val="phClr"/>
           </a:solidFill>
           <a:prstDash val="solid"/>
+          <a:miter lim="800000"/>
+        </a:ln>
+        <a:ln w="25400" cap="flat" cmpd="sng" algn="ctr">
+          <a:solidFill>
+            <a:schemeClr val="phClr"/>
+          </a:solidFill>
+          <a:prstDash val="solid"/>
+          <a:miter lim="800000"/>
         </a:ln>
       </a:lnStyleLst>
       <a:effectStyleLst>
@@ -17104,33 +14737,15 @@
         </a:effectStyle>
         <a:effectStyle>
           <a:effectLst/>
-          <a:scene3d>
-            <a:camera prst="orthographicFront">
-              <a:rot lat="0" lon="0" rev="0"/>
-            </a:camera>
-            <a:lightRig rig="threePt" dir="t"/>
-          </a:scene3d>
-          <a:sp3d>
-            <a:bevelT w="25400" h="12700"/>
-          </a:sp3d>
         </a:effectStyle>
         <a:effectStyle>
           <a:effectLst>
             <a:outerShdw blurRad="57150" dist="19050" dir="5400000" algn="ctr" rotWithShape="0">
               <a:srgbClr val="000000">
-                <a:alpha val="48000"/>
+                <a:alpha val="63000"/>
               </a:srgbClr>
             </a:outerShdw>
           </a:effectLst>
-          <a:scene3d>
-            <a:camera prst="orthographicFront">
-              <a:rot lat="0" lon="0" rev="0"/>
-            </a:camera>
-            <a:lightRig rig="threePt" dir="t"/>
-          </a:scene3d>
-          <a:sp3d>
-            <a:bevelT w="50800" h="25400"/>
-          </a:sp3d>
         </a:effectStyle>
       </a:effectStyleLst>
       <a:bgFillStyleLst>
@@ -17148,16 +14763,16 @@
             <a:gs pos="0">
               <a:schemeClr val="phClr">
                 <a:tint val="93000"/>
+                <a:satMod val="150000"/>
                 <a:shade val="98000"/>
-                <a:satMod val="150000"/>
                 <a:lumMod val="102000"/>
               </a:schemeClr>
             </a:gs>
             <a:gs pos="50000">
               <a:schemeClr val="phClr">
                 <a:tint val="98000"/>
+                <a:satMod val="130000"/>
                 <a:shade val="90000"/>
-                <a:satMod val="130000"/>
                 <a:lumMod val="103000"/>
               </a:schemeClr>
             </a:gs>
@@ -17173,11 +14788,31 @@
       </a:bgFillStyleLst>
     </a:fmtScheme>
   </a:themeElements>
-  <a:objectDefaults/>
+  <a:objectDefaults>
+    <a:lnDef>
+      <a:spPr/>
+      <a:bodyPr/>
+      <a:lstStyle/>
+      <a:style>
+        <a:lnRef idx="2">
+          <a:schemeClr val="accent1"/>
+        </a:lnRef>
+        <a:fillRef idx="0">
+          <a:schemeClr val="accent1"/>
+        </a:fillRef>
+        <a:effectRef idx="1">
+          <a:schemeClr val="accent1"/>
+        </a:effectRef>
+        <a:fontRef idx="minor">
+          <a:schemeClr val="tx1"/>
+        </a:fontRef>
+      </a:style>
+    </a:lnDef>
+  </a:objectDefaults>
   <a:extraClrSchemeLst/>
   <a:extLst>
     <a:ext uri="{05A4C25C-085E-4340-85A3-A5531E510DB2}">
-      <thm15:themeFamily xmlns:thm15="http://schemas.microsoft.com/office/thememl/2012/main" name="Vapor Trail" id="{4FDF2955-7D9C-493C-B9F9-C205151B46CD}" vid="{8F31A783-2159-4870-BC29-2BA7D038EA44}"/>
+      <thm15:themeFamily xmlns:thm15="http://schemas.microsoft.com/office/thememl/2012/main" name="Office Theme" id="{2E142A2C-CD16-42D6-873A-C26D2A0506FA}" vid="{1BDDFF52-6CD6-40A5-AB3C-68EB2F1E4D0A}"/>
     </a:ext>
   </a:extLst>
 </a:theme>
